--- a/Presentations/CUDA.pptx
+++ b/Presentations/CUDA.pptx
@@ -5,10 +5,10 @@
     <p:sldMasterId id="2147483648" r:id="rId4"/>
   </p:sldMasterIdLst>
   <p:notesMasterIdLst>
-    <p:notesMasterId r:id="rId46"/>
+    <p:notesMasterId r:id="rId44"/>
   </p:notesMasterIdLst>
   <p:handoutMasterIdLst>
-    <p:handoutMasterId r:id="rId47"/>
+    <p:handoutMasterId r:id="rId45"/>
   </p:handoutMasterIdLst>
   <p:sldIdLst>
     <p:sldId id="323" r:id="rId5"/>
@@ -40,18 +40,16 @@
     <p:sldId id="373" r:id="rId31"/>
     <p:sldId id="374" r:id="rId32"/>
     <p:sldId id="376" r:id="rId33"/>
-    <p:sldId id="345" r:id="rId34"/>
-    <p:sldId id="346" r:id="rId35"/>
-    <p:sldId id="347" r:id="rId36"/>
-    <p:sldId id="348" r:id="rId37"/>
-    <p:sldId id="349" r:id="rId38"/>
-    <p:sldId id="350" r:id="rId39"/>
-    <p:sldId id="351" r:id="rId40"/>
-    <p:sldId id="352" r:id="rId41"/>
-    <p:sldId id="353" r:id="rId42"/>
-    <p:sldId id="354" r:id="rId43"/>
-    <p:sldId id="356" r:id="rId44"/>
-    <p:sldId id="357" r:id="rId45"/>
+    <p:sldId id="347" r:id="rId34"/>
+    <p:sldId id="348" r:id="rId35"/>
+    <p:sldId id="349" r:id="rId36"/>
+    <p:sldId id="350" r:id="rId37"/>
+    <p:sldId id="351" r:id="rId38"/>
+    <p:sldId id="352" r:id="rId39"/>
+    <p:sldId id="353" r:id="rId40"/>
+    <p:sldId id="354" r:id="rId41"/>
+    <p:sldId id="356" r:id="rId42"/>
+    <p:sldId id="357" r:id="rId43"/>
   </p:sldIdLst>
   <p:sldSz cx="9144000" cy="6858000" type="screen4x3"/>
   <p:notesSz cx="6858000" cy="9144000"/>
@@ -273,7 +271,7 @@
             <a:fld id="{4BE6205E-B305-4B90-9534-3C5E99A0275E}" type="datetimeFigureOut">
               <a:rPr lang="en-US" smtClean="0"/>
               <a:pPr/>
-              <a:t>1/21/2025</a:t>
+              <a:t>1/24/2025</a:t>
             </a:fld>
             <a:endParaRPr lang="en-US" dirty="0"/>
           </a:p>
@@ -452,7 +450,7 @@
             <a:fld id="{233722F1-E430-42A1-A473-1759336AECCE}" type="datetimeFigureOut">
               <a:rPr lang="en-US" smtClean="0"/>
               <a:pPr/>
-              <a:t>1/21/2025</a:t>
+              <a:t>1/24/2025</a:t>
             </a:fld>
             <a:endParaRPr lang="en-US" dirty="0"/>
           </a:p>
@@ -1158,96 +1156,6 @@
       </p:grpSpPr>
       <p:sp>
         <p:nvSpPr>
-          <p:cNvPr id="57346" name="Slide Image Placeholder 1"/>
-          <p:cNvSpPr>
-            <a:spLocks noGrp="1" noRot="1" noChangeAspect="1" noChangeArrowheads="1" noTextEdit="1"/>
-          </p:cNvSpPr>
-          <p:nvPr>
-            <p:ph type="sldImg"/>
-          </p:nvPr>
-        </p:nvSpPr>
-        <p:spPr bwMode="auto">
-          <a:xfrm>
-            <a:off x="1371600" y="1143000"/>
-            <a:ext cx="4114800" cy="3086100"/>
-          </a:xfrm>
-          <a:noFill/>
-          <a:ln>
-            <a:solidFill>
-              <a:srgbClr val="000000"/>
-            </a:solidFill>
-            <a:miter lim="800000"/>
-            <a:headEnd/>
-            <a:tailEnd/>
-          </a:ln>
-        </p:spPr>
-      </p:sp>
-      <p:sp>
-        <p:nvSpPr>
-          <p:cNvPr id="57347" name="Notes Placeholder 2"/>
-          <p:cNvSpPr>
-            <a:spLocks noGrp="1"/>
-          </p:cNvSpPr>
-          <p:nvPr>
-            <p:ph type="body" idx="1"/>
-          </p:nvPr>
-        </p:nvSpPr>
-        <p:spPr>
-          <a:noFill/>
-          <a:ln/>
-        </p:spPr>
-        <p:txBody>
-          <a:bodyPr/>
-          <a:lstStyle/>
-          <a:p>
-            <a:r>
-              <a:rPr lang="en-US" altLang="en-US">
-                <a:latin typeface="Times New Roman" pitchFamily="18" charset="0"/>
-              </a:rPr>
-              <a:t>Texture caches are designed for graphics applications where memory access patterns exhibit a great deal of </a:t>
-            </a:r>
-            <a:r>
-              <a:rPr lang="en-US" altLang="en-US" b="1" i="1">
-                <a:latin typeface="Times New Roman" pitchFamily="18" charset="0"/>
-              </a:rPr>
-              <a:t>spatial locality</a:t>
-            </a:r>
-            <a:r>
-              <a:rPr lang="en-US" altLang="en-US">
-                <a:latin typeface="Times New Roman" pitchFamily="18" charset="0"/>
-              </a:rPr>
-              <a:t>. In a computing application, this roughly implies that a thread is likely to read from an address “near” the address that nearby threads read</a:t>
-            </a:r>
-          </a:p>
-        </p:txBody>
-      </p:sp>
-    </p:spTree>
-  </p:cSld>
-  <p:clrMapOvr>
-    <a:masterClrMapping/>
-  </p:clrMapOvr>
-</p:notes>
-</file>
-
-<file path=ppt/notesSlides/notesSlide14.xml><?xml version="1.0" encoding="utf-8"?>
-<p:notes xmlns:a="http://schemas.openxmlformats.org/drawingml/2006/main" xmlns:r="http://schemas.openxmlformats.org/officeDocument/2006/relationships" xmlns:p="http://schemas.openxmlformats.org/presentationml/2006/main">
-  <p:cSld>
-    <p:spTree>
-      <p:nvGrpSpPr>
-        <p:cNvPr id="1" name=""/>
-        <p:cNvGrpSpPr/>
-        <p:nvPr/>
-      </p:nvGrpSpPr>
-      <p:grpSpPr>
-        <a:xfrm>
-          <a:off x="0" y="0"/>
-          <a:ext cx="0" cy="0"/>
-          <a:chOff x="0" y="0"/>
-          <a:chExt cx="0" cy="0"/>
-        </a:xfrm>
-      </p:grpSpPr>
-      <p:sp>
-        <p:nvSpPr>
           <p:cNvPr id="58370" name="Slide Image Placeholder 1"/>
           <p:cNvSpPr>
             <a:spLocks noGrp="1" noRot="1" noChangeAspect="1" noTextEdit="1"/>
@@ -1331,7 +1239,7 @@
             <a:fld id="{302763CD-4213-401B-8B42-9B97ACBD6402}" type="slidenum">
               <a:rPr lang="en-US" sz="1300"/>
               <a:pPr algn="r" defTabSz="966788"/>
-              <a:t>32</a:t>
+              <a:t>30</a:t>
             </a:fld>
             <a:endParaRPr lang="en-US" sz="1300"/>
           </a:p>
@@ -1345,7 +1253,7 @@
 </p:notes>
 </file>
 
-<file path=ppt/notesSlides/notesSlide15.xml><?xml version="1.0" encoding="utf-8"?>
+<file path=ppt/notesSlides/notesSlide14.xml><?xml version="1.0" encoding="utf-8"?>
 <p:notes xmlns:a="http://schemas.openxmlformats.org/drawingml/2006/main" xmlns:r="http://schemas.openxmlformats.org/officeDocument/2006/relationships" xmlns:p="http://schemas.openxmlformats.org/presentationml/2006/main">
   <p:cSld>
     <p:spTree>
@@ -1447,7 +1355,7 @@
             <a:fld id="{07465E3C-2290-40C3-A12D-9C2800658E17}" type="slidenum">
               <a:rPr lang="en-US" sz="1300"/>
               <a:pPr algn="r" defTabSz="966788"/>
-              <a:t>33</a:t>
+              <a:t>31</a:t>
             </a:fld>
             <a:endParaRPr lang="en-US" sz="1300"/>
           </a:p>
@@ -1461,7 +1369,7 @@
 </p:notes>
 </file>
 
-<file path=ppt/notesSlides/notesSlide16.xml><?xml version="1.0" encoding="utf-8"?>
+<file path=ppt/notesSlides/notesSlide15.xml><?xml version="1.0" encoding="utf-8"?>
 <p:notes xmlns:a="http://schemas.openxmlformats.org/drawingml/2006/main" xmlns:r="http://schemas.openxmlformats.org/officeDocument/2006/relationships" xmlns:p="http://schemas.openxmlformats.org/presentationml/2006/main">
   <p:cSld>
     <p:spTree>
@@ -1563,7 +1471,7 @@
             <a:fld id="{BD9223BE-2BC4-4A77-B9FB-F41796549841}" type="slidenum">
               <a:rPr lang="en-US" sz="1300"/>
               <a:pPr algn="r" defTabSz="966788"/>
-              <a:t>34</a:t>
+              <a:t>32</a:t>
             </a:fld>
             <a:endParaRPr lang="en-US" sz="1300"/>
           </a:p>
@@ -1577,7 +1485,7 @@
 </p:notes>
 </file>
 
-<file path=ppt/notesSlides/notesSlide17.xml><?xml version="1.0" encoding="utf-8"?>
+<file path=ppt/notesSlides/notesSlide16.xml><?xml version="1.0" encoding="utf-8"?>
 <p:notes xmlns:a="http://schemas.openxmlformats.org/drawingml/2006/main" xmlns:r="http://schemas.openxmlformats.org/officeDocument/2006/relationships" xmlns:p="http://schemas.openxmlformats.org/presentationml/2006/main">
   <p:cSld>
     <p:spTree>
@@ -1679,7 +1587,7 @@
             <a:fld id="{BE99B1DE-64CE-4A30-8381-28E7EC03A8CD}" type="slidenum">
               <a:rPr lang="en-US" sz="1300"/>
               <a:pPr algn="r" defTabSz="966788"/>
-              <a:t>35</a:t>
+              <a:t>33</a:t>
             </a:fld>
             <a:endParaRPr lang="en-US" sz="1300"/>
           </a:p>
@@ -1693,7 +1601,7 @@
 </p:notes>
 </file>
 
-<file path=ppt/notesSlides/notesSlide18.xml><?xml version="1.0" encoding="utf-8"?>
+<file path=ppt/notesSlides/notesSlide17.xml><?xml version="1.0" encoding="utf-8"?>
 <p:notes xmlns:a="http://schemas.openxmlformats.org/drawingml/2006/main" xmlns:r="http://schemas.openxmlformats.org/officeDocument/2006/relationships" xmlns:p="http://schemas.openxmlformats.org/presentationml/2006/main">
   <p:cSld>
     <p:spTree>
@@ -1795,7 +1703,7 @@
             <a:fld id="{33691132-9B6B-4A7D-BF09-5134BA30E602}" type="slidenum">
               <a:rPr lang="en-US" sz="1300"/>
               <a:pPr algn="r" defTabSz="966788"/>
-              <a:t>36</a:t>
+              <a:t>34</a:t>
             </a:fld>
             <a:endParaRPr lang="en-US" sz="1300"/>
           </a:p>
@@ -1809,7 +1717,7 @@
 </p:notes>
 </file>
 
-<file path=ppt/notesSlides/notesSlide19.xml><?xml version="1.0" encoding="utf-8"?>
+<file path=ppt/notesSlides/notesSlide18.xml><?xml version="1.0" encoding="utf-8"?>
 <p:notes xmlns:a="http://schemas.openxmlformats.org/drawingml/2006/main" xmlns:r="http://schemas.openxmlformats.org/officeDocument/2006/relationships" xmlns:p="http://schemas.openxmlformats.org/presentationml/2006/main">
   <p:cSld>
     <p:spTree>
@@ -1911,7 +1819,123 @@
             <a:fld id="{BEAA2B35-4934-41C4-8CF5-506CB5BE8269}" type="slidenum">
               <a:rPr lang="en-US" sz="1300"/>
               <a:pPr algn="r" defTabSz="966788"/>
-              <a:t>37</a:t>
+              <a:t>35</a:t>
+            </a:fld>
+            <a:endParaRPr lang="en-US" sz="1300"/>
+          </a:p>
+        </p:txBody>
+      </p:sp>
+    </p:spTree>
+  </p:cSld>
+  <p:clrMapOvr>
+    <a:masterClrMapping/>
+  </p:clrMapOvr>
+</p:notes>
+</file>
+
+<file path=ppt/notesSlides/notesSlide19.xml><?xml version="1.0" encoding="utf-8"?>
+<p:notes xmlns:a="http://schemas.openxmlformats.org/drawingml/2006/main" xmlns:r="http://schemas.openxmlformats.org/officeDocument/2006/relationships" xmlns:p="http://schemas.openxmlformats.org/presentationml/2006/main">
+  <p:cSld>
+    <p:spTree>
+      <p:nvGrpSpPr>
+        <p:cNvPr id="1" name=""/>
+        <p:cNvGrpSpPr/>
+        <p:nvPr/>
+      </p:nvGrpSpPr>
+      <p:grpSpPr>
+        <a:xfrm>
+          <a:off x="0" y="0"/>
+          <a:ext cx="0" cy="0"/>
+          <a:chOff x="0" y="0"/>
+          <a:chExt cx="0" cy="0"/>
+        </a:xfrm>
+      </p:grpSpPr>
+      <p:sp>
+        <p:nvSpPr>
+          <p:cNvPr id="64514" name="Slide Image Placeholder 1"/>
+          <p:cNvSpPr>
+            <a:spLocks noGrp="1" noRot="1" noChangeAspect="1" noTextEdit="1"/>
+          </p:cNvSpPr>
+          <p:nvPr>
+            <p:ph type="sldImg"/>
+          </p:nvPr>
+        </p:nvSpPr>
+        <p:spPr bwMode="auto">
+          <a:xfrm>
+            <a:off x="1371600" y="1143000"/>
+            <a:ext cx="4114800" cy="3086100"/>
+          </a:xfrm>
+          <a:noFill/>
+          <a:ln>
+            <a:solidFill>
+              <a:srgbClr val="000000"/>
+            </a:solidFill>
+            <a:miter lim="800000"/>
+            <a:headEnd/>
+            <a:tailEnd/>
+          </a:ln>
+        </p:spPr>
+      </p:sp>
+      <p:sp>
+        <p:nvSpPr>
+          <p:cNvPr id="64515" name="Notes Placeholder 2"/>
+          <p:cNvSpPr>
+            <a:spLocks noGrp="1"/>
+          </p:cNvSpPr>
+          <p:nvPr>
+            <p:ph type="body" idx="1"/>
+          </p:nvPr>
+        </p:nvSpPr>
+        <p:spPr>
+          <a:noFill/>
+          <a:ln/>
+        </p:spPr>
+        <p:txBody>
+          <a:bodyPr/>
+          <a:lstStyle/>
+          <a:p>
+            <a:pPr eaLnBrk="1" hangingPunct="1">
+              <a:spcBef>
+                <a:spcPct val="0"/>
+              </a:spcBef>
+            </a:pPr>
+            <a:endParaRPr lang="en-US"/>
+          </a:p>
+        </p:txBody>
+      </p:sp>
+      <p:sp>
+        <p:nvSpPr>
+          <p:cNvPr id="64516" name="Slide Number Placeholder 3"/>
+          <p:cNvSpPr txBox="1">
+            <a:spLocks noGrp="1"/>
+          </p:cNvSpPr>
+          <p:nvPr/>
+        </p:nvSpPr>
+        <p:spPr bwMode="auto">
+          <a:xfrm>
+            <a:off x="3884839" y="8685611"/>
+            <a:ext cx="2972027" cy="456406"/>
+          </a:xfrm>
+          <a:prstGeom prst="rect">
+            <a:avLst/>
+          </a:prstGeom>
+          <a:noFill/>
+          <a:ln w="9525">
+            <a:noFill/>
+            <a:miter lim="800000"/>
+            <a:headEnd/>
+            <a:tailEnd/>
+          </a:ln>
+        </p:spPr>
+        <p:txBody>
+          <a:bodyPr lIns="96661" tIns="48331" rIns="96661" bIns="48331" anchor="b"/>
+          <a:lstStyle/>
+          <a:p>
+            <a:pPr algn="r" defTabSz="966788"/>
+            <a:fld id="{01CB77E1-4C9F-4458-99AD-1FABF69D2B63}" type="slidenum">
+              <a:rPr lang="en-US" sz="1300"/>
+              <a:pPr algn="r" defTabSz="966788"/>
+              <a:t>36</a:t>
             </a:fld>
             <a:endParaRPr lang="en-US" sz="1300"/>
           </a:p>
@@ -2060,122 +2084,6 @@
       </p:grpSpPr>
       <p:sp>
         <p:nvSpPr>
-          <p:cNvPr id="64514" name="Slide Image Placeholder 1"/>
-          <p:cNvSpPr>
-            <a:spLocks noGrp="1" noRot="1" noChangeAspect="1" noTextEdit="1"/>
-          </p:cNvSpPr>
-          <p:nvPr>
-            <p:ph type="sldImg"/>
-          </p:nvPr>
-        </p:nvSpPr>
-        <p:spPr bwMode="auto">
-          <a:xfrm>
-            <a:off x="1371600" y="1143000"/>
-            <a:ext cx="4114800" cy="3086100"/>
-          </a:xfrm>
-          <a:noFill/>
-          <a:ln>
-            <a:solidFill>
-              <a:srgbClr val="000000"/>
-            </a:solidFill>
-            <a:miter lim="800000"/>
-            <a:headEnd/>
-            <a:tailEnd/>
-          </a:ln>
-        </p:spPr>
-      </p:sp>
-      <p:sp>
-        <p:nvSpPr>
-          <p:cNvPr id="64515" name="Notes Placeholder 2"/>
-          <p:cNvSpPr>
-            <a:spLocks noGrp="1"/>
-          </p:cNvSpPr>
-          <p:nvPr>
-            <p:ph type="body" idx="1"/>
-          </p:nvPr>
-        </p:nvSpPr>
-        <p:spPr>
-          <a:noFill/>
-          <a:ln/>
-        </p:spPr>
-        <p:txBody>
-          <a:bodyPr/>
-          <a:lstStyle/>
-          <a:p>
-            <a:pPr eaLnBrk="1" hangingPunct="1">
-              <a:spcBef>
-                <a:spcPct val="0"/>
-              </a:spcBef>
-            </a:pPr>
-            <a:endParaRPr lang="en-US"/>
-          </a:p>
-        </p:txBody>
-      </p:sp>
-      <p:sp>
-        <p:nvSpPr>
-          <p:cNvPr id="64516" name="Slide Number Placeholder 3"/>
-          <p:cNvSpPr txBox="1">
-            <a:spLocks noGrp="1"/>
-          </p:cNvSpPr>
-          <p:nvPr/>
-        </p:nvSpPr>
-        <p:spPr bwMode="auto">
-          <a:xfrm>
-            <a:off x="3884839" y="8685611"/>
-            <a:ext cx="2972027" cy="456406"/>
-          </a:xfrm>
-          <a:prstGeom prst="rect">
-            <a:avLst/>
-          </a:prstGeom>
-          <a:noFill/>
-          <a:ln w="9525">
-            <a:noFill/>
-            <a:miter lim="800000"/>
-            <a:headEnd/>
-            <a:tailEnd/>
-          </a:ln>
-        </p:spPr>
-        <p:txBody>
-          <a:bodyPr lIns="96661" tIns="48331" rIns="96661" bIns="48331" anchor="b"/>
-          <a:lstStyle/>
-          <a:p>
-            <a:pPr algn="r" defTabSz="966788"/>
-            <a:fld id="{01CB77E1-4C9F-4458-99AD-1FABF69D2B63}" type="slidenum">
-              <a:rPr lang="en-US" sz="1300"/>
-              <a:pPr algn="r" defTabSz="966788"/>
-              <a:t>38</a:t>
-            </a:fld>
-            <a:endParaRPr lang="en-US" sz="1300"/>
-          </a:p>
-        </p:txBody>
-      </p:sp>
-    </p:spTree>
-  </p:cSld>
-  <p:clrMapOvr>
-    <a:masterClrMapping/>
-  </p:clrMapOvr>
-</p:notes>
-</file>
-
-<file path=ppt/notesSlides/notesSlide21.xml><?xml version="1.0" encoding="utf-8"?>
-<p:notes xmlns:a="http://schemas.openxmlformats.org/drawingml/2006/main" xmlns:r="http://schemas.openxmlformats.org/officeDocument/2006/relationships" xmlns:p="http://schemas.openxmlformats.org/presentationml/2006/main">
-  <p:cSld>
-    <p:spTree>
-      <p:nvGrpSpPr>
-        <p:cNvPr id="1" name=""/>
-        <p:cNvGrpSpPr/>
-        <p:nvPr/>
-      </p:nvGrpSpPr>
-      <p:grpSpPr>
-        <a:xfrm>
-          <a:off x="0" y="0"/>
-          <a:ext cx="0" cy="0"/>
-          <a:chOff x="0" y="0"/>
-          <a:chExt cx="0" cy="0"/>
-        </a:xfrm>
-      </p:grpSpPr>
-      <p:sp>
-        <p:nvSpPr>
           <p:cNvPr id="65538" name="Slide Image Placeholder 1"/>
           <p:cNvSpPr>
             <a:spLocks noGrp="1" noRot="1" noChangeAspect="1" noTextEdit="1"/>
@@ -2259,7 +2167,7 @@
             <a:fld id="{8E247AA4-E78A-4B17-AB9F-EC1C47352870}" type="slidenum">
               <a:rPr lang="en-US" sz="1300"/>
               <a:pPr algn="r" defTabSz="966788"/>
-              <a:t>39</a:t>
+              <a:t>37</a:t>
             </a:fld>
             <a:endParaRPr lang="en-US" sz="1300"/>
           </a:p>
@@ -2273,7 +2181,7 @@
 </p:notes>
 </file>
 
-<file path=ppt/notesSlides/notesSlide22.xml><?xml version="1.0" encoding="utf-8"?>
+<file path=ppt/notesSlides/notesSlide21.xml><?xml version="1.0" encoding="utf-8"?>
 <p:notes xmlns:a="http://schemas.openxmlformats.org/drawingml/2006/main" xmlns:r="http://schemas.openxmlformats.org/officeDocument/2006/relationships" xmlns:p="http://schemas.openxmlformats.org/presentationml/2006/main">
   <p:cSld>
     <p:spTree>
@@ -2375,7 +2283,7 @@
             <a:fld id="{0036924D-13B2-4EFB-ABAC-4E91807333A5}" type="slidenum">
               <a:rPr lang="en-US" sz="1300"/>
               <a:pPr algn="r" defTabSz="966788"/>
-              <a:t>40</a:t>
+              <a:t>38</a:t>
             </a:fld>
             <a:endParaRPr lang="en-US" sz="1300"/>
           </a:p>
@@ -4940,7 +4848,7 @@
               <a:pPr>
                 <a:defRPr/>
               </a:pPr>
-              <a:t>January 21, 2025</a:t>
+              <a:t>January 24, 2025</a:t>
             </a:fld>
             <a:endParaRPr lang="en-US"/>
           </a:p>
@@ -18906,50 +18814,6 @@
       </p:grpSpPr>
       <p:sp>
         <p:nvSpPr>
-          <p:cNvPr id="22530" name="Rectangle 4"/>
-          <p:cNvSpPr>
-            <a:spLocks noChangeArrowheads="1"/>
-          </p:cNvSpPr>
-          <p:nvPr/>
-        </p:nvSpPr>
-        <p:spPr bwMode="auto">
-          <a:xfrm>
-            <a:off x="742950" y="5629275"/>
-            <a:ext cx="7943850" cy="733425"/>
-          </a:xfrm>
-          <a:prstGeom prst="rect">
-            <a:avLst/>
-          </a:prstGeom>
-          <a:solidFill>
-            <a:schemeClr val="bg1"/>
-          </a:solidFill>
-          <a:ln w="9525" algn="ctr">
-            <a:solidFill>
-              <a:schemeClr val="tx1"/>
-            </a:solidFill>
-            <a:round/>
-            <a:headEnd/>
-            <a:tailEnd/>
-          </a:ln>
-        </p:spPr>
-        <p:txBody>
-          <a:bodyPr/>
-          <a:lstStyle/>
-          <a:p>
-            <a:pPr>
-              <a:buClr>
-                <a:srgbClr val="000000"/>
-              </a:buClr>
-              <a:buSzPct val="100000"/>
-              <a:buFont typeface="Times New Roman" pitchFamily="18" charset="0"/>
-              <a:buNone/>
-            </a:pPr>
-            <a:endParaRPr lang="en-US" altLang="en-US"/>
-          </a:p>
-        </p:txBody>
-      </p:sp>
-      <p:sp>
-        <p:nvSpPr>
           <p:cNvPr id="22531" name="Text Box 2"/>
           <p:cNvSpPr txBox="1">
             <a:spLocks noChangeArrowheads="1"/>
@@ -19203,25 +19067,7 @@
                 </a:solidFill>
                 <a:latin typeface="Courier New" pitchFamily="49" charset="0"/>
               </a:rPr>
-              <a:t>((</a:t>
-            </a:r>
-            <a:r>
-              <a:rPr lang="en-US" altLang="en-US" sz="2000" b="1" dirty="0">
-                <a:solidFill>
-                  <a:srgbClr val="0000CC"/>
-                </a:solidFill>
-                <a:latin typeface="Courier New" pitchFamily="49" charset="0"/>
-              </a:rPr>
-              <a:t>void</a:t>
-            </a:r>
-            <a:r>
-              <a:rPr lang="en-US" altLang="en-US" sz="2000" b="1" dirty="0">
-                <a:solidFill>
-                  <a:srgbClr val="000000"/>
-                </a:solidFill>
-                <a:latin typeface="Courier New" pitchFamily="49" charset="0"/>
-              </a:rPr>
-              <a:t>**)&amp;</a:t>
+              <a:t>(&amp;</a:t>
             </a:r>
             <a:r>
               <a:rPr lang="en-US" altLang="en-US" sz="2000" b="1" dirty="0" err="1">
@@ -19432,84 +19278,6 @@
           </a:p>
         </p:txBody>
       </p:sp>
-      <p:sp>
-        <p:nvSpPr>
-          <p:cNvPr id="22532" name="TextBox 3"/>
-          <p:cNvSpPr txBox="1">
-            <a:spLocks noChangeArrowheads="1"/>
-          </p:cNvSpPr>
-          <p:nvPr/>
-        </p:nvSpPr>
-        <p:spPr bwMode="auto">
-          <a:xfrm>
-            <a:off x="762000" y="5648327"/>
-            <a:ext cx="7867650" cy="646113"/>
-          </a:xfrm>
-          <a:prstGeom prst="rect">
-            <a:avLst/>
-          </a:prstGeom>
-          <a:noFill/>
-          <a:ln w="9525">
-            <a:noFill/>
-            <a:miter lim="800000"/>
-            <a:headEnd/>
-            <a:tailEnd/>
-          </a:ln>
-        </p:spPr>
-        <p:txBody>
-          <a:bodyPr wrap="square">
-            <a:spAutoFit/>
-          </a:bodyPr>
-          <a:lstStyle/>
-          <a:p>
-            <a:pPr>
-              <a:buClr>
-                <a:srgbClr val="000000"/>
-              </a:buClr>
-              <a:buSzPct val="100000"/>
-              <a:buFont typeface="Times New Roman" pitchFamily="18" charset="0"/>
-              <a:buNone/>
-            </a:pPr>
-            <a:r>
-              <a:rPr lang="en-US" altLang="en-US" dirty="0">
-                <a:solidFill>
-                  <a:srgbClr val="FF0000"/>
-                </a:solidFill>
-              </a:rPr>
-              <a:t>We cast it into double pointer because it's a pointer to the pointer. It has to point to a pointer in GPU memory. </a:t>
-            </a:r>
-          </a:p>
-        </p:txBody>
-      </p:sp>
-      <p:cxnSp>
-        <p:nvCxnSpPr>
-          <p:cNvPr id="22533" name="Elbow Connector 7"/>
-          <p:cNvCxnSpPr>
-            <a:cxnSpLocks noChangeShapeType="1"/>
-          </p:cNvCxnSpPr>
-          <p:nvPr/>
-        </p:nvCxnSpPr>
-        <p:spPr bwMode="auto">
-          <a:xfrm rot="16200000" flipV="1">
-            <a:off x="3644107" y="4509294"/>
-            <a:ext cx="1360488" cy="723900"/>
-          </a:xfrm>
-          <a:prstGeom prst="bentConnector3">
-            <a:avLst>
-              <a:gd name="adj1" fmla="val 50000"/>
-            </a:avLst>
-          </a:prstGeom>
-          <a:noFill/>
-          <a:ln w="9525" algn="ctr">
-            <a:solidFill>
-              <a:schemeClr val="tx1"/>
-            </a:solidFill>
-            <a:round/>
-            <a:headEnd/>
-            <a:tailEnd type="arrow" w="med" len="med"/>
-          </a:ln>
-        </p:spPr>
-      </p:cxnSp>
       <p:sp>
         <p:nvSpPr>
           <p:cNvPr id="8" name="Title 7"/>
@@ -21179,25 +20947,7 @@
                 </a:solidFill>
                 <a:latin typeface="Courier New" pitchFamily="49" charset="0"/>
               </a:rPr>
-              <a:t>((</a:t>
-            </a:r>
-            <a:r>
-              <a:rPr lang="en-US" altLang="en-US" b="1" dirty="0">
-                <a:solidFill>
-                  <a:srgbClr val="0000CC"/>
-                </a:solidFill>
-                <a:latin typeface="Courier New" pitchFamily="49" charset="0"/>
-              </a:rPr>
-              <a:t>void</a:t>
-            </a:r>
-            <a:r>
-              <a:rPr lang="en-US" altLang="en-US" b="1" dirty="0">
-                <a:solidFill>
-                  <a:srgbClr val="000000"/>
-                </a:solidFill>
-                <a:latin typeface="Courier New" pitchFamily="49" charset="0"/>
-              </a:rPr>
-              <a:t>**)&amp;A, N * N * </a:t>
+              <a:t>(&amp;A, N * N * </a:t>
             </a:r>
             <a:r>
               <a:rPr lang="en-US" altLang="en-US" b="1" dirty="0" err="1">
@@ -21305,25 +21055,7 @@
                 </a:solidFill>
                 <a:latin typeface="Courier New" pitchFamily="49" charset="0"/>
               </a:rPr>
-              <a:t>((</a:t>
-            </a:r>
-            <a:r>
-              <a:rPr lang="en-US" altLang="en-US" b="1" dirty="0">
-                <a:solidFill>
-                  <a:srgbClr val="0000CC"/>
-                </a:solidFill>
-                <a:latin typeface="Courier New" pitchFamily="49" charset="0"/>
-              </a:rPr>
-              <a:t>void</a:t>
-            </a:r>
-            <a:r>
-              <a:rPr lang="en-US" altLang="en-US" b="1" dirty="0">
-                <a:solidFill>
-                  <a:srgbClr val="000000"/>
-                </a:solidFill>
-                <a:latin typeface="Courier New" pitchFamily="49" charset="0"/>
-              </a:rPr>
-              <a:t>**)&amp;B, N * N * </a:t>
+              <a:t>(&amp;B, N * N * </a:t>
             </a:r>
             <a:r>
               <a:rPr lang="en-US" altLang="en-US" b="1" dirty="0" err="1">
@@ -21431,25 +21163,7 @@
                 </a:solidFill>
                 <a:latin typeface="Courier New" pitchFamily="49" charset="0"/>
               </a:rPr>
-              <a:t>((</a:t>
-            </a:r>
-            <a:r>
-              <a:rPr lang="en-US" altLang="en-US" b="1" dirty="0">
-                <a:solidFill>
-                  <a:srgbClr val="0000CC"/>
-                </a:solidFill>
-                <a:latin typeface="Courier New" pitchFamily="49" charset="0"/>
-              </a:rPr>
-              <a:t>void</a:t>
-            </a:r>
-            <a:r>
-              <a:rPr lang="en-US" altLang="en-US" b="1" dirty="0">
-                <a:solidFill>
-                  <a:srgbClr val="000000"/>
-                </a:solidFill>
-                <a:latin typeface="Courier New" pitchFamily="49" charset="0"/>
-              </a:rPr>
-              <a:t>**)&amp;C, N * N * </a:t>
+              <a:t>(&amp;C, N * N * </a:t>
             </a:r>
             <a:r>
               <a:rPr lang="en-US" altLang="en-US" b="1" dirty="0" err="1">
@@ -22737,2118 +22451,63 @@
           <a:chExt cx="0" cy="0"/>
         </a:xfrm>
       </p:grpSpPr>
-      <p:grpSp>
-        <p:nvGrpSpPr>
-          <p:cNvPr id="2" name="Group 50"/>
-          <p:cNvGrpSpPr>
-            <a:grpSpLocks/>
-          </p:cNvGrpSpPr>
-          <p:nvPr/>
-        </p:nvGrpSpPr>
-        <p:grpSpPr bwMode="auto">
-          <a:xfrm>
-            <a:off x="5232889" y="1565277"/>
-            <a:ext cx="3716216" cy="5045075"/>
-            <a:chOff x="5668433" y="1546225"/>
-            <a:chExt cx="4026033" cy="5045075"/>
-          </a:xfrm>
-        </p:grpSpPr>
-        <p:sp>
-          <p:nvSpPr>
-            <p:cNvPr id="24581" name="AutoShape 5"/>
-            <p:cNvSpPr>
-              <a:spLocks noChangeAspect="1" noChangeArrowheads="1"/>
-            </p:cNvSpPr>
-            <p:nvPr/>
-          </p:nvSpPr>
-          <p:spPr bwMode="auto">
-            <a:xfrm>
-              <a:off x="5668433" y="1546225"/>
-              <a:ext cx="4026033" cy="5045075"/>
-            </a:xfrm>
-            <a:prstGeom prst="rect">
-              <a:avLst/>
-            </a:prstGeom>
-            <a:noFill/>
-            <a:ln w="9525">
-              <a:noFill/>
-              <a:miter lim="800000"/>
-              <a:headEnd/>
-              <a:tailEnd/>
-            </a:ln>
-          </p:spPr>
-          <p:txBody>
-            <a:bodyPr/>
-            <a:lstStyle/>
-            <a:p>
-              <a:pPr>
-                <a:buClr>
-                  <a:srgbClr val="000000"/>
-                </a:buClr>
-                <a:buSzPct val="100000"/>
-                <a:buFont typeface="Times New Roman" pitchFamily="18" charset="0"/>
-                <a:buNone/>
-              </a:pPr>
-              <a:endParaRPr lang="en-US" altLang="en-US"/>
-            </a:p>
-          </p:txBody>
-        </p:sp>
-        <p:sp>
-          <p:nvSpPr>
-            <p:cNvPr id="24582" name="Text Box 6"/>
-            <p:cNvSpPr txBox="1">
-              <a:spLocks noChangeArrowheads="1"/>
-            </p:cNvSpPr>
-            <p:nvPr/>
-          </p:nvSpPr>
-          <p:spPr bwMode="auto">
-            <a:xfrm>
-              <a:off x="5673593" y="1550988"/>
-              <a:ext cx="4015713" cy="5035550"/>
-            </a:xfrm>
-            <a:prstGeom prst="rect">
-              <a:avLst/>
-            </a:prstGeom>
-            <a:solidFill>
-              <a:srgbClr val="99CCFF"/>
-            </a:solidFill>
-            <a:ln w="9525">
-              <a:solidFill>
-                <a:srgbClr val="969696"/>
-              </a:solidFill>
-              <a:miter lim="800000"/>
-              <a:headEnd/>
-              <a:tailEnd/>
-            </a:ln>
-          </p:spPr>
-          <p:txBody>
-            <a:bodyPr/>
-            <a:lstStyle/>
-            <a:p>
-              <a:pPr>
-                <a:buClr>
-                  <a:srgbClr val="000000"/>
-                </a:buClr>
-                <a:buSzPct val="100000"/>
-                <a:buFont typeface="Times New Roman" pitchFamily="18" charset="0"/>
-                <a:buNone/>
-              </a:pPr>
-              <a:r>
-                <a:rPr lang="en-US" altLang="en-US" sz="1200" b="1">
-                  <a:solidFill>
-                    <a:srgbClr val="003300"/>
-                  </a:solidFill>
-                </a:rPr>
-                <a:t>(Device) Grid</a:t>
-              </a:r>
-            </a:p>
-          </p:txBody>
-        </p:sp>
-        <p:sp>
-          <p:nvSpPr>
-            <p:cNvPr id="24583" name="Text Box 7"/>
-            <p:cNvSpPr txBox="1">
-              <a:spLocks noChangeArrowheads="1"/>
-            </p:cNvSpPr>
-            <p:nvPr/>
-          </p:nvSpPr>
-          <p:spPr bwMode="auto">
-            <a:xfrm>
-              <a:off x="5728627" y="5541964"/>
-              <a:ext cx="3905646" cy="427037"/>
-            </a:xfrm>
-            <a:prstGeom prst="rect">
-              <a:avLst/>
-            </a:prstGeom>
-            <a:solidFill>
-              <a:srgbClr val="FF6600"/>
-            </a:solidFill>
-            <a:ln w="9525">
-              <a:solidFill>
-                <a:srgbClr val="969696"/>
-              </a:solidFill>
-              <a:miter lim="800000"/>
-              <a:headEnd/>
-              <a:tailEnd/>
-            </a:ln>
-          </p:spPr>
-          <p:txBody>
-            <a:bodyPr/>
-            <a:lstStyle/>
-            <a:p>
-              <a:pPr>
-                <a:buClr>
-                  <a:srgbClr val="000000"/>
-                </a:buClr>
-                <a:buSzPct val="100000"/>
-                <a:buFont typeface="Times New Roman" pitchFamily="18" charset="0"/>
-                <a:buNone/>
-              </a:pPr>
-              <a:r>
-                <a:rPr lang="en-US" altLang="en-US" sz="1000" b="1">
-                  <a:solidFill>
-                    <a:srgbClr val="003300"/>
-                  </a:solidFill>
-                </a:rPr>
-                <a:t>Constant</a:t>
-              </a:r>
-            </a:p>
-            <a:p>
-              <a:pPr>
-                <a:buClr>
-                  <a:srgbClr val="000000"/>
-                </a:buClr>
-                <a:buSzPct val="100000"/>
-                <a:buFont typeface="Times New Roman" pitchFamily="18" charset="0"/>
-                <a:buNone/>
-              </a:pPr>
-              <a:r>
-                <a:rPr lang="en-US" altLang="en-US" sz="1000" b="1">
-                  <a:solidFill>
-                    <a:srgbClr val="003300"/>
-                  </a:solidFill>
-                </a:rPr>
-                <a:t>Memory</a:t>
-              </a:r>
-              <a:endParaRPr lang="en-US" altLang="en-US" sz="1000">
-                <a:solidFill>
-                  <a:srgbClr val="003300"/>
-                </a:solidFill>
-              </a:endParaRPr>
-            </a:p>
-          </p:txBody>
-        </p:sp>
-        <p:sp>
-          <p:nvSpPr>
-            <p:cNvPr id="24584" name="Text Box 8"/>
-            <p:cNvSpPr txBox="1">
-              <a:spLocks noChangeArrowheads="1"/>
-            </p:cNvSpPr>
-            <p:nvPr/>
-          </p:nvSpPr>
-          <p:spPr bwMode="auto">
-            <a:xfrm>
-              <a:off x="5728627" y="6080125"/>
-              <a:ext cx="3905646" cy="425450"/>
-            </a:xfrm>
-            <a:prstGeom prst="rect">
-              <a:avLst/>
-            </a:prstGeom>
-            <a:solidFill>
-              <a:srgbClr val="FF6600"/>
-            </a:solidFill>
-            <a:ln w="9525">
-              <a:solidFill>
-                <a:srgbClr val="969696"/>
-              </a:solidFill>
-              <a:miter lim="800000"/>
-              <a:headEnd/>
-              <a:tailEnd/>
-            </a:ln>
-          </p:spPr>
-          <p:txBody>
-            <a:bodyPr/>
-            <a:lstStyle/>
-            <a:p>
-              <a:pPr>
-                <a:buClr>
-                  <a:srgbClr val="000000"/>
-                </a:buClr>
-                <a:buSzPct val="100000"/>
-                <a:buFont typeface="Times New Roman" pitchFamily="18" charset="0"/>
-                <a:buNone/>
-              </a:pPr>
-              <a:r>
-                <a:rPr lang="en-US" altLang="en-US" sz="1000" b="1">
-                  <a:solidFill>
-                    <a:srgbClr val="003300"/>
-                  </a:solidFill>
-                </a:rPr>
-                <a:t>Texture</a:t>
-              </a:r>
-            </a:p>
-            <a:p>
-              <a:pPr>
-                <a:buClr>
-                  <a:srgbClr val="000000"/>
-                </a:buClr>
-                <a:buSzPct val="100000"/>
-                <a:buFont typeface="Times New Roman" pitchFamily="18" charset="0"/>
-                <a:buNone/>
-              </a:pPr>
-              <a:r>
-                <a:rPr lang="en-US" altLang="en-US" sz="1000" b="1">
-                  <a:solidFill>
-                    <a:srgbClr val="003300"/>
-                  </a:solidFill>
-                </a:rPr>
-                <a:t>Memory</a:t>
-              </a:r>
-              <a:endParaRPr lang="en-US" altLang="en-US" sz="1000">
-                <a:solidFill>
-                  <a:srgbClr val="003300"/>
-                </a:solidFill>
-              </a:endParaRPr>
-            </a:p>
-          </p:txBody>
-        </p:sp>
-        <p:sp>
-          <p:nvSpPr>
-            <p:cNvPr id="24585" name="Text Box 9"/>
-            <p:cNvSpPr txBox="1">
-              <a:spLocks noChangeArrowheads="1"/>
-            </p:cNvSpPr>
-            <p:nvPr/>
-          </p:nvSpPr>
-          <p:spPr bwMode="auto">
-            <a:xfrm>
-              <a:off x="5728627" y="4995863"/>
-              <a:ext cx="3905646" cy="425450"/>
-            </a:xfrm>
-            <a:prstGeom prst="rect">
-              <a:avLst/>
-            </a:prstGeom>
-            <a:solidFill>
-              <a:srgbClr val="FF6600"/>
-            </a:solidFill>
-            <a:ln w="9525">
-              <a:solidFill>
-                <a:srgbClr val="969696"/>
-              </a:solidFill>
-              <a:miter lim="800000"/>
-              <a:headEnd/>
-              <a:tailEnd/>
-            </a:ln>
-          </p:spPr>
-          <p:txBody>
-            <a:bodyPr/>
-            <a:lstStyle/>
-            <a:p>
-              <a:pPr>
-                <a:buClr>
-                  <a:srgbClr val="000000"/>
-                </a:buClr>
-                <a:buSzPct val="100000"/>
-                <a:buFont typeface="Times New Roman" pitchFamily="18" charset="0"/>
-                <a:buNone/>
-              </a:pPr>
-              <a:r>
-                <a:rPr lang="en-US" altLang="en-US" sz="1000" b="1">
-                  <a:solidFill>
-                    <a:srgbClr val="003300"/>
-                  </a:solidFill>
-                </a:rPr>
-                <a:t>Global</a:t>
-              </a:r>
-            </a:p>
-            <a:p>
-              <a:pPr>
-                <a:buClr>
-                  <a:srgbClr val="000000"/>
-                </a:buClr>
-                <a:buSzPct val="100000"/>
-                <a:buFont typeface="Times New Roman" pitchFamily="18" charset="0"/>
-                <a:buNone/>
-              </a:pPr>
-              <a:r>
-                <a:rPr lang="en-US" altLang="en-US" sz="1000" b="1">
-                  <a:solidFill>
-                    <a:srgbClr val="003300"/>
-                  </a:solidFill>
-                </a:rPr>
-                <a:t>Memory</a:t>
-              </a:r>
-              <a:endParaRPr lang="en-US" altLang="en-US" sz="1000">
-                <a:solidFill>
-                  <a:srgbClr val="003300"/>
-                </a:solidFill>
-              </a:endParaRPr>
-            </a:p>
-          </p:txBody>
-        </p:sp>
-        <p:sp>
-          <p:nvSpPr>
-            <p:cNvPr id="24586" name="Text Box 10"/>
-            <p:cNvSpPr txBox="1">
-              <a:spLocks noChangeArrowheads="1"/>
-            </p:cNvSpPr>
-            <p:nvPr/>
-          </p:nvSpPr>
-          <p:spPr bwMode="auto">
-            <a:xfrm>
-              <a:off x="5726906" y="2044700"/>
-              <a:ext cx="1919288" cy="2852738"/>
-            </a:xfrm>
-            <a:prstGeom prst="rect">
-              <a:avLst/>
-            </a:prstGeom>
-            <a:solidFill>
-              <a:srgbClr val="FFCC00"/>
-            </a:solidFill>
-            <a:ln w="9525">
-              <a:solidFill>
-                <a:srgbClr val="969696"/>
-              </a:solidFill>
-              <a:miter lim="800000"/>
-              <a:headEnd/>
-              <a:tailEnd/>
-            </a:ln>
-          </p:spPr>
-          <p:txBody>
-            <a:bodyPr/>
-            <a:lstStyle/>
-            <a:p>
-              <a:pPr>
-                <a:buClr>
-                  <a:srgbClr val="000000"/>
-                </a:buClr>
-                <a:buSzPct val="100000"/>
-                <a:buFont typeface="Times New Roman" pitchFamily="18" charset="0"/>
-                <a:buNone/>
-              </a:pPr>
-              <a:r>
-                <a:rPr lang="en-US" altLang="en-US" sz="1200" b="1">
-                  <a:solidFill>
-                    <a:srgbClr val="003300"/>
-                  </a:solidFill>
-                </a:rPr>
-                <a:t>Block (0, 0)</a:t>
-              </a:r>
-            </a:p>
-          </p:txBody>
-        </p:sp>
-        <p:sp>
-          <p:nvSpPr>
-            <p:cNvPr id="24587" name="Text Box 11"/>
-            <p:cNvSpPr txBox="1">
-              <a:spLocks noChangeArrowheads="1"/>
-            </p:cNvSpPr>
-            <p:nvPr/>
-          </p:nvSpPr>
-          <p:spPr bwMode="auto">
-            <a:xfrm>
-              <a:off x="5780220" y="2554288"/>
-              <a:ext cx="1822979" cy="349250"/>
-            </a:xfrm>
-            <a:prstGeom prst="rect">
-              <a:avLst/>
-            </a:prstGeom>
-            <a:solidFill>
-              <a:srgbClr val="FF6600"/>
-            </a:solidFill>
-            <a:ln w="9525">
-              <a:solidFill>
-                <a:srgbClr val="969696"/>
-              </a:solidFill>
-              <a:miter lim="800000"/>
-              <a:headEnd/>
-              <a:tailEnd/>
-            </a:ln>
-          </p:spPr>
-          <p:txBody>
-            <a:bodyPr lIns="0" tIns="91440" rIns="0" bIns="0"/>
-            <a:lstStyle/>
-            <a:p>
-              <a:pPr algn="ctr">
-                <a:buClr>
-                  <a:srgbClr val="000000"/>
-                </a:buClr>
-                <a:buSzPct val="100000"/>
-                <a:buFont typeface="Times New Roman" pitchFamily="18" charset="0"/>
-                <a:buNone/>
-              </a:pPr>
-              <a:r>
-                <a:rPr lang="en-US" altLang="en-US" sz="1000" b="1">
-                  <a:solidFill>
-                    <a:srgbClr val="003300"/>
-                  </a:solidFill>
-                </a:rPr>
-                <a:t>Shared Memory</a:t>
-              </a:r>
-              <a:endParaRPr lang="en-US" altLang="en-US" sz="1000">
-                <a:solidFill>
-                  <a:srgbClr val="003300"/>
-                </a:solidFill>
-              </a:endParaRPr>
-            </a:p>
-          </p:txBody>
-        </p:sp>
-        <p:sp>
-          <p:nvSpPr>
-            <p:cNvPr id="24588" name="Text Box 12"/>
-            <p:cNvSpPr txBox="1">
-              <a:spLocks noChangeArrowheads="1"/>
-            </p:cNvSpPr>
-            <p:nvPr/>
-          </p:nvSpPr>
-          <p:spPr bwMode="auto">
-            <a:xfrm>
-              <a:off x="5780220" y="4300539"/>
-              <a:ext cx="570971" cy="547687"/>
-            </a:xfrm>
-            <a:prstGeom prst="rect">
-              <a:avLst/>
-            </a:prstGeom>
-            <a:solidFill>
-              <a:srgbClr val="FF6600"/>
-            </a:solidFill>
-            <a:ln w="9525">
-              <a:solidFill>
-                <a:srgbClr val="969696"/>
-              </a:solidFill>
-              <a:miter lim="800000"/>
-              <a:headEnd/>
-              <a:tailEnd/>
-            </a:ln>
-          </p:spPr>
-          <p:txBody>
-            <a:bodyPr lIns="0" tIns="91440" rIns="0" bIns="0"/>
-            <a:lstStyle/>
-            <a:p>
-              <a:pPr algn="ctr">
-                <a:buClr>
-                  <a:srgbClr val="000000"/>
-                </a:buClr>
-                <a:buSzPct val="100000"/>
-                <a:buFont typeface="Times New Roman" pitchFamily="18" charset="0"/>
-                <a:buNone/>
-              </a:pPr>
-              <a:r>
-                <a:rPr lang="en-US" altLang="en-US" sz="1000" b="1">
-                  <a:solidFill>
-                    <a:srgbClr val="003300"/>
-                  </a:solidFill>
-                </a:rPr>
-                <a:t>Local</a:t>
-              </a:r>
-            </a:p>
-            <a:p>
-              <a:pPr algn="ctr">
-                <a:buClr>
-                  <a:srgbClr val="000000"/>
-                </a:buClr>
-                <a:buSzPct val="100000"/>
-                <a:buFont typeface="Times New Roman" pitchFamily="18" charset="0"/>
-                <a:buNone/>
-              </a:pPr>
-              <a:r>
-                <a:rPr lang="en-US" altLang="en-US" sz="1000" b="1">
-                  <a:solidFill>
-                    <a:srgbClr val="003300"/>
-                  </a:solidFill>
-                </a:rPr>
-                <a:t>Memory</a:t>
-              </a:r>
-              <a:endParaRPr lang="en-US" altLang="en-US" sz="1000">
-                <a:solidFill>
-                  <a:srgbClr val="003300"/>
-                </a:solidFill>
-              </a:endParaRPr>
-            </a:p>
-          </p:txBody>
-        </p:sp>
-        <p:sp>
-          <p:nvSpPr>
-            <p:cNvPr id="24589" name="Text Box 13"/>
-            <p:cNvSpPr txBox="1">
-              <a:spLocks noChangeArrowheads="1"/>
-            </p:cNvSpPr>
-            <p:nvPr/>
-          </p:nvSpPr>
-          <p:spPr bwMode="auto">
-            <a:xfrm>
-              <a:off x="5769902" y="3582988"/>
-              <a:ext cx="889132" cy="487362"/>
-            </a:xfrm>
-            <a:prstGeom prst="rect">
-              <a:avLst/>
-            </a:prstGeom>
-            <a:solidFill>
-              <a:srgbClr val="99FF66"/>
-            </a:solidFill>
-            <a:ln w="9525">
-              <a:solidFill>
-                <a:srgbClr val="969696"/>
-              </a:solidFill>
-              <a:miter lim="800000"/>
-              <a:headEnd/>
-              <a:tailEnd/>
-            </a:ln>
-          </p:spPr>
-          <p:txBody>
-            <a:bodyPr lIns="0" tIns="146304" rIns="0" bIns="0"/>
-            <a:lstStyle/>
-            <a:p>
-              <a:pPr algn="ctr">
-                <a:buClr>
-                  <a:srgbClr val="000000"/>
-                </a:buClr>
-                <a:buSzPct val="100000"/>
-                <a:buFont typeface="Times New Roman" pitchFamily="18" charset="0"/>
-                <a:buNone/>
-              </a:pPr>
-              <a:r>
-                <a:rPr lang="en-US" altLang="en-US" sz="1000" b="1">
-                  <a:solidFill>
-                    <a:srgbClr val="003300"/>
-                  </a:solidFill>
-                </a:rPr>
-                <a:t>Thread (0, 0)</a:t>
-              </a:r>
-              <a:endParaRPr lang="en-US" altLang="en-US" sz="1000">
-                <a:solidFill>
-                  <a:srgbClr val="003300"/>
-                </a:solidFill>
-              </a:endParaRPr>
-            </a:p>
-          </p:txBody>
-        </p:sp>
-        <p:sp>
-          <p:nvSpPr>
-            <p:cNvPr id="24590" name="Text Box 14"/>
-            <p:cNvSpPr txBox="1">
-              <a:spLocks noChangeArrowheads="1"/>
-            </p:cNvSpPr>
-            <p:nvPr/>
-          </p:nvSpPr>
-          <p:spPr bwMode="auto">
-            <a:xfrm>
-              <a:off x="5769902" y="3057525"/>
-              <a:ext cx="674158" cy="298450"/>
-            </a:xfrm>
-            <a:prstGeom prst="rect">
-              <a:avLst/>
-            </a:prstGeom>
-            <a:solidFill>
-              <a:srgbClr val="FF6600"/>
-            </a:solidFill>
-            <a:ln w="9525">
-              <a:solidFill>
-                <a:srgbClr val="969696"/>
-              </a:solidFill>
-              <a:miter lim="800000"/>
-              <a:headEnd/>
-              <a:tailEnd/>
-            </a:ln>
-          </p:spPr>
-          <p:txBody>
-            <a:bodyPr lIns="0" tIns="0" rIns="0" bIns="0"/>
-            <a:lstStyle/>
-            <a:p>
-              <a:pPr algn="ctr">
-                <a:buClr>
-                  <a:srgbClr val="000000"/>
-                </a:buClr>
-                <a:buSzPct val="100000"/>
-                <a:buFont typeface="Times New Roman" pitchFamily="18" charset="0"/>
-                <a:buNone/>
-              </a:pPr>
-              <a:r>
-                <a:rPr lang="en-US" altLang="en-US" sz="1000" b="1">
-                  <a:solidFill>
-                    <a:srgbClr val="003300"/>
-                  </a:solidFill>
-                </a:rPr>
-                <a:t>Registers</a:t>
-              </a:r>
-              <a:endParaRPr lang="en-US" altLang="en-US" sz="1000">
-                <a:solidFill>
-                  <a:srgbClr val="003300"/>
-                </a:solidFill>
-              </a:endParaRPr>
-            </a:p>
-          </p:txBody>
-        </p:sp>
-        <p:sp>
-          <p:nvSpPr>
-            <p:cNvPr id="24591" name="Line 15"/>
-            <p:cNvSpPr>
-              <a:spLocks noChangeShapeType="1"/>
-            </p:cNvSpPr>
-            <p:nvPr/>
-          </p:nvSpPr>
-          <p:spPr bwMode="auto">
-            <a:xfrm flipV="1">
-              <a:off x="6548967" y="2905125"/>
-              <a:ext cx="3440" cy="668338"/>
-            </a:xfrm>
-            <a:prstGeom prst="line">
-              <a:avLst/>
-            </a:prstGeom>
-            <a:noFill/>
-            <a:ln w="25400">
-              <a:solidFill>
-                <a:schemeClr val="tx1"/>
-              </a:solidFill>
-              <a:round/>
-              <a:headEnd type="triangle" w="lg" len="med"/>
-              <a:tailEnd type="triangle" w="lg" len="med"/>
-            </a:ln>
-          </p:spPr>
-          <p:txBody>
-            <a:bodyPr/>
-            <a:lstStyle/>
-            <a:p>
-              <a:endParaRPr lang="en-US"/>
-            </a:p>
-          </p:txBody>
-        </p:sp>
-        <p:sp>
-          <p:nvSpPr>
-            <p:cNvPr id="24592" name="Line 16"/>
-            <p:cNvSpPr>
-              <a:spLocks noChangeShapeType="1"/>
-            </p:cNvSpPr>
-            <p:nvPr/>
-          </p:nvSpPr>
-          <p:spPr bwMode="auto">
-            <a:xfrm flipV="1">
-              <a:off x="6106981" y="3351213"/>
-              <a:ext cx="0" cy="222250"/>
-            </a:xfrm>
-            <a:prstGeom prst="line">
-              <a:avLst/>
-            </a:prstGeom>
-            <a:noFill/>
-            <a:ln w="25400">
-              <a:solidFill>
-                <a:schemeClr val="tx1"/>
-              </a:solidFill>
-              <a:round/>
-              <a:headEnd type="triangle" w="lg" len="med"/>
-              <a:tailEnd type="triangle" w="lg" len="med"/>
-            </a:ln>
-          </p:spPr>
-          <p:txBody>
-            <a:bodyPr/>
-            <a:lstStyle/>
-            <a:p>
-              <a:endParaRPr lang="en-US"/>
-            </a:p>
-          </p:txBody>
-        </p:sp>
-        <p:sp>
-          <p:nvSpPr>
-            <p:cNvPr id="24593" name="Line 17"/>
-            <p:cNvSpPr>
-              <a:spLocks noChangeShapeType="1"/>
-            </p:cNvSpPr>
-            <p:nvPr/>
-          </p:nvSpPr>
-          <p:spPr bwMode="auto">
-            <a:xfrm flipV="1">
-              <a:off x="6065706" y="4075113"/>
-              <a:ext cx="1719" cy="222250"/>
-            </a:xfrm>
-            <a:prstGeom prst="line">
-              <a:avLst/>
-            </a:prstGeom>
-            <a:noFill/>
-            <a:ln w="25400">
-              <a:solidFill>
-                <a:schemeClr val="tx1"/>
-              </a:solidFill>
-              <a:round/>
-              <a:headEnd type="triangle" w="lg" len="med"/>
-              <a:tailEnd type="triangle" w="lg" len="med"/>
-            </a:ln>
-          </p:spPr>
-          <p:txBody>
-            <a:bodyPr/>
-            <a:lstStyle/>
-            <a:p>
-              <a:endParaRPr lang="en-US"/>
-            </a:p>
-          </p:txBody>
-        </p:sp>
-        <p:sp>
-          <p:nvSpPr>
-            <p:cNvPr id="24594" name="Line 18"/>
-            <p:cNvSpPr>
-              <a:spLocks noChangeShapeType="1"/>
-            </p:cNvSpPr>
-            <p:nvPr/>
-          </p:nvSpPr>
-          <p:spPr bwMode="auto">
-            <a:xfrm>
-              <a:off x="6418263" y="4075114"/>
-              <a:ext cx="0" cy="915987"/>
-            </a:xfrm>
-            <a:prstGeom prst="line">
-              <a:avLst/>
-            </a:prstGeom>
-            <a:noFill/>
-            <a:ln w="25400">
-              <a:solidFill>
-                <a:schemeClr val="tx1"/>
-              </a:solidFill>
-              <a:round/>
-              <a:headEnd type="triangle" w="lg" len="med"/>
-              <a:tailEnd type="triangle" w="lg" len="med"/>
-            </a:ln>
-          </p:spPr>
-          <p:txBody>
-            <a:bodyPr/>
-            <a:lstStyle/>
-            <a:p>
-              <a:endParaRPr lang="en-US"/>
-            </a:p>
-          </p:txBody>
-        </p:sp>
-        <p:sp>
-          <p:nvSpPr>
-            <p:cNvPr id="24595" name="Line 19"/>
-            <p:cNvSpPr>
-              <a:spLocks noChangeShapeType="1"/>
-            </p:cNvSpPr>
-            <p:nvPr/>
-          </p:nvSpPr>
-          <p:spPr bwMode="auto">
-            <a:xfrm>
-              <a:off x="6626358" y="4075114"/>
-              <a:ext cx="0" cy="2008187"/>
-            </a:xfrm>
-            <a:prstGeom prst="line">
-              <a:avLst/>
-            </a:prstGeom>
-            <a:noFill/>
-            <a:ln w="25400">
-              <a:solidFill>
-                <a:schemeClr val="tx1"/>
-              </a:solidFill>
-              <a:round/>
-              <a:headEnd type="triangle" w="lg" len="med"/>
-              <a:tailEnd/>
-            </a:ln>
-          </p:spPr>
-          <p:txBody>
-            <a:bodyPr/>
-            <a:lstStyle/>
-            <a:p>
-              <a:endParaRPr lang="en-US"/>
-            </a:p>
-          </p:txBody>
-        </p:sp>
-        <p:sp>
-          <p:nvSpPr>
-            <p:cNvPr id="24596" name="Line 20"/>
-            <p:cNvSpPr>
-              <a:spLocks noChangeShapeType="1"/>
-            </p:cNvSpPr>
-            <p:nvPr/>
-          </p:nvSpPr>
-          <p:spPr bwMode="auto">
-            <a:xfrm>
-              <a:off x="6521450" y="4075114"/>
-              <a:ext cx="1720" cy="1462087"/>
-            </a:xfrm>
-            <a:prstGeom prst="line">
-              <a:avLst/>
-            </a:prstGeom>
-            <a:noFill/>
-            <a:ln w="25400">
-              <a:solidFill>
-                <a:schemeClr val="tx1"/>
-              </a:solidFill>
-              <a:round/>
-              <a:headEnd type="triangle" w="lg" len="med"/>
-              <a:tailEnd/>
-            </a:ln>
-          </p:spPr>
-          <p:txBody>
-            <a:bodyPr/>
-            <a:lstStyle/>
-            <a:p>
-              <a:endParaRPr lang="en-US"/>
-            </a:p>
-          </p:txBody>
-        </p:sp>
-        <p:sp>
-          <p:nvSpPr>
-            <p:cNvPr id="24597" name="Text Box 21"/>
-            <p:cNvSpPr txBox="1">
-              <a:spLocks noChangeArrowheads="1"/>
-            </p:cNvSpPr>
-            <p:nvPr/>
-          </p:nvSpPr>
-          <p:spPr bwMode="auto">
-            <a:xfrm>
-              <a:off x="6722667" y="4300539"/>
-              <a:ext cx="572690" cy="547687"/>
-            </a:xfrm>
-            <a:prstGeom prst="rect">
-              <a:avLst/>
-            </a:prstGeom>
-            <a:solidFill>
-              <a:srgbClr val="FF6600"/>
-            </a:solidFill>
-            <a:ln w="9525">
-              <a:solidFill>
-                <a:srgbClr val="969696"/>
-              </a:solidFill>
-              <a:miter lim="800000"/>
-              <a:headEnd/>
-              <a:tailEnd/>
-            </a:ln>
-          </p:spPr>
-          <p:txBody>
-            <a:bodyPr lIns="0" tIns="91440" rIns="0" bIns="0"/>
-            <a:lstStyle/>
-            <a:p>
-              <a:pPr algn="ctr">
-                <a:buClr>
-                  <a:srgbClr val="000000"/>
-                </a:buClr>
-                <a:buSzPct val="100000"/>
-                <a:buFont typeface="Times New Roman" pitchFamily="18" charset="0"/>
-                <a:buNone/>
-              </a:pPr>
-              <a:r>
-                <a:rPr lang="en-US" altLang="en-US" sz="1000" b="1">
-                  <a:solidFill>
-                    <a:srgbClr val="003300"/>
-                  </a:solidFill>
-                </a:rPr>
-                <a:t>Local</a:t>
-              </a:r>
-            </a:p>
-            <a:p>
-              <a:pPr algn="ctr">
-                <a:buClr>
-                  <a:srgbClr val="000000"/>
-                </a:buClr>
-                <a:buSzPct val="100000"/>
-                <a:buFont typeface="Times New Roman" pitchFamily="18" charset="0"/>
-                <a:buNone/>
-              </a:pPr>
-              <a:r>
-                <a:rPr lang="en-US" altLang="en-US" sz="1000" b="1">
-                  <a:solidFill>
-                    <a:srgbClr val="003300"/>
-                  </a:solidFill>
-                </a:rPr>
-                <a:t>Memory</a:t>
-              </a:r>
-              <a:endParaRPr lang="en-US" altLang="en-US" sz="1000">
-                <a:solidFill>
-                  <a:srgbClr val="003300"/>
-                </a:solidFill>
-              </a:endParaRPr>
-            </a:p>
-          </p:txBody>
-        </p:sp>
-        <p:sp>
-          <p:nvSpPr>
-            <p:cNvPr id="24598" name="Text Box 22"/>
-            <p:cNvSpPr txBox="1">
-              <a:spLocks noChangeArrowheads="1"/>
-            </p:cNvSpPr>
-            <p:nvPr/>
-          </p:nvSpPr>
-          <p:spPr bwMode="auto">
-            <a:xfrm>
-              <a:off x="6714067" y="3582988"/>
-              <a:ext cx="889133" cy="487362"/>
-            </a:xfrm>
-            <a:prstGeom prst="rect">
-              <a:avLst/>
-            </a:prstGeom>
-            <a:solidFill>
-              <a:srgbClr val="99FF66"/>
-            </a:solidFill>
-            <a:ln w="9525">
-              <a:solidFill>
-                <a:srgbClr val="969696"/>
-              </a:solidFill>
-              <a:miter lim="800000"/>
-              <a:headEnd/>
-              <a:tailEnd/>
-            </a:ln>
-          </p:spPr>
-          <p:txBody>
-            <a:bodyPr lIns="0" tIns="146304" rIns="0" bIns="0"/>
-            <a:lstStyle/>
-            <a:p>
-              <a:pPr algn="ctr">
-                <a:buClr>
-                  <a:srgbClr val="000000"/>
-                </a:buClr>
-                <a:buSzPct val="100000"/>
-                <a:buFont typeface="Times New Roman" pitchFamily="18" charset="0"/>
-                <a:buNone/>
-              </a:pPr>
-              <a:r>
-                <a:rPr lang="en-US" altLang="en-US" sz="1000" b="1">
-                  <a:solidFill>
-                    <a:srgbClr val="003300"/>
-                  </a:solidFill>
-                </a:rPr>
-                <a:t>Thread (1, 0)</a:t>
-              </a:r>
-              <a:endParaRPr lang="en-US" altLang="en-US" sz="1000">
-                <a:solidFill>
-                  <a:srgbClr val="003300"/>
-                </a:solidFill>
-              </a:endParaRPr>
-            </a:p>
-          </p:txBody>
-        </p:sp>
-        <p:sp>
-          <p:nvSpPr>
-            <p:cNvPr id="24599" name="Text Box 23"/>
-            <p:cNvSpPr txBox="1">
-              <a:spLocks noChangeArrowheads="1"/>
-            </p:cNvSpPr>
-            <p:nvPr/>
-          </p:nvSpPr>
-          <p:spPr bwMode="auto">
-            <a:xfrm>
-              <a:off x="6714067" y="3057525"/>
-              <a:ext cx="672439" cy="298450"/>
-            </a:xfrm>
-            <a:prstGeom prst="rect">
-              <a:avLst/>
-            </a:prstGeom>
-            <a:solidFill>
-              <a:srgbClr val="FF6600"/>
-            </a:solidFill>
-            <a:ln w="9525">
-              <a:solidFill>
-                <a:srgbClr val="969696"/>
-              </a:solidFill>
-              <a:miter lim="800000"/>
-              <a:headEnd/>
-              <a:tailEnd/>
-            </a:ln>
-          </p:spPr>
-          <p:txBody>
-            <a:bodyPr lIns="0" tIns="0" rIns="0" bIns="0"/>
-            <a:lstStyle/>
-            <a:p>
-              <a:pPr algn="ctr">
-                <a:buClr>
-                  <a:srgbClr val="000000"/>
-                </a:buClr>
-                <a:buSzPct val="100000"/>
-                <a:buFont typeface="Times New Roman" pitchFamily="18" charset="0"/>
-                <a:buNone/>
-              </a:pPr>
-              <a:r>
-                <a:rPr lang="en-US" altLang="en-US" sz="1000" b="1">
-                  <a:solidFill>
-                    <a:srgbClr val="003300"/>
-                  </a:solidFill>
-                </a:rPr>
-                <a:t>Registers</a:t>
-              </a:r>
-              <a:endParaRPr lang="en-US" altLang="en-US" sz="1000">
-                <a:solidFill>
-                  <a:srgbClr val="003300"/>
-                </a:solidFill>
-              </a:endParaRPr>
-            </a:p>
-          </p:txBody>
-        </p:sp>
-        <p:sp>
-          <p:nvSpPr>
-            <p:cNvPr id="24600" name="Line 24"/>
-            <p:cNvSpPr>
-              <a:spLocks noChangeShapeType="1"/>
-            </p:cNvSpPr>
-            <p:nvPr/>
-          </p:nvSpPr>
-          <p:spPr bwMode="auto">
-            <a:xfrm flipV="1">
-              <a:off x="7491413" y="2905125"/>
-              <a:ext cx="3440" cy="668338"/>
-            </a:xfrm>
-            <a:prstGeom prst="line">
-              <a:avLst/>
-            </a:prstGeom>
-            <a:noFill/>
-            <a:ln w="25400">
-              <a:solidFill>
-                <a:schemeClr val="tx1"/>
-              </a:solidFill>
-              <a:round/>
-              <a:headEnd type="triangle" w="lg" len="med"/>
-              <a:tailEnd type="triangle" w="lg" len="med"/>
-            </a:ln>
-          </p:spPr>
-          <p:txBody>
-            <a:bodyPr/>
-            <a:lstStyle/>
-            <a:p>
-              <a:endParaRPr lang="en-US"/>
-            </a:p>
-          </p:txBody>
-        </p:sp>
-        <p:sp>
-          <p:nvSpPr>
-            <p:cNvPr id="24601" name="Line 25"/>
-            <p:cNvSpPr>
-              <a:spLocks noChangeShapeType="1"/>
-            </p:cNvSpPr>
-            <p:nvPr/>
-          </p:nvSpPr>
-          <p:spPr bwMode="auto">
-            <a:xfrm flipV="1">
-              <a:off x="7051146" y="3351213"/>
-              <a:ext cx="0" cy="222250"/>
-            </a:xfrm>
-            <a:prstGeom prst="line">
-              <a:avLst/>
-            </a:prstGeom>
-            <a:noFill/>
-            <a:ln w="25400">
-              <a:solidFill>
-                <a:schemeClr val="tx1"/>
-              </a:solidFill>
-              <a:round/>
-              <a:headEnd type="triangle" w="lg" len="med"/>
-              <a:tailEnd type="triangle" w="lg" len="med"/>
-            </a:ln>
-          </p:spPr>
-          <p:txBody>
-            <a:bodyPr/>
-            <a:lstStyle/>
-            <a:p>
-              <a:endParaRPr lang="en-US"/>
-            </a:p>
-          </p:txBody>
-        </p:sp>
-        <p:sp>
-          <p:nvSpPr>
-            <p:cNvPr id="24602" name="Line 26"/>
-            <p:cNvSpPr>
-              <a:spLocks noChangeShapeType="1"/>
-            </p:cNvSpPr>
-            <p:nvPr/>
-          </p:nvSpPr>
-          <p:spPr bwMode="auto">
-            <a:xfrm flipV="1">
-              <a:off x="7008152" y="4075113"/>
-              <a:ext cx="1719" cy="222250"/>
-            </a:xfrm>
-            <a:prstGeom prst="line">
-              <a:avLst/>
-            </a:prstGeom>
-            <a:noFill/>
-            <a:ln w="25400">
-              <a:solidFill>
-                <a:schemeClr val="tx1"/>
-              </a:solidFill>
-              <a:round/>
-              <a:headEnd type="triangle" w="lg" len="med"/>
-              <a:tailEnd type="triangle" w="lg" len="med"/>
-            </a:ln>
-          </p:spPr>
-          <p:txBody>
-            <a:bodyPr/>
-            <a:lstStyle/>
-            <a:p>
-              <a:endParaRPr lang="en-US"/>
-            </a:p>
-          </p:txBody>
-        </p:sp>
-        <p:sp>
-          <p:nvSpPr>
-            <p:cNvPr id="24603" name="Line 27"/>
-            <p:cNvSpPr>
-              <a:spLocks noChangeShapeType="1"/>
-            </p:cNvSpPr>
-            <p:nvPr/>
-          </p:nvSpPr>
-          <p:spPr bwMode="auto">
-            <a:xfrm>
-              <a:off x="7362429" y="4075114"/>
-              <a:ext cx="0" cy="915987"/>
-            </a:xfrm>
-            <a:prstGeom prst="line">
-              <a:avLst/>
-            </a:prstGeom>
-            <a:noFill/>
-            <a:ln w="25400">
-              <a:solidFill>
-                <a:schemeClr val="tx1"/>
-              </a:solidFill>
-              <a:round/>
-              <a:headEnd type="triangle" w="lg" len="med"/>
-              <a:tailEnd type="triangle" w="lg" len="med"/>
-            </a:ln>
-          </p:spPr>
-          <p:txBody>
-            <a:bodyPr/>
-            <a:lstStyle/>
-            <a:p>
-              <a:endParaRPr lang="en-US"/>
-            </a:p>
-          </p:txBody>
-        </p:sp>
-        <p:sp>
-          <p:nvSpPr>
-            <p:cNvPr id="24604" name="Line 28"/>
-            <p:cNvSpPr>
-              <a:spLocks noChangeShapeType="1"/>
-            </p:cNvSpPr>
-            <p:nvPr/>
-          </p:nvSpPr>
-          <p:spPr bwMode="auto">
-            <a:xfrm>
-              <a:off x="7568804" y="4075114"/>
-              <a:ext cx="0" cy="2008187"/>
-            </a:xfrm>
-            <a:prstGeom prst="line">
-              <a:avLst/>
-            </a:prstGeom>
-            <a:noFill/>
-            <a:ln w="25400">
-              <a:solidFill>
-                <a:schemeClr val="tx1"/>
-              </a:solidFill>
-              <a:round/>
-              <a:headEnd type="triangle" w="lg" len="med"/>
-              <a:tailEnd/>
-            </a:ln>
-          </p:spPr>
-          <p:txBody>
-            <a:bodyPr/>
-            <a:lstStyle/>
-            <a:p>
-              <a:endParaRPr lang="en-US"/>
-            </a:p>
-          </p:txBody>
-        </p:sp>
-        <p:sp>
-          <p:nvSpPr>
-            <p:cNvPr id="24605" name="Line 29"/>
-            <p:cNvSpPr>
-              <a:spLocks noChangeShapeType="1"/>
-            </p:cNvSpPr>
-            <p:nvPr/>
-          </p:nvSpPr>
-          <p:spPr bwMode="auto">
-            <a:xfrm>
-              <a:off x="7463896" y="4075114"/>
-              <a:ext cx="1720" cy="1462087"/>
-            </a:xfrm>
-            <a:prstGeom prst="line">
-              <a:avLst/>
-            </a:prstGeom>
-            <a:noFill/>
-            <a:ln w="25400">
-              <a:solidFill>
-                <a:schemeClr val="tx1"/>
-              </a:solidFill>
-              <a:round/>
-              <a:headEnd type="triangle" w="lg" len="med"/>
-              <a:tailEnd/>
-            </a:ln>
-          </p:spPr>
-          <p:txBody>
-            <a:bodyPr/>
-            <a:lstStyle/>
-            <a:p>
-              <a:endParaRPr lang="en-US"/>
-            </a:p>
-          </p:txBody>
-        </p:sp>
-        <p:sp>
-          <p:nvSpPr>
-            <p:cNvPr id="24606" name="Text Box 30"/>
-            <p:cNvSpPr txBox="1">
-              <a:spLocks noChangeArrowheads="1"/>
-            </p:cNvSpPr>
-            <p:nvPr/>
-          </p:nvSpPr>
-          <p:spPr bwMode="auto">
-            <a:xfrm>
-              <a:off x="7716706" y="2044700"/>
-              <a:ext cx="1919288" cy="2852738"/>
-            </a:xfrm>
-            <a:prstGeom prst="rect">
-              <a:avLst/>
-            </a:prstGeom>
-            <a:solidFill>
-              <a:srgbClr val="FFCC00"/>
-            </a:solidFill>
-            <a:ln w="9525">
-              <a:solidFill>
-                <a:srgbClr val="969696"/>
-              </a:solidFill>
-              <a:miter lim="800000"/>
-              <a:headEnd/>
-              <a:tailEnd/>
-            </a:ln>
-          </p:spPr>
-          <p:txBody>
-            <a:bodyPr/>
-            <a:lstStyle/>
-            <a:p>
-              <a:pPr>
-                <a:buClr>
-                  <a:srgbClr val="000000"/>
-                </a:buClr>
-                <a:buSzPct val="100000"/>
-                <a:buFont typeface="Times New Roman" pitchFamily="18" charset="0"/>
-                <a:buNone/>
-              </a:pPr>
-              <a:r>
-                <a:rPr lang="en-US" altLang="en-US" sz="1200" b="1">
-                  <a:solidFill>
-                    <a:srgbClr val="003300"/>
-                  </a:solidFill>
-                </a:rPr>
-                <a:t>Block (1, 0)</a:t>
-              </a:r>
-              <a:endParaRPr lang="en-US" altLang="en-US">
-                <a:solidFill>
-                  <a:srgbClr val="003300"/>
-                </a:solidFill>
-              </a:endParaRPr>
-            </a:p>
-          </p:txBody>
-        </p:sp>
-        <p:sp>
-          <p:nvSpPr>
-            <p:cNvPr id="24607" name="Text Box 31"/>
-            <p:cNvSpPr txBox="1">
-              <a:spLocks noChangeArrowheads="1"/>
-            </p:cNvSpPr>
-            <p:nvPr/>
-          </p:nvSpPr>
-          <p:spPr bwMode="auto">
-            <a:xfrm>
-              <a:off x="7768300" y="2554288"/>
-              <a:ext cx="1824698" cy="349250"/>
-            </a:xfrm>
-            <a:prstGeom prst="rect">
-              <a:avLst/>
-            </a:prstGeom>
-            <a:solidFill>
-              <a:srgbClr val="FF6600"/>
-            </a:solidFill>
-            <a:ln w="9525">
-              <a:solidFill>
-                <a:srgbClr val="969696"/>
-              </a:solidFill>
-              <a:miter lim="800000"/>
-              <a:headEnd/>
-              <a:tailEnd/>
-            </a:ln>
-          </p:spPr>
-          <p:txBody>
-            <a:bodyPr lIns="0" tIns="91440" rIns="0" bIns="0"/>
-            <a:lstStyle/>
-            <a:p>
-              <a:pPr algn="ctr">
-                <a:buClr>
-                  <a:srgbClr val="000000"/>
-                </a:buClr>
-                <a:buSzPct val="100000"/>
-                <a:buFont typeface="Times New Roman" pitchFamily="18" charset="0"/>
-                <a:buNone/>
-              </a:pPr>
-              <a:r>
-                <a:rPr lang="en-US" altLang="en-US" sz="1000" b="1">
-                  <a:solidFill>
-                    <a:srgbClr val="003300"/>
-                  </a:solidFill>
-                </a:rPr>
-                <a:t>Shared Memory</a:t>
-              </a:r>
-              <a:endParaRPr lang="en-US" altLang="en-US" sz="1000">
-                <a:solidFill>
-                  <a:srgbClr val="003300"/>
-                </a:solidFill>
-              </a:endParaRPr>
-            </a:p>
-          </p:txBody>
-        </p:sp>
-        <p:sp>
-          <p:nvSpPr>
-            <p:cNvPr id="24608" name="Text Box 32"/>
-            <p:cNvSpPr txBox="1">
-              <a:spLocks noChangeArrowheads="1"/>
-            </p:cNvSpPr>
-            <p:nvPr/>
-          </p:nvSpPr>
-          <p:spPr bwMode="auto">
-            <a:xfrm>
-              <a:off x="7768299" y="4300539"/>
-              <a:ext cx="570971" cy="547687"/>
-            </a:xfrm>
-            <a:prstGeom prst="rect">
-              <a:avLst/>
-            </a:prstGeom>
-            <a:solidFill>
-              <a:srgbClr val="FF6600"/>
-            </a:solidFill>
-            <a:ln w="9525">
-              <a:solidFill>
-                <a:srgbClr val="969696"/>
-              </a:solidFill>
-              <a:miter lim="800000"/>
-              <a:headEnd/>
-              <a:tailEnd/>
-            </a:ln>
-          </p:spPr>
-          <p:txBody>
-            <a:bodyPr lIns="0" tIns="91440" rIns="0" bIns="0"/>
-            <a:lstStyle/>
-            <a:p>
-              <a:pPr algn="ctr">
-                <a:buClr>
-                  <a:srgbClr val="000000"/>
-                </a:buClr>
-                <a:buSzPct val="100000"/>
-                <a:buFont typeface="Times New Roman" pitchFamily="18" charset="0"/>
-                <a:buNone/>
-              </a:pPr>
-              <a:r>
-                <a:rPr lang="en-US" altLang="en-US" sz="1000" b="1">
-                  <a:solidFill>
-                    <a:srgbClr val="003300"/>
-                  </a:solidFill>
-                </a:rPr>
-                <a:t>Local</a:t>
-              </a:r>
-            </a:p>
-            <a:p>
-              <a:pPr algn="ctr">
-                <a:buClr>
-                  <a:srgbClr val="000000"/>
-                </a:buClr>
-                <a:buSzPct val="100000"/>
-                <a:buFont typeface="Times New Roman" pitchFamily="18" charset="0"/>
-                <a:buNone/>
-              </a:pPr>
-              <a:r>
-                <a:rPr lang="en-US" altLang="en-US" sz="1000" b="1">
-                  <a:solidFill>
-                    <a:srgbClr val="003300"/>
-                  </a:solidFill>
-                </a:rPr>
-                <a:t>Memory</a:t>
-              </a:r>
-              <a:endParaRPr lang="en-US" altLang="en-US" sz="1000">
-                <a:solidFill>
-                  <a:srgbClr val="003300"/>
-                </a:solidFill>
-              </a:endParaRPr>
-            </a:p>
-          </p:txBody>
-        </p:sp>
-        <p:sp>
-          <p:nvSpPr>
-            <p:cNvPr id="24609" name="Text Box 33"/>
-            <p:cNvSpPr txBox="1">
-              <a:spLocks noChangeArrowheads="1"/>
-            </p:cNvSpPr>
-            <p:nvPr/>
-          </p:nvSpPr>
-          <p:spPr bwMode="auto">
-            <a:xfrm>
-              <a:off x="7759700" y="3582988"/>
-              <a:ext cx="889133" cy="487362"/>
-            </a:xfrm>
-            <a:prstGeom prst="rect">
-              <a:avLst/>
-            </a:prstGeom>
-            <a:solidFill>
-              <a:srgbClr val="99FF66"/>
-            </a:solidFill>
-            <a:ln w="9525">
-              <a:solidFill>
-                <a:srgbClr val="969696"/>
-              </a:solidFill>
-              <a:miter lim="800000"/>
-              <a:headEnd/>
-              <a:tailEnd/>
-            </a:ln>
-          </p:spPr>
-          <p:txBody>
-            <a:bodyPr lIns="0" tIns="146304" rIns="0" bIns="0"/>
-            <a:lstStyle/>
-            <a:p>
-              <a:pPr algn="ctr">
-                <a:buClr>
-                  <a:srgbClr val="000000"/>
-                </a:buClr>
-                <a:buSzPct val="100000"/>
-                <a:buFont typeface="Times New Roman" pitchFamily="18" charset="0"/>
-                <a:buNone/>
-              </a:pPr>
-              <a:r>
-                <a:rPr lang="en-US" altLang="en-US" sz="1000" b="1">
-                  <a:solidFill>
-                    <a:srgbClr val="003300"/>
-                  </a:solidFill>
-                </a:rPr>
-                <a:t>Thread (0, 0)</a:t>
-              </a:r>
-              <a:endParaRPr lang="en-US" altLang="en-US" sz="1000">
-                <a:solidFill>
-                  <a:srgbClr val="003300"/>
-                </a:solidFill>
-              </a:endParaRPr>
-            </a:p>
-          </p:txBody>
-        </p:sp>
-        <p:sp>
-          <p:nvSpPr>
-            <p:cNvPr id="24610" name="Text Box 34"/>
-            <p:cNvSpPr txBox="1">
-              <a:spLocks noChangeArrowheads="1"/>
-            </p:cNvSpPr>
-            <p:nvPr/>
-          </p:nvSpPr>
-          <p:spPr bwMode="auto">
-            <a:xfrm>
-              <a:off x="7759701" y="3057525"/>
-              <a:ext cx="672439" cy="298450"/>
-            </a:xfrm>
-            <a:prstGeom prst="rect">
-              <a:avLst/>
-            </a:prstGeom>
-            <a:solidFill>
-              <a:srgbClr val="FF6600"/>
-            </a:solidFill>
-            <a:ln w="9525">
-              <a:solidFill>
-                <a:srgbClr val="969696"/>
-              </a:solidFill>
-              <a:miter lim="800000"/>
-              <a:headEnd/>
-              <a:tailEnd/>
-            </a:ln>
-          </p:spPr>
-          <p:txBody>
-            <a:bodyPr lIns="0" tIns="0" rIns="0" bIns="0"/>
-            <a:lstStyle/>
-            <a:p>
-              <a:pPr algn="ctr">
-                <a:buClr>
-                  <a:srgbClr val="000000"/>
-                </a:buClr>
-                <a:buSzPct val="100000"/>
-                <a:buFont typeface="Times New Roman" pitchFamily="18" charset="0"/>
-                <a:buNone/>
-              </a:pPr>
-              <a:r>
-                <a:rPr lang="en-US" altLang="en-US" sz="1000" b="1">
-                  <a:solidFill>
-                    <a:srgbClr val="003300"/>
-                  </a:solidFill>
-                </a:rPr>
-                <a:t>Registers</a:t>
-              </a:r>
-              <a:endParaRPr lang="en-US" altLang="en-US" sz="1000">
-                <a:solidFill>
-                  <a:srgbClr val="003300"/>
-                </a:solidFill>
-              </a:endParaRPr>
-            </a:p>
-          </p:txBody>
-        </p:sp>
-        <p:sp>
-          <p:nvSpPr>
-            <p:cNvPr id="24611" name="Line 35"/>
-            <p:cNvSpPr>
-              <a:spLocks noChangeShapeType="1"/>
-            </p:cNvSpPr>
-            <p:nvPr/>
-          </p:nvSpPr>
-          <p:spPr bwMode="auto">
-            <a:xfrm flipV="1">
-              <a:off x="8537046" y="2905125"/>
-              <a:ext cx="3440" cy="668338"/>
-            </a:xfrm>
-            <a:prstGeom prst="line">
-              <a:avLst/>
-            </a:prstGeom>
-            <a:noFill/>
-            <a:ln w="25400">
-              <a:solidFill>
-                <a:schemeClr val="tx1"/>
-              </a:solidFill>
-              <a:round/>
-              <a:headEnd type="triangle" w="lg" len="med"/>
-              <a:tailEnd type="triangle" w="lg" len="med"/>
-            </a:ln>
-          </p:spPr>
-          <p:txBody>
-            <a:bodyPr/>
-            <a:lstStyle/>
-            <a:p>
-              <a:endParaRPr lang="en-US"/>
-            </a:p>
-          </p:txBody>
-        </p:sp>
-        <p:sp>
-          <p:nvSpPr>
-            <p:cNvPr id="24612" name="Line 36"/>
-            <p:cNvSpPr>
-              <a:spLocks noChangeShapeType="1"/>
-            </p:cNvSpPr>
-            <p:nvPr/>
-          </p:nvSpPr>
-          <p:spPr bwMode="auto">
-            <a:xfrm flipV="1">
-              <a:off x="8096779" y="3351213"/>
-              <a:ext cx="0" cy="222250"/>
-            </a:xfrm>
-            <a:prstGeom prst="line">
-              <a:avLst/>
-            </a:prstGeom>
-            <a:noFill/>
-            <a:ln w="25400">
-              <a:solidFill>
-                <a:schemeClr val="tx1"/>
-              </a:solidFill>
-              <a:round/>
-              <a:headEnd type="triangle" w="lg" len="med"/>
-              <a:tailEnd type="triangle" w="lg" len="med"/>
-            </a:ln>
-          </p:spPr>
-          <p:txBody>
-            <a:bodyPr/>
-            <a:lstStyle/>
-            <a:p>
-              <a:endParaRPr lang="en-US"/>
-            </a:p>
-          </p:txBody>
-        </p:sp>
-        <p:sp>
-          <p:nvSpPr>
-            <p:cNvPr id="24613" name="Line 37"/>
-            <p:cNvSpPr>
-              <a:spLocks noChangeShapeType="1"/>
-            </p:cNvSpPr>
-            <p:nvPr/>
-          </p:nvSpPr>
-          <p:spPr bwMode="auto">
-            <a:xfrm flipV="1">
-              <a:off x="8053786" y="4075113"/>
-              <a:ext cx="1719" cy="222250"/>
-            </a:xfrm>
-            <a:prstGeom prst="line">
-              <a:avLst/>
-            </a:prstGeom>
-            <a:noFill/>
-            <a:ln w="25400">
-              <a:solidFill>
-                <a:schemeClr val="tx1"/>
-              </a:solidFill>
-              <a:round/>
-              <a:headEnd type="triangle" w="lg" len="med"/>
-              <a:tailEnd type="triangle" w="lg" len="med"/>
-            </a:ln>
-          </p:spPr>
-          <p:txBody>
-            <a:bodyPr/>
-            <a:lstStyle/>
-            <a:p>
-              <a:endParaRPr lang="en-US"/>
-            </a:p>
-          </p:txBody>
-        </p:sp>
-        <p:sp>
-          <p:nvSpPr>
-            <p:cNvPr id="24614" name="Line 38"/>
-            <p:cNvSpPr>
-              <a:spLocks noChangeShapeType="1"/>
-            </p:cNvSpPr>
-            <p:nvPr/>
-          </p:nvSpPr>
-          <p:spPr bwMode="auto">
-            <a:xfrm>
-              <a:off x="8408062" y="4075114"/>
-              <a:ext cx="0" cy="915987"/>
-            </a:xfrm>
-            <a:prstGeom prst="line">
-              <a:avLst/>
-            </a:prstGeom>
-            <a:noFill/>
-            <a:ln w="25400">
-              <a:solidFill>
-                <a:schemeClr val="tx1"/>
-              </a:solidFill>
-              <a:round/>
-              <a:headEnd type="triangle" w="lg" len="med"/>
-              <a:tailEnd type="triangle" w="lg" len="med"/>
-            </a:ln>
-          </p:spPr>
-          <p:txBody>
-            <a:bodyPr/>
-            <a:lstStyle/>
-            <a:p>
-              <a:endParaRPr lang="en-US"/>
-            </a:p>
-          </p:txBody>
-        </p:sp>
-        <p:sp>
-          <p:nvSpPr>
-            <p:cNvPr id="24615" name="Line 39"/>
-            <p:cNvSpPr>
-              <a:spLocks noChangeShapeType="1"/>
-            </p:cNvSpPr>
-            <p:nvPr/>
-          </p:nvSpPr>
-          <p:spPr bwMode="auto">
-            <a:xfrm>
-              <a:off x="8614437" y="4075114"/>
-              <a:ext cx="0" cy="2008187"/>
-            </a:xfrm>
-            <a:prstGeom prst="line">
-              <a:avLst/>
-            </a:prstGeom>
-            <a:noFill/>
-            <a:ln w="25400">
-              <a:solidFill>
-                <a:schemeClr val="tx1"/>
-              </a:solidFill>
-              <a:round/>
-              <a:headEnd type="triangle" w="lg" len="med"/>
-              <a:tailEnd/>
-            </a:ln>
-          </p:spPr>
-          <p:txBody>
-            <a:bodyPr/>
-            <a:lstStyle/>
-            <a:p>
-              <a:endParaRPr lang="en-US"/>
-            </a:p>
-          </p:txBody>
-        </p:sp>
-        <p:sp>
-          <p:nvSpPr>
-            <p:cNvPr id="24616" name="Line 40"/>
-            <p:cNvSpPr>
-              <a:spLocks noChangeShapeType="1"/>
-            </p:cNvSpPr>
-            <p:nvPr/>
-          </p:nvSpPr>
-          <p:spPr bwMode="auto">
-            <a:xfrm>
-              <a:off x="8509529" y="4075114"/>
-              <a:ext cx="1720" cy="1462087"/>
-            </a:xfrm>
-            <a:prstGeom prst="line">
-              <a:avLst/>
-            </a:prstGeom>
-            <a:noFill/>
-            <a:ln w="25400">
-              <a:solidFill>
-                <a:schemeClr val="tx1"/>
-              </a:solidFill>
-              <a:round/>
-              <a:headEnd type="triangle" w="lg" len="med"/>
-              <a:tailEnd/>
-            </a:ln>
-          </p:spPr>
-          <p:txBody>
-            <a:bodyPr/>
-            <a:lstStyle/>
-            <a:p>
-              <a:endParaRPr lang="en-US"/>
-            </a:p>
-          </p:txBody>
-        </p:sp>
-        <p:sp>
-          <p:nvSpPr>
-            <p:cNvPr id="24617" name="Text Box 41"/>
-            <p:cNvSpPr txBox="1">
-              <a:spLocks noChangeArrowheads="1"/>
-            </p:cNvSpPr>
-            <p:nvPr/>
-          </p:nvSpPr>
-          <p:spPr bwMode="auto">
-            <a:xfrm>
-              <a:off x="8712465" y="4300539"/>
-              <a:ext cx="570971" cy="547687"/>
-            </a:xfrm>
-            <a:prstGeom prst="rect">
-              <a:avLst/>
-            </a:prstGeom>
-            <a:solidFill>
-              <a:srgbClr val="FF6600"/>
-            </a:solidFill>
-            <a:ln w="9525">
-              <a:solidFill>
-                <a:srgbClr val="969696"/>
-              </a:solidFill>
-              <a:miter lim="800000"/>
-              <a:headEnd/>
-              <a:tailEnd/>
-            </a:ln>
-          </p:spPr>
-          <p:txBody>
-            <a:bodyPr lIns="0" tIns="91440" rIns="0" bIns="0"/>
-            <a:lstStyle/>
-            <a:p>
-              <a:pPr algn="ctr">
-                <a:buClr>
-                  <a:srgbClr val="000000"/>
-                </a:buClr>
-                <a:buSzPct val="100000"/>
-                <a:buFont typeface="Times New Roman" pitchFamily="18" charset="0"/>
-                <a:buNone/>
-              </a:pPr>
-              <a:r>
-                <a:rPr lang="en-US" altLang="en-US" sz="1000" b="1">
-                  <a:solidFill>
-                    <a:srgbClr val="003300"/>
-                  </a:solidFill>
-                </a:rPr>
-                <a:t>Local</a:t>
-              </a:r>
-            </a:p>
-            <a:p>
-              <a:pPr algn="ctr">
-                <a:buClr>
-                  <a:srgbClr val="000000"/>
-                </a:buClr>
-                <a:buSzPct val="100000"/>
-                <a:buFont typeface="Times New Roman" pitchFamily="18" charset="0"/>
-                <a:buNone/>
-              </a:pPr>
-              <a:r>
-                <a:rPr lang="en-US" altLang="en-US" sz="1000" b="1">
-                  <a:solidFill>
-                    <a:srgbClr val="003300"/>
-                  </a:solidFill>
-                </a:rPr>
-                <a:t>Memory</a:t>
-              </a:r>
-              <a:endParaRPr lang="en-US" altLang="en-US" sz="1000">
-                <a:solidFill>
-                  <a:srgbClr val="003300"/>
-                </a:solidFill>
-              </a:endParaRPr>
-            </a:p>
-          </p:txBody>
-        </p:sp>
-        <p:sp>
-          <p:nvSpPr>
-            <p:cNvPr id="24618" name="Text Box 42"/>
-            <p:cNvSpPr txBox="1">
-              <a:spLocks noChangeArrowheads="1"/>
-            </p:cNvSpPr>
-            <p:nvPr/>
-          </p:nvSpPr>
-          <p:spPr bwMode="auto">
-            <a:xfrm>
-              <a:off x="8703867" y="3582988"/>
-              <a:ext cx="889132" cy="487362"/>
-            </a:xfrm>
-            <a:prstGeom prst="rect">
-              <a:avLst/>
-            </a:prstGeom>
-            <a:solidFill>
-              <a:srgbClr val="99FF66"/>
-            </a:solidFill>
-            <a:ln w="9525">
-              <a:solidFill>
-                <a:srgbClr val="969696"/>
-              </a:solidFill>
-              <a:miter lim="800000"/>
-              <a:headEnd/>
-              <a:tailEnd/>
-            </a:ln>
-          </p:spPr>
-          <p:txBody>
-            <a:bodyPr lIns="0" tIns="146304" rIns="0" bIns="0"/>
-            <a:lstStyle/>
-            <a:p>
-              <a:pPr algn="ctr">
-                <a:buClr>
-                  <a:srgbClr val="000000"/>
-                </a:buClr>
-                <a:buSzPct val="100000"/>
-                <a:buFont typeface="Times New Roman" pitchFamily="18" charset="0"/>
-                <a:buNone/>
-              </a:pPr>
-              <a:r>
-                <a:rPr lang="en-US" altLang="en-US" sz="1000" b="1">
-                  <a:solidFill>
-                    <a:srgbClr val="003300"/>
-                  </a:solidFill>
-                </a:rPr>
-                <a:t>Thread (1, 0)</a:t>
-              </a:r>
-              <a:endParaRPr lang="en-US" altLang="en-US" sz="1000">
-                <a:solidFill>
-                  <a:srgbClr val="003300"/>
-                </a:solidFill>
-              </a:endParaRPr>
-            </a:p>
-          </p:txBody>
-        </p:sp>
-        <p:sp>
-          <p:nvSpPr>
-            <p:cNvPr id="24619" name="Text Box 43"/>
-            <p:cNvSpPr txBox="1">
-              <a:spLocks noChangeArrowheads="1"/>
-            </p:cNvSpPr>
-            <p:nvPr/>
-          </p:nvSpPr>
-          <p:spPr bwMode="auto">
-            <a:xfrm>
-              <a:off x="8703866" y="3057525"/>
-              <a:ext cx="672438" cy="298450"/>
-            </a:xfrm>
-            <a:prstGeom prst="rect">
-              <a:avLst/>
-            </a:prstGeom>
-            <a:solidFill>
-              <a:srgbClr val="FF6600"/>
-            </a:solidFill>
-            <a:ln w="9525">
-              <a:solidFill>
-                <a:srgbClr val="969696"/>
-              </a:solidFill>
-              <a:miter lim="800000"/>
-              <a:headEnd/>
-              <a:tailEnd/>
-            </a:ln>
-          </p:spPr>
-          <p:txBody>
-            <a:bodyPr lIns="0" tIns="0" rIns="0" bIns="0"/>
-            <a:lstStyle/>
-            <a:p>
-              <a:pPr algn="ctr">
-                <a:buClr>
-                  <a:srgbClr val="000000"/>
-                </a:buClr>
-                <a:buSzPct val="100000"/>
-                <a:buFont typeface="Times New Roman" pitchFamily="18" charset="0"/>
-                <a:buNone/>
-              </a:pPr>
-              <a:r>
-                <a:rPr lang="en-US" altLang="en-US" sz="1000" b="1">
-                  <a:solidFill>
-                    <a:srgbClr val="003300"/>
-                  </a:solidFill>
-                </a:rPr>
-                <a:t>Registers</a:t>
-              </a:r>
-              <a:endParaRPr lang="en-US" altLang="en-US" sz="1000">
-                <a:solidFill>
-                  <a:srgbClr val="003300"/>
-                </a:solidFill>
-              </a:endParaRPr>
-            </a:p>
-          </p:txBody>
-        </p:sp>
-        <p:sp>
-          <p:nvSpPr>
-            <p:cNvPr id="24620" name="Line 44"/>
-            <p:cNvSpPr>
-              <a:spLocks noChangeShapeType="1"/>
-            </p:cNvSpPr>
-            <p:nvPr/>
-          </p:nvSpPr>
-          <p:spPr bwMode="auto">
-            <a:xfrm flipV="1">
-              <a:off x="9481212" y="2905125"/>
-              <a:ext cx="3440" cy="668338"/>
-            </a:xfrm>
-            <a:prstGeom prst="line">
-              <a:avLst/>
-            </a:prstGeom>
-            <a:noFill/>
-            <a:ln w="25400">
-              <a:solidFill>
-                <a:schemeClr val="tx1"/>
-              </a:solidFill>
-              <a:round/>
-              <a:headEnd type="triangle" w="lg" len="med"/>
-              <a:tailEnd type="triangle" w="lg" len="med"/>
-            </a:ln>
-          </p:spPr>
-          <p:txBody>
-            <a:bodyPr/>
-            <a:lstStyle/>
-            <a:p>
-              <a:endParaRPr lang="en-US"/>
-            </a:p>
-          </p:txBody>
-        </p:sp>
-        <p:sp>
-          <p:nvSpPr>
-            <p:cNvPr id="24621" name="Line 45"/>
-            <p:cNvSpPr>
-              <a:spLocks noChangeShapeType="1"/>
-            </p:cNvSpPr>
-            <p:nvPr/>
-          </p:nvSpPr>
-          <p:spPr bwMode="auto">
-            <a:xfrm flipV="1">
-              <a:off x="9039225" y="3351213"/>
-              <a:ext cx="0" cy="222250"/>
-            </a:xfrm>
-            <a:prstGeom prst="line">
-              <a:avLst/>
-            </a:prstGeom>
-            <a:noFill/>
-            <a:ln w="25400">
-              <a:solidFill>
-                <a:schemeClr val="tx1"/>
-              </a:solidFill>
-              <a:round/>
-              <a:headEnd type="triangle" w="lg" len="med"/>
-              <a:tailEnd type="triangle" w="lg" len="med"/>
-            </a:ln>
-          </p:spPr>
-          <p:txBody>
-            <a:bodyPr/>
-            <a:lstStyle/>
-            <a:p>
-              <a:endParaRPr lang="en-US"/>
-            </a:p>
-          </p:txBody>
-        </p:sp>
-        <p:sp>
-          <p:nvSpPr>
-            <p:cNvPr id="24622" name="Line 46"/>
-            <p:cNvSpPr>
-              <a:spLocks noChangeShapeType="1"/>
-            </p:cNvSpPr>
-            <p:nvPr/>
-          </p:nvSpPr>
-          <p:spPr bwMode="auto">
-            <a:xfrm flipV="1">
-              <a:off x="8997950" y="4075113"/>
-              <a:ext cx="1720" cy="222250"/>
-            </a:xfrm>
-            <a:prstGeom prst="line">
-              <a:avLst/>
-            </a:prstGeom>
-            <a:noFill/>
-            <a:ln w="25400">
-              <a:solidFill>
-                <a:schemeClr val="tx1"/>
-              </a:solidFill>
-              <a:round/>
-              <a:headEnd type="triangle" w="lg" len="med"/>
-              <a:tailEnd type="triangle" w="lg" len="med"/>
-            </a:ln>
-          </p:spPr>
-          <p:txBody>
-            <a:bodyPr/>
-            <a:lstStyle/>
-            <a:p>
-              <a:endParaRPr lang="en-US"/>
-            </a:p>
-          </p:txBody>
-        </p:sp>
-        <p:sp>
-          <p:nvSpPr>
-            <p:cNvPr id="24623" name="Line 47"/>
-            <p:cNvSpPr>
-              <a:spLocks noChangeShapeType="1"/>
-            </p:cNvSpPr>
-            <p:nvPr/>
-          </p:nvSpPr>
-          <p:spPr bwMode="auto">
-            <a:xfrm>
-              <a:off x="9352227" y="4075114"/>
-              <a:ext cx="0" cy="915987"/>
-            </a:xfrm>
-            <a:prstGeom prst="line">
-              <a:avLst/>
-            </a:prstGeom>
-            <a:noFill/>
-            <a:ln w="25400">
-              <a:solidFill>
-                <a:schemeClr val="tx1"/>
-              </a:solidFill>
-              <a:round/>
-              <a:headEnd type="triangle" w="lg" len="med"/>
-              <a:tailEnd type="triangle" w="lg" len="med"/>
-            </a:ln>
-          </p:spPr>
-          <p:txBody>
-            <a:bodyPr/>
-            <a:lstStyle/>
-            <a:p>
-              <a:endParaRPr lang="en-US"/>
-            </a:p>
-          </p:txBody>
-        </p:sp>
-        <p:sp>
-          <p:nvSpPr>
-            <p:cNvPr id="24624" name="Line 48"/>
-            <p:cNvSpPr>
-              <a:spLocks noChangeShapeType="1"/>
-            </p:cNvSpPr>
-            <p:nvPr/>
-          </p:nvSpPr>
-          <p:spPr bwMode="auto">
-            <a:xfrm>
-              <a:off x="9558602" y="4075114"/>
-              <a:ext cx="0" cy="2008187"/>
-            </a:xfrm>
-            <a:prstGeom prst="line">
-              <a:avLst/>
-            </a:prstGeom>
-            <a:noFill/>
-            <a:ln w="25400">
-              <a:solidFill>
-                <a:schemeClr val="tx1"/>
-              </a:solidFill>
-              <a:round/>
-              <a:headEnd type="triangle" w="lg" len="med"/>
-              <a:tailEnd/>
-            </a:ln>
-          </p:spPr>
-          <p:txBody>
-            <a:bodyPr/>
-            <a:lstStyle/>
-            <a:p>
-              <a:endParaRPr lang="en-US"/>
-            </a:p>
-          </p:txBody>
-        </p:sp>
-        <p:sp>
-          <p:nvSpPr>
-            <p:cNvPr id="24625" name="Line 49"/>
-            <p:cNvSpPr>
-              <a:spLocks noChangeShapeType="1"/>
-            </p:cNvSpPr>
-            <p:nvPr/>
-          </p:nvSpPr>
-          <p:spPr bwMode="auto">
-            <a:xfrm>
-              <a:off x="9453696" y="4075114"/>
-              <a:ext cx="1719" cy="1462087"/>
-            </a:xfrm>
-            <a:prstGeom prst="line">
-              <a:avLst/>
-            </a:prstGeom>
-            <a:noFill/>
-            <a:ln w="25400">
-              <a:solidFill>
-                <a:schemeClr val="tx1"/>
-              </a:solidFill>
-              <a:round/>
-              <a:headEnd type="triangle" w="lg" len="med"/>
-              <a:tailEnd/>
-            </a:ln>
-          </p:spPr>
-          <p:txBody>
-            <a:bodyPr/>
-            <a:lstStyle/>
-            <a:p>
-              <a:endParaRPr lang="en-US"/>
-            </a:p>
-          </p:txBody>
-        </p:sp>
-      </p:grpSp>
       <p:sp>
         <p:nvSpPr>
-          <p:cNvPr id="51" name="Title 50"/>
+          <p:cNvPr id="4" name="Rectangle 3"/>
+          <p:cNvSpPr>
+            <a:spLocks noChangeArrowheads="1"/>
+          </p:cNvSpPr>
+          <p:nvPr/>
+        </p:nvSpPr>
+        <p:spPr bwMode="auto">
+          <a:xfrm>
+            <a:off x="0" y="0"/>
+            <a:ext cx="9144000" cy="858838"/>
+          </a:xfrm>
+          <a:prstGeom prst="rect">
+            <a:avLst/>
+          </a:prstGeom>
+          <a:noFill/>
+          <a:ln w="9525" algn="ctr">
+            <a:noFill/>
+            <a:miter lim="800000"/>
+            <a:headEnd/>
+            <a:tailEnd/>
+          </a:ln>
+          <a:effectLst>
+            <a:outerShdw dist="20000" dir="5400000" rotWithShape="0">
+              <a:srgbClr val="000000">
+                <a:alpha val="37999"/>
+              </a:srgbClr>
+            </a:outerShdw>
+          </a:effectLst>
+        </p:spPr>
+        <p:txBody>
+          <a:bodyPr anchor="ctr"/>
+          <a:lstStyle/>
+          <a:p>
+            <a:pPr algn="ctr" fontAlgn="auto">
+              <a:spcBef>
+                <a:spcPts val="0"/>
+              </a:spcBef>
+              <a:spcAft>
+                <a:spcPts val="0"/>
+              </a:spcAft>
+              <a:defRPr/>
+            </a:pPr>
+            <a:endParaRPr lang="en-US">
+              <a:solidFill>
+                <a:schemeClr val="dk1"/>
+              </a:solidFill>
+              <a:latin typeface="+mn-lt"/>
+              <a:cs typeface="+mn-cs"/>
+            </a:endParaRPr>
+          </a:p>
+        </p:txBody>
+      </p:sp>
+      <p:sp>
+        <p:nvSpPr>
+          <p:cNvPr id="26627" name="Rectangle 6"/>
           <p:cNvSpPr>
             <a:spLocks noGrp="1"/>
           </p:cNvSpPr>
@@ -24862,15 +22521,15 @@
           <a:lstStyle/>
           <a:p>
             <a:r>
-              <a:rPr lang="en-US" dirty="0"/>
-              <a:t>Memory Hierarchy</a:t>
+              <a:rPr lang="en-US" sz="3600"/>
+              <a:t>Parallel Computing using CUDA</a:t>
             </a:r>
           </a:p>
         </p:txBody>
       </p:sp>
       <p:sp>
         <p:nvSpPr>
-          <p:cNvPr id="52" name="Content Placeholder 51"/>
+          <p:cNvPr id="26628" name="Rectangle 7"/>
           <p:cNvSpPr>
             <a:spLocks noGrp="1"/>
           </p:cNvSpPr>
@@ -24878,97 +22537,82 @@
             <p:ph sz="quarter" idx="12"/>
           </p:nvPr>
         </p:nvSpPr>
-        <p:spPr/>
+        <p:spPr>
+          <a:xfrm>
+            <a:off x="849745" y="1847273"/>
+            <a:ext cx="7342910" cy="4784436"/>
+          </a:xfrm>
+        </p:spPr>
         <p:txBody>
-          <a:bodyPr/>
+          <a:bodyPr>
+            <a:normAutofit fontScale="92500" lnSpcReduction="20000"/>
+          </a:bodyPr>
           <a:lstStyle/>
           <a:p>
-            <a:pPr marL="342900" indent="-342900" eaLnBrk="0" hangingPunct="0">
-              <a:spcBef>
-                <a:spcPct val="20000"/>
-              </a:spcBef>
-              <a:buFont typeface="Arial" charset="0"/>
-              <a:buChar char="•"/>
-              <a:defRPr/>
+            <a:r>
+              <a:rPr lang="en-US" sz="2400" dirty="0"/>
+              <a:t>Allocate device memory for input data </a:t>
+            </a:r>
+          </a:p>
+          <a:p>
+            <a:r>
+              <a:rPr lang="en-US" sz="2400" dirty="0"/>
+              <a:t>Copy input data from host memory to device memory</a:t>
+            </a:r>
+          </a:p>
+          <a:p>
+            <a:r>
+              <a:rPr lang="en-US" sz="2400" dirty="0"/>
+              <a:t>Allocate device memory for output data</a:t>
+            </a:r>
+          </a:p>
+          <a:p>
+            <a:endParaRPr lang="en-US" sz="2400" dirty="0"/>
+          </a:p>
+          <a:p>
+            <a:r>
+              <a:rPr lang="en-US" sz="2400" dirty="0"/>
+              <a:t>for each logical block within data do</a:t>
+            </a:r>
+          </a:p>
+          <a:p>
+            <a:pPr marL="0" indent="0">
+              <a:buNone/>
             </a:pPr>
             <a:r>
-              <a:rPr lang="en-IN" dirty="0"/>
-              <a:t>Registers</a:t>
-            </a:r>
-          </a:p>
-          <a:p>
-            <a:pPr marL="342900" indent="-342900" eaLnBrk="0" hangingPunct="0">
-              <a:spcBef>
-                <a:spcPct val="20000"/>
-              </a:spcBef>
-              <a:buFont typeface="Arial" charset="0"/>
-              <a:buChar char="•"/>
-              <a:defRPr/>
+              <a:rPr lang="en-US" sz="2400" dirty="0"/>
+              <a:t>      for each thread within logical block do</a:t>
+            </a:r>
+          </a:p>
+          <a:p>
+            <a:pPr marL="0" indent="0">
+              <a:buNone/>
             </a:pPr>
             <a:r>
-              <a:rPr lang="en-IN" dirty="0"/>
-              <a:t>Local memory</a:t>
-            </a:r>
-          </a:p>
-          <a:p>
-            <a:pPr marL="342900" indent="-342900" eaLnBrk="0" hangingPunct="0">
-              <a:spcBef>
-                <a:spcPct val="20000"/>
-              </a:spcBef>
-              <a:buFont typeface="Arial" charset="0"/>
-              <a:buChar char="•"/>
-              <a:defRPr/>
-            </a:pPr>
-            <a:r>
-              <a:rPr lang="en-IN" dirty="0"/>
-              <a:t>Shared memory</a:t>
-            </a:r>
-          </a:p>
-          <a:p>
-            <a:pPr marL="342900" indent="-342900" eaLnBrk="0" hangingPunct="0">
-              <a:spcBef>
-                <a:spcPct val="20000"/>
-              </a:spcBef>
-              <a:buFont typeface="Arial" charset="0"/>
-              <a:buChar char="•"/>
-              <a:defRPr/>
-            </a:pPr>
-            <a:r>
-              <a:rPr lang="en-IN" dirty="0"/>
-              <a:t>Global memory</a:t>
-            </a:r>
-          </a:p>
-          <a:p>
-            <a:pPr marL="342900" indent="-342900" eaLnBrk="0" hangingPunct="0">
-              <a:spcBef>
-                <a:spcPct val="20000"/>
-              </a:spcBef>
-              <a:buFont typeface="Arial" charset="0"/>
-              <a:buChar char="•"/>
-              <a:defRPr/>
-            </a:pPr>
-            <a:r>
-              <a:rPr lang="en-IN" dirty="0"/>
-              <a:t>Read only constant memory</a:t>
-            </a:r>
-          </a:p>
-          <a:p>
-            <a:pPr marL="342900" indent="-342900" eaLnBrk="0" hangingPunct="0">
-              <a:spcBef>
-                <a:spcPct val="20000"/>
-              </a:spcBef>
-              <a:buFont typeface="Arial" charset="0"/>
-              <a:buChar char="•"/>
-              <a:defRPr/>
-            </a:pPr>
-            <a:r>
-              <a:rPr lang="en-IN" dirty="0"/>
-              <a:t>Read only texture memory</a:t>
-            </a:r>
-            <a:endParaRPr lang="en-GB" dirty="0"/>
-          </a:p>
-          <a:p>
-            <a:endParaRPr lang="en-US" dirty="0"/>
+              <a:rPr lang="en-US" sz="2400" dirty="0"/>
+              <a:t>            calculate output value in device memory</a:t>
+            </a:r>
+          </a:p>
+          <a:p>
+            <a:r>
+              <a:rPr lang="en-US" sz="2400" dirty="0"/>
+              <a:t>Synchronize threads</a:t>
+            </a:r>
+          </a:p>
+          <a:p>
+            <a:endParaRPr lang="en-US" sz="2400" dirty="0"/>
+          </a:p>
+          <a:p>
+            <a:r>
+              <a:rPr lang="en-US" sz="2400" dirty="0"/>
+              <a:t>Copy results from device memory to host memory  </a:t>
+            </a:r>
+          </a:p>
+          <a:p>
+            <a:r>
+              <a:rPr lang="en-US" sz="2400" dirty="0"/>
+              <a:t>Free device memory allocated for input &amp; output data</a:t>
+            </a:r>
           </a:p>
         </p:txBody>
       </p:sp>
@@ -24997,2271 +22641,63 @@
           <a:chExt cx="0" cy="0"/>
         </a:xfrm>
       </p:grpSpPr>
-      <p:grpSp>
-        <p:nvGrpSpPr>
-          <p:cNvPr id="2" name="Group 54"/>
-          <p:cNvGrpSpPr>
-            <a:grpSpLocks/>
-          </p:cNvGrpSpPr>
-          <p:nvPr/>
-        </p:nvGrpSpPr>
-        <p:grpSpPr bwMode="auto">
-          <a:xfrm>
-            <a:off x="4413739" y="1546225"/>
-            <a:ext cx="4541228" cy="5045075"/>
-            <a:chOff x="4781550" y="1546225"/>
-            <a:chExt cx="4919663" cy="5045075"/>
-          </a:xfrm>
-        </p:grpSpPr>
-        <p:sp>
-          <p:nvSpPr>
-            <p:cNvPr id="25605" name="AutoShape 5"/>
-            <p:cNvSpPr>
-              <a:spLocks noChangeAspect="1" noChangeArrowheads="1"/>
-            </p:cNvSpPr>
-            <p:nvPr/>
-          </p:nvSpPr>
-          <p:spPr bwMode="auto">
-            <a:xfrm>
-              <a:off x="5675313" y="1546225"/>
-              <a:ext cx="4025900" cy="5045075"/>
-            </a:xfrm>
-            <a:prstGeom prst="rect">
-              <a:avLst/>
-            </a:prstGeom>
-            <a:noFill/>
-            <a:ln w="9525">
-              <a:noFill/>
-              <a:miter lim="800000"/>
-              <a:headEnd/>
-              <a:tailEnd/>
-            </a:ln>
-          </p:spPr>
-          <p:txBody>
-            <a:bodyPr/>
-            <a:lstStyle/>
-            <a:p>
-              <a:pPr>
-                <a:buClr>
-                  <a:srgbClr val="000000"/>
-                </a:buClr>
-                <a:buSzPct val="100000"/>
-                <a:buFont typeface="Times New Roman" pitchFamily="18" charset="0"/>
-                <a:buNone/>
-              </a:pPr>
-              <a:endParaRPr lang="en-US" altLang="en-US"/>
-            </a:p>
-          </p:txBody>
-        </p:sp>
-        <p:sp>
-          <p:nvSpPr>
-            <p:cNvPr id="25606" name="Text Box 6"/>
-            <p:cNvSpPr txBox="1">
-              <a:spLocks noChangeArrowheads="1"/>
-            </p:cNvSpPr>
-            <p:nvPr/>
-          </p:nvSpPr>
-          <p:spPr bwMode="auto">
-            <a:xfrm>
-              <a:off x="5680075" y="1550988"/>
-              <a:ext cx="4016375" cy="5035550"/>
-            </a:xfrm>
-            <a:prstGeom prst="rect">
-              <a:avLst/>
-            </a:prstGeom>
-            <a:solidFill>
-              <a:srgbClr val="99CCFF"/>
-            </a:solidFill>
-            <a:ln w="9525">
-              <a:solidFill>
-                <a:srgbClr val="969696"/>
-              </a:solidFill>
-              <a:miter lim="800000"/>
-              <a:headEnd/>
-              <a:tailEnd/>
-            </a:ln>
-          </p:spPr>
-          <p:txBody>
-            <a:bodyPr/>
-            <a:lstStyle/>
-            <a:p>
-              <a:pPr>
-                <a:buClr>
-                  <a:srgbClr val="000000"/>
-                </a:buClr>
-                <a:buSzPct val="100000"/>
-                <a:buFont typeface="Times New Roman" pitchFamily="18" charset="0"/>
-                <a:buNone/>
-              </a:pPr>
-              <a:r>
-                <a:rPr lang="en-US" altLang="en-US" sz="1200" b="1">
-                  <a:solidFill>
-                    <a:srgbClr val="003300"/>
-                  </a:solidFill>
-                </a:rPr>
-                <a:t>(Device) Grid</a:t>
-              </a:r>
-            </a:p>
-          </p:txBody>
-        </p:sp>
-        <p:sp>
-          <p:nvSpPr>
-            <p:cNvPr id="25607" name="Text Box 7"/>
-            <p:cNvSpPr txBox="1">
-              <a:spLocks noChangeArrowheads="1"/>
-            </p:cNvSpPr>
-            <p:nvPr/>
-          </p:nvSpPr>
-          <p:spPr bwMode="auto">
-            <a:xfrm>
-              <a:off x="5735638" y="5541963"/>
-              <a:ext cx="3905250" cy="427037"/>
-            </a:xfrm>
-            <a:prstGeom prst="rect">
-              <a:avLst/>
-            </a:prstGeom>
-            <a:solidFill>
-              <a:srgbClr val="FF6600"/>
-            </a:solidFill>
-            <a:ln w="9525">
-              <a:solidFill>
-                <a:srgbClr val="969696"/>
-              </a:solidFill>
-              <a:miter lim="800000"/>
-              <a:headEnd/>
-              <a:tailEnd/>
-            </a:ln>
-          </p:spPr>
-          <p:txBody>
-            <a:bodyPr/>
-            <a:lstStyle/>
-            <a:p>
-              <a:pPr>
-                <a:buClr>
-                  <a:srgbClr val="000000"/>
-                </a:buClr>
-                <a:buSzPct val="100000"/>
-                <a:buFont typeface="Times New Roman" pitchFamily="18" charset="0"/>
-                <a:buNone/>
-              </a:pPr>
-              <a:r>
-                <a:rPr lang="en-US" altLang="en-US" sz="1000" b="1">
-                  <a:solidFill>
-                    <a:srgbClr val="003300"/>
-                  </a:solidFill>
-                </a:rPr>
-                <a:t>Constant</a:t>
-              </a:r>
-            </a:p>
-            <a:p>
-              <a:pPr>
-                <a:buClr>
-                  <a:srgbClr val="000000"/>
-                </a:buClr>
-                <a:buSzPct val="100000"/>
-                <a:buFont typeface="Times New Roman" pitchFamily="18" charset="0"/>
-                <a:buNone/>
-              </a:pPr>
-              <a:r>
-                <a:rPr lang="en-US" altLang="en-US" sz="1000" b="1">
-                  <a:solidFill>
-                    <a:srgbClr val="003300"/>
-                  </a:solidFill>
-                </a:rPr>
-                <a:t>Memory</a:t>
-              </a:r>
-              <a:endParaRPr lang="en-US" altLang="en-US" sz="1000">
-                <a:solidFill>
-                  <a:srgbClr val="003300"/>
-                </a:solidFill>
-              </a:endParaRPr>
-            </a:p>
-          </p:txBody>
-        </p:sp>
-        <p:sp>
-          <p:nvSpPr>
-            <p:cNvPr id="25608" name="Text Box 8"/>
-            <p:cNvSpPr txBox="1">
-              <a:spLocks noChangeArrowheads="1"/>
-            </p:cNvSpPr>
-            <p:nvPr/>
-          </p:nvSpPr>
-          <p:spPr bwMode="auto">
-            <a:xfrm>
-              <a:off x="5735638" y="6080125"/>
-              <a:ext cx="3905250" cy="425450"/>
-            </a:xfrm>
-            <a:prstGeom prst="rect">
-              <a:avLst/>
-            </a:prstGeom>
-            <a:solidFill>
-              <a:srgbClr val="FF6600"/>
-            </a:solidFill>
-            <a:ln w="9525">
-              <a:solidFill>
-                <a:srgbClr val="969696"/>
-              </a:solidFill>
-              <a:miter lim="800000"/>
-              <a:headEnd/>
-              <a:tailEnd/>
-            </a:ln>
-          </p:spPr>
-          <p:txBody>
-            <a:bodyPr/>
-            <a:lstStyle/>
-            <a:p>
-              <a:pPr>
-                <a:buClr>
-                  <a:srgbClr val="000000"/>
-                </a:buClr>
-                <a:buSzPct val="100000"/>
-                <a:buFont typeface="Times New Roman" pitchFamily="18" charset="0"/>
-                <a:buNone/>
-              </a:pPr>
-              <a:r>
-                <a:rPr lang="en-US" altLang="en-US" sz="1000" b="1">
-                  <a:solidFill>
-                    <a:srgbClr val="003300"/>
-                  </a:solidFill>
-                </a:rPr>
-                <a:t>Texture</a:t>
-              </a:r>
-            </a:p>
-            <a:p>
-              <a:pPr>
-                <a:buClr>
-                  <a:srgbClr val="000000"/>
-                </a:buClr>
-                <a:buSzPct val="100000"/>
-                <a:buFont typeface="Times New Roman" pitchFamily="18" charset="0"/>
-                <a:buNone/>
-              </a:pPr>
-              <a:r>
-                <a:rPr lang="en-US" altLang="en-US" sz="1000" b="1">
-                  <a:solidFill>
-                    <a:srgbClr val="003300"/>
-                  </a:solidFill>
-                </a:rPr>
-                <a:t>Memory</a:t>
-              </a:r>
-              <a:endParaRPr lang="en-US" altLang="en-US" sz="1000">
-                <a:solidFill>
-                  <a:srgbClr val="003300"/>
-                </a:solidFill>
-              </a:endParaRPr>
-            </a:p>
-          </p:txBody>
-        </p:sp>
-        <p:sp>
-          <p:nvSpPr>
-            <p:cNvPr id="25609" name="Text Box 9"/>
-            <p:cNvSpPr txBox="1">
-              <a:spLocks noChangeArrowheads="1"/>
-            </p:cNvSpPr>
-            <p:nvPr/>
-          </p:nvSpPr>
-          <p:spPr bwMode="auto">
-            <a:xfrm>
-              <a:off x="5735638" y="4995863"/>
-              <a:ext cx="3905250" cy="425450"/>
-            </a:xfrm>
-            <a:prstGeom prst="rect">
-              <a:avLst/>
-            </a:prstGeom>
-            <a:solidFill>
-              <a:srgbClr val="FF6600"/>
-            </a:solidFill>
-            <a:ln w="9525">
-              <a:solidFill>
-                <a:srgbClr val="969696"/>
-              </a:solidFill>
-              <a:miter lim="800000"/>
-              <a:headEnd/>
-              <a:tailEnd/>
-            </a:ln>
-          </p:spPr>
-          <p:txBody>
-            <a:bodyPr/>
-            <a:lstStyle/>
-            <a:p>
-              <a:pPr>
-                <a:buClr>
-                  <a:srgbClr val="000000"/>
-                </a:buClr>
-                <a:buSzPct val="100000"/>
-                <a:buFont typeface="Times New Roman" pitchFamily="18" charset="0"/>
-                <a:buNone/>
-              </a:pPr>
-              <a:r>
-                <a:rPr lang="en-US" altLang="en-US" sz="1000" b="1">
-                  <a:solidFill>
-                    <a:srgbClr val="003300"/>
-                  </a:solidFill>
-                </a:rPr>
-                <a:t>Global</a:t>
-              </a:r>
-            </a:p>
-            <a:p>
-              <a:pPr>
-                <a:buClr>
-                  <a:srgbClr val="000000"/>
-                </a:buClr>
-                <a:buSzPct val="100000"/>
-                <a:buFont typeface="Times New Roman" pitchFamily="18" charset="0"/>
-                <a:buNone/>
-              </a:pPr>
-              <a:r>
-                <a:rPr lang="en-US" altLang="en-US" sz="1000" b="1">
-                  <a:solidFill>
-                    <a:srgbClr val="003300"/>
-                  </a:solidFill>
-                </a:rPr>
-                <a:t>Memory</a:t>
-              </a:r>
-              <a:endParaRPr lang="en-US" altLang="en-US" sz="1000">
-                <a:solidFill>
-                  <a:srgbClr val="003300"/>
-                </a:solidFill>
-              </a:endParaRPr>
-            </a:p>
-          </p:txBody>
-        </p:sp>
-        <p:sp>
-          <p:nvSpPr>
-            <p:cNvPr id="25610" name="Text Box 10"/>
-            <p:cNvSpPr txBox="1">
-              <a:spLocks noChangeArrowheads="1"/>
-            </p:cNvSpPr>
-            <p:nvPr/>
-          </p:nvSpPr>
-          <p:spPr bwMode="auto">
-            <a:xfrm>
-              <a:off x="5734050" y="2044700"/>
-              <a:ext cx="1919288" cy="2852738"/>
-            </a:xfrm>
-            <a:prstGeom prst="rect">
-              <a:avLst/>
-            </a:prstGeom>
-            <a:solidFill>
-              <a:srgbClr val="FFCC00"/>
-            </a:solidFill>
-            <a:ln w="9525">
-              <a:solidFill>
-                <a:srgbClr val="969696"/>
-              </a:solidFill>
-              <a:miter lim="800000"/>
-              <a:headEnd/>
-              <a:tailEnd/>
-            </a:ln>
-          </p:spPr>
-          <p:txBody>
-            <a:bodyPr/>
-            <a:lstStyle/>
-            <a:p>
-              <a:pPr>
-                <a:buClr>
-                  <a:srgbClr val="000000"/>
-                </a:buClr>
-                <a:buSzPct val="100000"/>
-                <a:buFont typeface="Times New Roman" pitchFamily="18" charset="0"/>
-                <a:buNone/>
-              </a:pPr>
-              <a:r>
-                <a:rPr lang="en-US" altLang="en-US" sz="1200" b="1">
-                  <a:solidFill>
-                    <a:srgbClr val="003300"/>
-                  </a:solidFill>
-                </a:rPr>
-                <a:t>Block (0, 0)</a:t>
-              </a:r>
-            </a:p>
-          </p:txBody>
-        </p:sp>
-        <p:sp>
-          <p:nvSpPr>
-            <p:cNvPr id="25611" name="Text Box 11"/>
-            <p:cNvSpPr txBox="1">
-              <a:spLocks noChangeArrowheads="1"/>
-            </p:cNvSpPr>
-            <p:nvPr/>
-          </p:nvSpPr>
-          <p:spPr bwMode="auto">
-            <a:xfrm>
-              <a:off x="5786438" y="2554288"/>
-              <a:ext cx="1824037" cy="349250"/>
-            </a:xfrm>
-            <a:prstGeom prst="rect">
-              <a:avLst/>
-            </a:prstGeom>
-            <a:solidFill>
-              <a:srgbClr val="FF6600"/>
-            </a:solidFill>
-            <a:ln w="9525">
-              <a:solidFill>
-                <a:srgbClr val="969696"/>
-              </a:solidFill>
-              <a:miter lim="800000"/>
-              <a:headEnd/>
-              <a:tailEnd/>
-            </a:ln>
-          </p:spPr>
-          <p:txBody>
-            <a:bodyPr lIns="0" tIns="91440" rIns="0" bIns="0"/>
-            <a:lstStyle/>
-            <a:p>
-              <a:pPr algn="ctr">
-                <a:buClr>
-                  <a:srgbClr val="000000"/>
-                </a:buClr>
-                <a:buSzPct val="100000"/>
-                <a:buFont typeface="Times New Roman" pitchFamily="18" charset="0"/>
-                <a:buNone/>
-              </a:pPr>
-              <a:r>
-                <a:rPr lang="en-US" altLang="en-US" sz="1000" b="1">
-                  <a:solidFill>
-                    <a:srgbClr val="003300"/>
-                  </a:solidFill>
-                </a:rPr>
-                <a:t>Shared Memory</a:t>
-              </a:r>
-              <a:endParaRPr lang="en-US" altLang="en-US" sz="1000">
-                <a:solidFill>
-                  <a:srgbClr val="003300"/>
-                </a:solidFill>
-              </a:endParaRPr>
-            </a:p>
-          </p:txBody>
-        </p:sp>
-        <p:sp>
-          <p:nvSpPr>
-            <p:cNvPr id="25612" name="Text Box 12"/>
-            <p:cNvSpPr txBox="1">
-              <a:spLocks noChangeArrowheads="1"/>
-            </p:cNvSpPr>
-            <p:nvPr/>
-          </p:nvSpPr>
-          <p:spPr bwMode="auto">
-            <a:xfrm>
-              <a:off x="5786438" y="4300538"/>
-              <a:ext cx="571500" cy="547687"/>
-            </a:xfrm>
-            <a:prstGeom prst="rect">
-              <a:avLst/>
-            </a:prstGeom>
-            <a:solidFill>
-              <a:srgbClr val="FF6600"/>
-            </a:solidFill>
-            <a:ln w="9525">
-              <a:solidFill>
-                <a:srgbClr val="969696"/>
-              </a:solidFill>
-              <a:miter lim="800000"/>
-              <a:headEnd/>
-              <a:tailEnd/>
-            </a:ln>
-          </p:spPr>
-          <p:txBody>
-            <a:bodyPr lIns="0" tIns="91440" rIns="0" bIns="0"/>
-            <a:lstStyle/>
-            <a:p>
-              <a:pPr algn="ctr">
-                <a:buClr>
-                  <a:srgbClr val="000000"/>
-                </a:buClr>
-                <a:buSzPct val="100000"/>
-                <a:buFont typeface="Times New Roman" pitchFamily="18" charset="0"/>
-                <a:buNone/>
-              </a:pPr>
-              <a:r>
-                <a:rPr lang="en-US" altLang="en-US" sz="1000" b="1">
-                  <a:solidFill>
-                    <a:srgbClr val="003300"/>
-                  </a:solidFill>
-                </a:rPr>
-                <a:t>Local</a:t>
-              </a:r>
-            </a:p>
-            <a:p>
-              <a:pPr algn="ctr">
-                <a:buClr>
-                  <a:srgbClr val="000000"/>
-                </a:buClr>
-                <a:buSzPct val="100000"/>
-                <a:buFont typeface="Times New Roman" pitchFamily="18" charset="0"/>
-                <a:buNone/>
-              </a:pPr>
-              <a:r>
-                <a:rPr lang="en-US" altLang="en-US" sz="1000" b="1">
-                  <a:solidFill>
-                    <a:srgbClr val="003300"/>
-                  </a:solidFill>
-                </a:rPr>
-                <a:t>Memory</a:t>
-              </a:r>
-              <a:endParaRPr lang="en-US" altLang="en-US" sz="1000">
-                <a:solidFill>
-                  <a:srgbClr val="003300"/>
-                </a:solidFill>
-              </a:endParaRPr>
-            </a:p>
-          </p:txBody>
-        </p:sp>
-        <p:sp>
-          <p:nvSpPr>
-            <p:cNvPr id="25613" name="Text Box 13"/>
-            <p:cNvSpPr txBox="1">
-              <a:spLocks noChangeArrowheads="1"/>
-            </p:cNvSpPr>
-            <p:nvPr/>
-          </p:nvSpPr>
-          <p:spPr bwMode="auto">
-            <a:xfrm>
-              <a:off x="5776913" y="3582988"/>
-              <a:ext cx="889000" cy="487362"/>
-            </a:xfrm>
-            <a:prstGeom prst="rect">
-              <a:avLst/>
-            </a:prstGeom>
-            <a:solidFill>
-              <a:srgbClr val="99FF66"/>
-            </a:solidFill>
-            <a:ln w="9525">
-              <a:solidFill>
-                <a:srgbClr val="969696"/>
-              </a:solidFill>
-              <a:miter lim="800000"/>
-              <a:headEnd/>
-              <a:tailEnd/>
-            </a:ln>
-          </p:spPr>
-          <p:txBody>
-            <a:bodyPr lIns="0" tIns="146304" rIns="0" bIns="0"/>
-            <a:lstStyle/>
-            <a:p>
-              <a:pPr algn="ctr">
-                <a:buClr>
-                  <a:srgbClr val="000000"/>
-                </a:buClr>
-                <a:buSzPct val="100000"/>
-                <a:buFont typeface="Times New Roman" pitchFamily="18" charset="0"/>
-                <a:buNone/>
-              </a:pPr>
-              <a:r>
-                <a:rPr lang="en-US" altLang="en-US" sz="1000" b="1">
-                  <a:solidFill>
-                    <a:srgbClr val="003300"/>
-                  </a:solidFill>
-                </a:rPr>
-                <a:t>Thread (0, 0)</a:t>
-              </a:r>
-              <a:endParaRPr lang="en-US" altLang="en-US" sz="1000">
-                <a:solidFill>
-                  <a:srgbClr val="003300"/>
-                </a:solidFill>
-              </a:endParaRPr>
-            </a:p>
-          </p:txBody>
-        </p:sp>
-        <p:sp>
-          <p:nvSpPr>
-            <p:cNvPr id="25614" name="Text Box 14"/>
-            <p:cNvSpPr txBox="1">
-              <a:spLocks noChangeArrowheads="1"/>
-            </p:cNvSpPr>
-            <p:nvPr/>
-          </p:nvSpPr>
-          <p:spPr bwMode="auto">
-            <a:xfrm>
-              <a:off x="5776913" y="3057525"/>
-              <a:ext cx="674687" cy="298450"/>
-            </a:xfrm>
-            <a:prstGeom prst="rect">
-              <a:avLst/>
-            </a:prstGeom>
-            <a:solidFill>
-              <a:srgbClr val="FF6600"/>
-            </a:solidFill>
-            <a:ln w="9525">
-              <a:solidFill>
-                <a:srgbClr val="969696"/>
-              </a:solidFill>
-              <a:miter lim="800000"/>
-              <a:headEnd/>
-              <a:tailEnd/>
-            </a:ln>
-          </p:spPr>
-          <p:txBody>
-            <a:bodyPr lIns="0" tIns="0" rIns="0" bIns="0"/>
-            <a:lstStyle/>
-            <a:p>
-              <a:pPr algn="ctr">
-                <a:buClr>
-                  <a:srgbClr val="000000"/>
-                </a:buClr>
-                <a:buSzPct val="100000"/>
-                <a:buFont typeface="Times New Roman" pitchFamily="18" charset="0"/>
-                <a:buNone/>
-              </a:pPr>
-              <a:r>
-                <a:rPr lang="en-US" altLang="en-US" sz="1000" b="1">
-                  <a:solidFill>
-                    <a:srgbClr val="003300"/>
-                  </a:solidFill>
-                </a:rPr>
-                <a:t>Registers</a:t>
-              </a:r>
-              <a:endParaRPr lang="en-US" altLang="en-US" sz="1000">
-                <a:solidFill>
-                  <a:srgbClr val="003300"/>
-                </a:solidFill>
-              </a:endParaRPr>
-            </a:p>
-          </p:txBody>
-        </p:sp>
-        <p:sp>
-          <p:nvSpPr>
-            <p:cNvPr id="25615" name="Line 15"/>
-            <p:cNvSpPr>
-              <a:spLocks noChangeShapeType="1"/>
-            </p:cNvSpPr>
-            <p:nvPr/>
-          </p:nvSpPr>
-          <p:spPr bwMode="auto">
-            <a:xfrm flipV="1">
-              <a:off x="6556375" y="2905125"/>
-              <a:ext cx="3175" cy="668338"/>
-            </a:xfrm>
-            <a:prstGeom prst="line">
-              <a:avLst/>
-            </a:prstGeom>
-            <a:noFill/>
-            <a:ln w="25400">
-              <a:solidFill>
-                <a:schemeClr val="tx1"/>
-              </a:solidFill>
-              <a:round/>
-              <a:headEnd type="triangle" w="lg" len="med"/>
-              <a:tailEnd type="triangle" w="lg" len="med"/>
-            </a:ln>
-          </p:spPr>
-          <p:txBody>
-            <a:bodyPr/>
-            <a:lstStyle/>
-            <a:p>
-              <a:endParaRPr lang="en-US"/>
-            </a:p>
-          </p:txBody>
-        </p:sp>
-        <p:sp>
-          <p:nvSpPr>
-            <p:cNvPr id="25616" name="Line 16"/>
-            <p:cNvSpPr>
-              <a:spLocks noChangeShapeType="1"/>
-            </p:cNvSpPr>
-            <p:nvPr/>
-          </p:nvSpPr>
-          <p:spPr bwMode="auto">
-            <a:xfrm flipV="1">
-              <a:off x="6113463" y="3351213"/>
-              <a:ext cx="0" cy="222250"/>
-            </a:xfrm>
-            <a:prstGeom prst="line">
-              <a:avLst/>
-            </a:prstGeom>
-            <a:noFill/>
-            <a:ln w="25400">
-              <a:solidFill>
-                <a:schemeClr val="tx1"/>
-              </a:solidFill>
-              <a:round/>
-              <a:headEnd type="triangle" w="lg" len="med"/>
-              <a:tailEnd type="triangle" w="lg" len="med"/>
-            </a:ln>
-          </p:spPr>
-          <p:txBody>
-            <a:bodyPr/>
-            <a:lstStyle/>
-            <a:p>
-              <a:endParaRPr lang="en-US"/>
-            </a:p>
-          </p:txBody>
-        </p:sp>
-        <p:sp>
-          <p:nvSpPr>
-            <p:cNvPr id="25617" name="Line 17"/>
-            <p:cNvSpPr>
-              <a:spLocks noChangeShapeType="1"/>
-            </p:cNvSpPr>
-            <p:nvPr/>
-          </p:nvSpPr>
-          <p:spPr bwMode="auto">
-            <a:xfrm flipV="1">
-              <a:off x="6072188" y="4075113"/>
-              <a:ext cx="1587" cy="222250"/>
-            </a:xfrm>
-            <a:prstGeom prst="line">
-              <a:avLst/>
-            </a:prstGeom>
-            <a:noFill/>
-            <a:ln w="25400">
-              <a:solidFill>
-                <a:schemeClr val="tx1"/>
-              </a:solidFill>
-              <a:round/>
-              <a:headEnd type="triangle" w="lg" len="med"/>
-              <a:tailEnd type="triangle" w="lg" len="med"/>
-            </a:ln>
-          </p:spPr>
-          <p:txBody>
-            <a:bodyPr/>
-            <a:lstStyle/>
-            <a:p>
-              <a:endParaRPr lang="en-US"/>
-            </a:p>
-          </p:txBody>
-        </p:sp>
-        <p:sp>
-          <p:nvSpPr>
-            <p:cNvPr id="25618" name="Line 18"/>
-            <p:cNvSpPr>
-              <a:spLocks noChangeShapeType="1"/>
-            </p:cNvSpPr>
-            <p:nvPr/>
-          </p:nvSpPr>
-          <p:spPr bwMode="auto">
-            <a:xfrm>
-              <a:off x="6424613" y="4075113"/>
-              <a:ext cx="0" cy="915987"/>
-            </a:xfrm>
-            <a:prstGeom prst="line">
-              <a:avLst/>
-            </a:prstGeom>
-            <a:noFill/>
-            <a:ln w="25400">
-              <a:solidFill>
-                <a:schemeClr val="tx1"/>
-              </a:solidFill>
-              <a:round/>
-              <a:headEnd type="triangle" w="lg" len="med"/>
-              <a:tailEnd type="triangle" w="lg" len="med"/>
-            </a:ln>
-          </p:spPr>
-          <p:txBody>
-            <a:bodyPr/>
-            <a:lstStyle/>
-            <a:p>
-              <a:endParaRPr lang="en-US"/>
-            </a:p>
-          </p:txBody>
-        </p:sp>
-        <p:sp>
-          <p:nvSpPr>
-            <p:cNvPr id="25619" name="Line 19"/>
-            <p:cNvSpPr>
-              <a:spLocks noChangeShapeType="1"/>
-            </p:cNvSpPr>
-            <p:nvPr/>
-          </p:nvSpPr>
-          <p:spPr bwMode="auto">
-            <a:xfrm>
-              <a:off x="6632575" y="4075113"/>
-              <a:ext cx="0" cy="2008187"/>
-            </a:xfrm>
-            <a:prstGeom prst="line">
-              <a:avLst/>
-            </a:prstGeom>
-            <a:noFill/>
-            <a:ln w="25400">
-              <a:solidFill>
-                <a:schemeClr val="tx1"/>
-              </a:solidFill>
-              <a:round/>
-              <a:headEnd type="triangle" w="lg" len="med"/>
-              <a:tailEnd/>
-            </a:ln>
-          </p:spPr>
-          <p:txBody>
-            <a:bodyPr/>
-            <a:lstStyle/>
-            <a:p>
-              <a:endParaRPr lang="en-US"/>
-            </a:p>
-          </p:txBody>
-        </p:sp>
-        <p:sp>
-          <p:nvSpPr>
-            <p:cNvPr id="25620" name="Line 20"/>
-            <p:cNvSpPr>
-              <a:spLocks noChangeShapeType="1"/>
-            </p:cNvSpPr>
-            <p:nvPr/>
-          </p:nvSpPr>
-          <p:spPr bwMode="auto">
-            <a:xfrm>
-              <a:off x="6527800" y="4075113"/>
-              <a:ext cx="1588" cy="1462087"/>
-            </a:xfrm>
-            <a:prstGeom prst="line">
-              <a:avLst/>
-            </a:prstGeom>
-            <a:noFill/>
-            <a:ln w="25400">
-              <a:solidFill>
-                <a:schemeClr val="tx1"/>
-              </a:solidFill>
-              <a:round/>
-              <a:headEnd type="triangle" w="lg" len="med"/>
-              <a:tailEnd/>
-            </a:ln>
-          </p:spPr>
-          <p:txBody>
-            <a:bodyPr/>
-            <a:lstStyle/>
-            <a:p>
-              <a:endParaRPr lang="en-US"/>
-            </a:p>
-          </p:txBody>
-        </p:sp>
-        <p:sp>
-          <p:nvSpPr>
-            <p:cNvPr id="25621" name="Text Box 21"/>
-            <p:cNvSpPr txBox="1">
-              <a:spLocks noChangeArrowheads="1"/>
-            </p:cNvSpPr>
-            <p:nvPr/>
-          </p:nvSpPr>
-          <p:spPr bwMode="auto">
-            <a:xfrm>
-              <a:off x="6729413" y="4300538"/>
-              <a:ext cx="573087" cy="547687"/>
-            </a:xfrm>
-            <a:prstGeom prst="rect">
-              <a:avLst/>
-            </a:prstGeom>
-            <a:solidFill>
-              <a:srgbClr val="FF6600"/>
-            </a:solidFill>
-            <a:ln w="9525">
-              <a:solidFill>
-                <a:srgbClr val="969696"/>
-              </a:solidFill>
-              <a:miter lim="800000"/>
-              <a:headEnd/>
-              <a:tailEnd/>
-            </a:ln>
-          </p:spPr>
-          <p:txBody>
-            <a:bodyPr lIns="0" tIns="91440" rIns="0" bIns="0"/>
-            <a:lstStyle/>
-            <a:p>
-              <a:pPr algn="ctr">
-                <a:buClr>
-                  <a:srgbClr val="000000"/>
-                </a:buClr>
-                <a:buSzPct val="100000"/>
-                <a:buFont typeface="Times New Roman" pitchFamily="18" charset="0"/>
-                <a:buNone/>
-              </a:pPr>
-              <a:r>
-                <a:rPr lang="en-US" altLang="en-US" sz="1000" b="1">
-                  <a:solidFill>
-                    <a:srgbClr val="003300"/>
-                  </a:solidFill>
-                </a:rPr>
-                <a:t>Local</a:t>
-              </a:r>
-            </a:p>
-            <a:p>
-              <a:pPr algn="ctr">
-                <a:buClr>
-                  <a:srgbClr val="000000"/>
-                </a:buClr>
-                <a:buSzPct val="100000"/>
-                <a:buFont typeface="Times New Roman" pitchFamily="18" charset="0"/>
-                <a:buNone/>
-              </a:pPr>
-              <a:r>
-                <a:rPr lang="en-US" altLang="en-US" sz="1000" b="1">
-                  <a:solidFill>
-                    <a:srgbClr val="003300"/>
-                  </a:solidFill>
-                </a:rPr>
-                <a:t>Memory</a:t>
-              </a:r>
-              <a:endParaRPr lang="en-US" altLang="en-US" sz="1000">
-                <a:solidFill>
-                  <a:srgbClr val="003300"/>
-                </a:solidFill>
-              </a:endParaRPr>
-            </a:p>
-          </p:txBody>
-        </p:sp>
-        <p:sp>
-          <p:nvSpPr>
-            <p:cNvPr id="25622" name="Text Box 22"/>
-            <p:cNvSpPr txBox="1">
-              <a:spLocks noChangeArrowheads="1"/>
-            </p:cNvSpPr>
-            <p:nvPr/>
-          </p:nvSpPr>
-          <p:spPr bwMode="auto">
-            <a:xfrm>
-              <a:off x="6721475" y="3582988"/>
-              <a:ext cx="889000" cy="487362"/>
-            </a:xfrm>
-            <a:prstGeom prst="rect">
-              <a:avLst/>
-            </a:prstGeom>
-            <a:solidFill>
-              <a:srgbClr val="99FF66"/>
-            </a:solidFill>
-            <a:ln w="9525">
-              <a:solidFill>
-                <a:srgbClr val="969696"/>
-              </a:solidFill>
-              <a:miter lim="800000"/>
-              <a:headEnd/>
-              <a:tailEnd/>
-            </a:ln>
-          </p:spPr>
-          <p:txBody>
-            <a:bodyPr lIns="0" tIns="146304" rIns="0" bIns="0"/>
-            <a:lstStyle/>
-            <a:p>
-              <a:pPr algn="ctr">
-                <a:buClr>
-                  <a:srgbClr val="000000"/>
-                </a:buClr>
-                <a:buSzPct val="100000"/>
-                <a:buFont typeface="Times New Roman" pitchFamily="18" charset="0"/>
-                <a:buNone/>
-              </a:pPr>
-              <a:r>
-                <a:rPr lang="en-US" altLang="en-US" sz="1000" b="1">
-                  <a:solidFill>
-                    <a:srgbClr val="003300"/>
-                  </a:solidFill>
-                </a:rPr>
-                <a:t>Thread (1, 0)</a:t>
-              </a:r>
-              <a:endParaRPr lang="en-US" altLang="en-US" sz="1000">
-                <a:solidFill>
-                  <a:srgbClr val="003300"/>
-                </a:solidFill>
-              </a:endParaRPr>
-            </a:p>
-          </p:txBody>
-        </p:sp>
-        <p:sp>
-          <p:nvSpPr>
-            <p:cNvPr id="25623" name="Text Box 23"/>
-            <p:cNvSpPr txBox="1">
-              <a:spLocks noChangeArrowheads="1"/>
-            </p:cNvSpPr>
-            <p:nvPr/>
-          </p:nvSpPr>
-          <p:spPr bwMode="auto">
-            <a:xfrm>
-              <a:off x="6721475" y="3057525"/>
-              <a:ext cx="671513" cy="298450"/>
-            </a:xfrm>
-            <a:prstGeom prst="rect">
-              <a:avLst/>
-            </a:prstGeom>
-            <a:solidFill>
-              <a:srgbClr val="FF6600"/>
-            </a:solidFill>
-            <a:ln w="9525">
-              <a:solidFill>
-                <a:srgbClr val="969696"/>
-              </a:solidFill>
-              <a:miter lim="800000"/>
-              <a:headEnd/>
-              <a:tailEnd/>
-            </a:ln>
-          </p:spPr>
-          <p:txBody>
-            <a:bodyPr lIns="0" tIns="0" rIns="0" bIns="0"/>
-            <a:lstStyle/>
-            <a:p>
-              <a:pPr algn="ctr">
-                <a:buClr>
-                  <a:srgbClr val="000000"/>
-                </a:buClr>
-                <a:buSzPct val="100000"/>
-                <a:buFont typeface="Times New Roman" pitchFamily="18" charset="0"/>
-                <a:buNone/>
-              </a:pPr>
-              <a:r>
-                <a:rPr lang="en-US" altLang="en-US" sz="1000" b="1">
-                  <a:solidFill>
-                    <a:srgbClr val="003300"/>
-                  </a:solidFill>
-                </a:rPr>
-                <a:t>Registers</a:t>
-              </a:r>
-              <a:endParaRPr lang="en-US" altLang="en-US" sz="1000">
-                <a:solidFill>
-                  <a:srgbClr val="003300"/>
-                </a:solidFill>
-              </a:endParaRPr>
-            </a:p>
-          </p:txBody>
-        </p:sp>
-        <p:sp>
-          <p:nvSpPr>
-            <p:cNvPr id="25624" name="Line 24"/>
-            <p:cNvSpPr>
-              <a:spLocks noChangeShapeType="1"/>
-            </p:cNvSpPr>
-            <p:nvPr/>
-          </p:nvSpPr>
-          <p:spPr bwMode="auto">
-            <a:xfrm flipV="1">
-              <a:off x="7497763" y="2905125"/>
-              <a:ext cx="4762" cy="668338"/>
-            </a:xfrm>
-            <a:prstGeom prst="line">
-              <a:avLst/>
-            </a:prstGeom>
-            <a:noFill/>
-            <a:ln w="25400">
-              <a:solidFill>
-                <a:schemeClr val="tx1"/>
-              </a:solidFill>
-              <a:round/>
-              <a:headEnd type="triangle" w="lg" len="med"/>
-              <a:tailEnd type="triangle" w="lg" len="med"/>
-            </a:ln>
-          </p:spPr>
-          <p:txBody>
-            <a:bodyPr/>
-            <a:lstStyle/>
-            <a:p>
-              <a:endParaRPr lang="en-US"/>
-            </a:p>
-          </p:txBody>
-        </p:sp>
-        <p:sp>
-          <p:nvSpPr>
-            <p:cNvPr id="25625" name="Line 25"/>
-            <p:cNvSpPr>
-              <a:spLocks noChangeShapeType="1"/>
-            </p:cNvSpPr>
-            <p:nvPr/>
-          </p:nvSpPr>
-          <p:spPr bwMode="auto">
-            <a:xfrm flipV="1">
-              <a:off x="7058025" y="3351213"/>
-              <a:ext cx="0" cy="222250"/>
-            </a:xfrm>
-            <a:prstGeom prst="line">
-              <a:avLst/>
-            </a:prstGeom>
-            <a:noFill/>
-            <a:ln w="25400">
-              <a:solidFill>
-                <a:schemeClr val="tx1"/>
-              </a:solidFill>
-              <a:round/>
-              <a:headEnd type="triangle" w="lg" len="med"/>
-              <a:tailEnd type="triangle" w="lg" len="med"/>
-            </a:ln>
-          </p:spPr>
-          <p:txBody>
-            <a:bodyPr/>
-            <a:lstStyle/>
-            <a:p>
-              <a:endParaRPr lang="en-US"/>
-            </a:p>
-          </p:txBody>
-        </p:sp>
-        <p:sp>
-          <p:nvSpPr>
-            <p:cNvPr id="25626" name="Line 26"/>
-            <p:cNvSpPr>
-              <a:spLocks noChangeShapeType="1"/>
-            </p:cNvSpPr>
-            <p:nvPr/>
-          </p:nvSpPr>
-          <p:spPr bwMode="auto">
-            <a:xfrm flipV="1">
-              <a:off x="7015163" y="4075113"/>
-              <a:ext cx="1587" cy="222250"/>
-            </a:xfrm>
-            <a:prstGeom prst="line">
-              <a:avLst/>
-            </a:prstGeom>
-            <a:noFill/>
-            <a:ln w="25400">
-              <a:solidFill>
-                <a:schemeClr val="tx1"/>
-              </a:solidFill>
-              <a:round/>
-              <a:headEnd type="triangle" w="lg" len="med"/>
-              <a:tailEnd type="triangle" w="lg" len="med"/>
-            </a:ln>
-          </p:spPr>
-          <p:txBody>
-            <a:bodyPr/>
-            <a:lstStyle/>
-            <a:p>
-              <a:endParaRPr lang="en-US"/>
-            </a:p>
-          </p:txBody>
-        </p:sp>
-        <p:sp>
-          <p:nvSpPr>
-            <p:cNvPr id="25627" name="Line 27"/>
-            <p:cNvSpPr>
-              <a:spLocks noChangeShapeType="1"/>
-            </p:cNvSpPr>
-            <p:nvPr/>
-          </p:nvSpPr>
-          <p:spPr bwMode="auto">
-            <a:xfrm>
-              <a:off x="7369175" y="4075113"/>
-              <a:ext cx="0" cy="915987"/>
-            </a:xfrm>
-            <a:prstGeom prst="line">
-              <a:avLst/>
-            </a:prstGeom>
-            <a:noFill/>
-            <a:ln w="25400">
-              <a:solidFill>
-                <a:schemeClr val="tx1"/>
-              </a:solidFill>
-              <a:round/>
-              <a:headEnd type="triangle" w="lg" len="med"/>
-              <a:tailEnd type="triangle" w="lg" len="med"/>
-            </a:ln>
-          </p:spPr>
-          <p:txBody>
-            <a:bodyPr/>
-            <a:lstStyle/>
-            <a:p>
-              <a:endParaRPr lang="en-US"/>
-            </a:p>
-          </p:txBody>
-        </p:sp>
-        <p:sp>
-          <p:nvSpPr>
-            <p:cNvPr id="25628" name="Line 28"/>
-            <p:cNvSpPr>
-              <a:spLocks noChangeShapeType="1"/>
-            </p:cNvSpPr>
-            <p:nvPr/>
-          </p:nvSpPr>
-          <p:spPr bwMode="auto">
-            <a:xfrm>
-              <a:off x="7575550" y="4075113"/>
-              <a:ext cx="0" cy="2008187"/>
-            </a:xfrm>
-            <a:prstGeom prst="line">
-              <a:avLst/>
-            </a:prstGeom>
-            <a:noFill/>
-            <a:ln w="25400">
-              <a:solidFill>
-                <a:schemeClr val="tx1"/>
-              </a:solidFill>
-              <a:round/>
-              <a:headEnd type="triangle" w="lg" len="med"/>
-              <a:tailEnd/>
-            </a:ln>
-          </p:spPr>
-          <p:txBody>
-            <a:bodyPr/>
-            <a:lstStyle/>
-            <a:p>
-              <a:endParaRPr lang="en-US"/>
-            </a:p>
-          </p:txBody>
-        </p:sp>
-        <p:sp>
-          <p:nvSpPr>
-            <p:cNvPr id="25629" name="Line 29"/>
-            <p:cNvSpPr>
-              <a:spLocks noChangeShapeType="1"/>
-            </p:cNvSpPr>
-            <p:nvPr/>
-          </p:nvSpPr>
-          <p:spPr bwMode="auto">
-            <a:xfrm>
-              <a:off x="7470775" y="4075113"/>
-              <a:ext cx="1588" cy="1462087"/>
-            </a:xfrm>
-            <a:prstGeom prst="line">
-              <a:avLst/>
-            </a:prstGeom>
-            <a:noFill/>
-            <a:ln w="25400">
-              <a:solidFill>
-                <a:schemeClr val="tx1"/>
-              </a:solidFill>
-              <a:round/>
-              <a:headEnd type="triangle" w="lg" len="med"/>
-              <a:tailEnd/>
-            </a:ln>
-          </p:spPr>
-          <p:txBody>
-            <a:bodyPr/>
-            <a:lstStyle/>
-            <a:p>
-              <a:endParaRPr lang="en-US"/>
-            </a:p>
-          </p:txBody>
-        </p:sp>
-        <p:sp>
-          <p:nvSpPr>
-            <p:cNvPr id="25630" name="Text Box 30"/>
-            <p:cNvSpPr txBox="1">
-              <a:spLocks noChangeArrowheads="1"/>
-            </p:cNvSpPr>
-            <p:nvPr/>
-          </p:nvSpPr>
-          <p:spPr bwMode="auto">
-            <a:xfrm>
-              <a:off x="7723188" y="2044700"/>
-              <a:ext cx="1919287" cy="2852738"/>
-            </a:xfrm>
-            <a:prstGeom prst="rect">
-              <a:avLst/>
-            </a:prstGeom>
-            <a:solidFill>
-              <a:srgbClr val="FFCC00"/>
-            </a:solidFill>
-            <a:ln w="9525">
-              <a:solidFill>
-                <a:srgbClr val="969696"/>
-              </a:solidFill>
-              <a:miter lim="800000"/>
-              <a:headEnd/>
-              <a:tailEnd/>
-            </a:ln>
-          </p:spPr>
-          <p:txBody>
-            <a:bodyPr/>
-            <a:lstStyle/>
-            <a:p>
-              <a:pPr>
-                <a:buClr>
-                  <a:srgbClr val="000000"/>
-                </a:buClr>
-                <a:buSzPct val="100000"/>
-                <a:buFont typeface="Times New Roman" pitchFamily="18" charset="0"/>
-                <a:buNone/>
-              </a:pPr>
-              <a:r>
-                <a:rPr lang="en-US" altLang="en-US" sz="1200" b="1">
-                  <a:solidFill>
-                    <a:srgbClr val="003300"/>
-                  </a:solidFill>
-                </a:rPr>
-                <a:t>Block (1, 0)</a:t>
-              </a:r>
-              <a:endParaRPr lang="en-US" altLang="en-US">
-                <a:solidFill>
-                  <a:srgbClr val="003300"/>
-                </a:solidFill>
-              </a:endParaRPr>
-            </a:p>
-          </p:txBody>
-        </p:sp>
-        <p:sp>
-          <p:nvSpPr>
-            <p:cNvPr id="25631" name="Text Box 31"/>
-            <p:cNvSpPr txBox="1">
-              <a:spLocks noChangeArrowheads="1"/>
-            </p:cNvSpPr>
-            <p:nvPr/>
-          </p:nvSpPr>
-          <p:spPr bwMode="auto">
-            <a:xfrm>
-              <a:off x="7775575" y="2554288"/>
-              <a:ext cx="1824038" cy="349250"/>
-            </a:xfrm>
-            <a:prstGeom prst="rect">
-              <a:avLst/>
-            </a:prstGeom>
-            <a:solidFill>
-              <a:srgbClr val="FF6600"/>
-            </a:solidFill>
-            <a:ln w="9525">
-              <a:solidFill>
-                <a:srgbClr val="969696"/>
-              </a:solidFill>
-              <a:miter lim="800000"/>
-              <a:headEnd/>
-              <a:tailEnd/>
-            </a:ln>
-          </p:spPr>
-          <p:txBody>
-            <a:bodyPr lIns="0" tIns="91440" rIns="0" bIns="0"/>
-            <a:lstStyle/>
-            <a:p>
-              <a:pPr algn="ctr">
-                <a:buClr>
-                  <a:srgbClr val="000000"/>
-                </a:buClr>
-                <a:buSzPct val="100000"/>
-                <a:buFont typeface="Times New Roman" pitchFamily="18" charset="0"/>
-                <a:buNone/>
-              </a:pPr>
-              <a:r>
-                <a:rPr lang="en-US" altLang="en-US" sz="1000" b="1">
-                  <a:solidFill>
-                    <a:srgbClr val="003300"/>
-                  </a:solidFill>
-                </a:rPr>
-                <a:t>Shared Memory</a:t>
-              </a:r>
-              <a:endParaRPr lang="en-US" altLang="en-US" sz="1000">
-                <a:solidFill>
-                  <a:srgbClr val="003300"/>
-                </a:solidFill>
-              </a:endParaRPr>
-            </a:p>
-          </p:txBody>
-        </p:sp>
-        <p:sp>
-          <p:nvSpPr>
-            <p:cNvPr id="25632" name="Text Box 32"/>
-            <p:cNvSpPr txBox="1">
-              <a:spLocks noChangeArrowheads="1"/>
-            </p:cNvSpPr>
-            <p:nvPr/>
-          </p:nvSpPr>
-          <p:spPr bwMode="auto">
-            <a:xfrm>
-              <a:off x="7775575" y="4300538"/>
-              <a:ext cx="569913" cy="547687"/>
-            </a:xfrm>
-            <a:prstGeom prst="rect">
-              <a:avLst/>
-            </a:prstGeom>
-            <a:solidFill>
-              <a:srgbClr val="FF6600"/>
-            </a:solidFill>
-            <a:ln w="9525">
-              <a:solidFill>
-                <a:srgbClr val="969696"/>
-              </a:solidFill>
-              <a:miter lim="800000"/>
-              <a:headEnd/>
-              <a:tailEnd/>
-            </a:ln>
-          </p:spPr>
-          <p:txBody>
-            <a:bodyPr lIns="0" tIns="91440" rIns="0" bIns="0"/>
-            <a:lstStyle/>
-            <a:p>
-              <a:pPr algn="ctr">
-                <a:buClr>
-                  <a:srgbClr val="000000"/>
-                </a:buClr>
-                <a:buSzPct val="100000"/>
-                <a:buFont typeface="Times New Roman" pitchFamily="18" charset="0"/>
-                <a:buNone/>
-              </a:pPr>
-              <a:r>
-                <a:rPr lang="en-US" altLang="en-US" sz="1000" b="1">
-                  <a:solidFill>
-                    <a:srgbClr val="003300"/>
-                  </a:solidFill>
-                </a:rPr>
-                <a:t>Local</a:t>
-              </a:r>
-            </a:p>
-            <a:p>
-              <a:pPr algn="ctr">
-                <a:buClr>
-                  <a:srgbClr val="000000"/>
-                </a:buClr>
-                <a:buSzPct val="100000"/>
-                <a:buFont typeface="Times New Roman" pitchFamily="18" charset="0"/>
-                <a:buNone/>
-              </a:pPr>
-              <a:r>
-                <a:rPr lang="en-US" altLang="en-US" sz="1000" b="1">
-                  <a:solidFill>
-                    <a:srgbClr val="003300"/>
-                  </a:solidFill>
-                </a:rPr>
-                <a:t>Memory</a:t>
-              </a:r>
-              <a:endParaRPr lang="en-US" altLang="en-US" sz="1000">
-                <a:solidFill>
-                  <a:srgbClr val="003300"/>
-                </a:solidFill>
-              </a:endParaRPr>
-            </a:p>
-          </p:txBody>
-        </p:sp>
-        <p:sp>
-          <p:nvSpPr>
-            <p:cNvPr id="25633" name="Text Box 33"/>
-            <p:cNvSpPr txBox="1">
-              <a:spLocks noChangeArrowheads="1"/>
-            </p:cNvSpPr>
-            <p:nvPr/>
-          </p:nvSpPr>
-          <p:spPr bwMode="auto">
-            <a:xfrm>
-              <a:off x="7766050" y="3582988"/>
-              <a:ext cx="889000" cy="487362"/>
-            </a:xfrm>
-            <a:prstGeom prst="rect">
-              <a:avLst/>
-            </a:prstGeom>
-            <a:solidFill>
-              <a:srgbClr val="99FF66"/>
-            </a:solidFill>
-            <a:ln w="9525">
-              <a:solidFill>
-                <a:srgbClr val="969696"/>
-              </a:solidFill>
-              <a:miter lim="800000"/>
-              <a:headEnd/>
-              <a:tailEnd/>
-            </a:ln>
-          </p:spPr>
-          <p:txBody>
-            <a:bodyPr lIns="0" tIns="146304" rIns="0" bIns="0"/>
-            <a:lstStyle/>
-            <a:p>
-              <a:pPr algn="ctr">
-                <a:buClr>
-                  <a:srgbClr val="000000"/>
-                </a:buClr>
-                <a:buSzPct val="100000"/>
-                <a:buFont typeface="Times New Roman" pitchFamily="18" charset="0"/>
-                <a:buNone/>
-              </a:pPr>
-              <a:r>
-                <a:rPr lang="en-US" altLang="en-US" sz="1000" b="1">
-                  <a:solidFill>
-                    <a:srgbClr val="003300"/>
-                  </a:solidFill>
-                </a:rPr>
-                <a:t>Thread (0, 0)</a:t>
-              </a:r>
-              <a:endParaRPr lang="en-US" altLang="en-US" sz="1000">
-                <a:solidFill>
-                  <a:srgbClr val="003300"/>
-                </a:solidFill>
-              </a:endParaRPr>
-            </a:p>
-          </p:txBody>
-        </p:sp>
-        <p:sp>
-          <p:nvSpPr>
-            <p:cNvPr id="25634" name="Text Box 34"/>
-            <p:cNvSpPr txBox="1">
-              <a:spLocks noChangeArrowheads="1"/>
-            </p:cNvSpPr>
-            <p:nvPr/>
-          </p:nvSpPr>
-          <p:spPr bwMode="auto">
-            <a:xfrm>
-              <a:off x="7766050" y="3057525"/>
-              <a:ext cx="673100" cy="298450"/>
-            </a:xfrm>
-            <a:prstGeom prst="rect">
-              <a:avLst/>
-            </a:prstGeom>
-            <a:solidFill>
-              <a:srgbClr val="FF6600"/>
-            </a:solidFill>
-            <a:ln w="9525">
-              <a:solidFill>
-                <a:srgbClr val="969696"/>
-              </a:solidFill>
-              <a:miter lim="800000"/>
-              <a:headEnd/>
-              <a:tailEnd/>
-            </a:ln>
-          </p:spPr>
-          <p:txBody>
-            <a:bodyPr lIns="0" tIns="0" rIns="0" bIns="0"/>
-            <a:lstStyle/>
-            <a:p>
-              <a:pPr algn="ctr">
-                <a:buClr>
-                  <a:srgbClr val="000000"/>
-                </a:buClr>
-                <a:buSzPct val="100000"/>
-                <a:buFont typeface="Times New Roman" pitchFamily="18" charset="0"/>
-                <a:buNone/>
-              </a:pPr>
-              <a:r>
-                <a:rPr lang="en-US" altLang="en-US" sz="1000" b="1">
-                  <a:solidFill>
-                    <a:srgbClr val="003300"/>
-                  </a:solidFill>
-                </a:rPr>
-                <a:t>Registers</a:t>
-              </a:r>
-              <a:endParaRPr lang="en-US" altLang="en-US" sz="1000">
-                <a:solidFill>
-                  <a:srgbClr val="003300"/>
-                </a:solidFill>
-              </a:endParaRPr>
-            </a:p>
-          </p:txBody>
-        </p:sp>
-        <p:sp>
-          <p:nvSpPr>
-            <p:cNvPr id="25635" name="Line 35"/>
-            <p:cNvSpPr>
-              <a:spLocks noChangeShapeType="1"/>
-            </p:cNvSpPr>
-            <p:nvPr/>
-          </p:nvSpPr>
-          <p:spPr bwMode="auto">
-            <a:xfrm flipV="1">
-              <a:off x="8543925" y="2905125"/>
-              <a:ext cx="3175" cy="668338"/>
-            </a:xfrm>
-            <a:prstGeom prst="line">
-              <a:avLst/>
-            </a:prstGeom>
-            <a:noFill/>
-            <a:ln w="25400">
-              <a:solidFill>
-                <a:schemeClr val="tx1"/>
-              </a:solidFill>
-              <a:round/>
-              <a:headEnd type="triangle" w="lg" len="med"/>
-              <a:tailEnd type="triangle" w="lg" len="med"/>
-            </a:ln>
-          </p:spPr>
-          <p:txBody>
-            <a:bodyPr/>
-            <a:lstStyle/>
-            <a:p>
-              <a:endParaRPr lang="en-US"/>
-            </a:p>
-          </p:txBody>
-        </p:sp>
-        <p:sp>
-          <p:nvSpPr>
-            <p:cNvPr id="25636" name="Line 36"/>
-            <p:cNvSpPr>
-              <a:spLocks noChangeShapeType="1"/>
-            </p:cNvSpPr>
-            <p:nvPr/>
-          </p:nvSpPr>
-          <p:spPr bwMode="auto">
-            <a:xfrm flipV="1">
-              <a:off x="8104188" y="3351213"/>
-              <a:ext cx="0" cy="222250"/>
-            </a:xfrm>
-            <a:prstGeom prst="line">
-              <a:avLst/>
-            </a:prstGeom>
-            <a:noFill/>
-            <a:ln w="25400">
-              <a:solidFill>
-                <a:schemeClr val="tx1"/>
-              </a:solidFill>
-              <a:round/>
-              <a:headEnd type="triangle" w="lg" len="med"/>
-              <a:tailEnd type="triangle" w="lg" len="med"/>
-            </a:ln>
-          </p:spPr>
-          <p:txBody>
-            <a:bodyPr/>
-            <a:lstStyle/>
-            <a:p>
-              <a:endParaRPr lang="en-US"/>
-            </a:p>
-          </p:txBody>
-        </p:sp>
-        <p:sp>
-          <p:nvSpPr>
-            <p:cNvPr id="25637" name="Line 37"/>
-            <p:cNvSpPr>
-              <a:spLocks noChangeShapeType="1"/>
-            </p:cNvSpPr>
-            <p:nvPr/>
-          </p:nvSpPr>
-          <p:spPr bwMode="auto">
-            <a:xfrm flipV="1">
-              <a:off x="8061325" y="4075113"/>
-              <a:ext cx="1588" cy="222250"/>
-            </a:xfrm>
-            <a:prstGeom prst="line">
-              <a:avLst/>
-            </a:prstGeom>
-            <a:noFill/>
-            <a:ln w="25400">
-              <a:solidFill>
-                <a:schemeClr val="tx1"/>
-              </a:solidFill>
-              <a:round/>
-              <a:headEnd type="triangle" w="lg" len="med"/>
-              <a:tailEnd type="triangle" w="lg" len="med"/>
-            </a:ln>
-          </p:spPr>
-          <p:txBody>
-            <a:bodyPr/>
-            <a:lstStyle/>
-            <a:p>
-              <a:endParaRPr lang="en-US"/>
-            </a:p>
-          </p:txBody>
-        </p:sp>
-        <p:sp>
-          <p:nvSpPr>
-            <p:cNvPr id="25638" name="Line 38"/>
-            <p:cNvSpPr>
-              <a:spLocks noChangeShapeType="1"/>
-            </p:cNvSpPr>
-            <p:nvPr/>
-          </p:nvSpPr>
-          <p:spPr bwMode="auto">
-            <a:xfrm>
-              <a:off x="8415338" y="4075113"/>
-              <a:ext cx="0" cy="915987"/>
-            </a:xfrm>
-            <a:prstGeom prst="line">
-              <a:avLst/>
-            </a:prstGeom>
-            <a:noFill/>
-            <a:ln w="25400">
-              <a:solidFill>
-                <a:schemeClr val="tx1"/>
-              </a:solidFill>
-              <a:round/>
-              <a:headEnd type="triangle" w="lg" len="med"/>
-              <a:tailEnd type="triangle" w="lg" len="med"/>
-            </a:ln>
-          </p:spPr>
-          <p:txBody>
-            <a:bodyPr/>
-            <a:lstStyle/>
-            <a:p>
-              <a:endParaRPr lang="en-US"/>
-            </a:p>
-          </p:txBody>
-        </p:sp>
-        <p:sp>
-          <p:nvSpPr>
-            <p:cNvPr id="25639" name="Line 39"/>
-            <p:cNvSpPr>
-              <a:spLocks noChangeShapeType="1"/>
-            </p:cNvSpPr>
-            <p:nvPr/>
-          </p:nvSpPr>
-          <p:spPr bwMode="auto">
-            <a:xfrm>
-              <a:off x="8621713" y="4075113"/>
-              <a:ext cx="0" cy="2008187"/>
-            </a:xfrm>
-            <a:prstGeom prst="line">
-              <a:avLst/>
-            </a:prstGeom>
-            <a:noFill/>
-            <a:ln w="25400">
-              <a:solidFill>
-                <a:schemeClr val="tx1"/>
-              </a:solidFill>
-              <a:round/>
-              <a:headEnd type="triangle" w="lg" len="med"/>
-              <a:tailEnd/>
-            </a:ln>
-          </p:spPr>
-          <p:txBody>
-            <a:bodyPr/>
-            <a:lstStyle/>
-            <a:p>
-              <a:endParaRPr lang="en-US"/>
-            </a:p>
-          </p:txBody>
-        </p:sp>
-        <p:sp>
-          <p:nvSpPr>
-            <p:cNvPr id="25640" name="Line 40"/>
-            <p:cNvSpPr>
-              <a:spLocks noChangeShapeType="1"/>
-            </p:cNvSpPr>
-            <p:nvPr/>
-          </p:nvSpPr>
-          <p:spPr bwMode="auto">
-            <a:xfrm>
-              <a:off x="8516938" y="4075113"/>
-              <a:ext cx="1587" cy="1462087"/>
-            </a:xfrm>
-            <a:prstGeom prst="line">
-              <a:avLst/>
-            </a:prstGeom>
-            <a:noFill/>
-            <a:ln w="25400">
-              <a:solidFill>
-                <a:schemeClr val="tx1"/>
-              </a:solidFill>
-              <a:round/>
-              <a:headEnd type="triangle" w="lg" len="med"/>
-              <a:tailEnd/>
-            </a:ln>
-          </p:spPr>
-          <p:txBody>
-            <a:bodyPr/>
-            <a:lstStyle/>
-            <a:p>
-              <a:endParaRPr lang="en-US"/>
-            </a:p>
-          </p:txBody>
-        </p:sp>
-        <p:sp>
-          <p:nvSpPr>
-            <p:cNvPr id="25641" name="Text Box 41"/>
-            <p:cNvSpPr txBox="1">
-              <a:spLocks noChangeArrowheads="1"/>
-            </p:cNvSpPr>
-            <p:nvPr/>
-          </p:nvSpPr>
-          <p:spPr bwMode="auto">
-            <a:xfrm>
-              <a:off x="8720138" y="4300538"/>
-              <a:ext cx="569912" cy="547687"/>
-            </a:xfrm>
-            <a:prstGeom prst="rect">
-              <a:avLst/>
-            </a:prstGeom>
-            <a:solidFill>
-              <a:srgbClr val="FF6600"/>
-            </a:solidFill>
-            <a:ln w="9525">
-              <a:solidFill>
-                <a:srgbClr val="969696"/>
-              </a:solidFill>
-              <a:miter lim="800000"/>
-              <a:headEnd/>
-              <a:tailEnd/>
-            </a:ln>
-          </p:spPr>
-          <p:txBody>
-            <a:bodyPr lIns="0" tIns="91440" rIns="0" bIns="0"/>
-            <a:lstStyle/>
-            <a:p>
-              <a:pPr algn="ctr">
-                <a:buClr>
-                  <a:srgbClr val="000000"/>
-                </a:buClr>
-                <a:buSzPct val="100000"/>
-                <a:buFont typeface="Times New Roman" pitchFamily="18" charset="0"/>
-                <a:buNone/>
-              </a:pPr>
-              <a:r>
-                <a:rPr lang="en-US" altLang="en-US" sz="1000" b="1">
-                  <a:solidFill>
-                    <a:srgbClr val="003300"/>
-                  </a:solidFill>
-                </a:rPr>
-                <a:t>Local</a:t>
-              </a:r>
-            </a:p>
-            <a:p>
-              <a:pPr algn="ctr">
-                <a:buClr>
-                  <a:srgbClr val="000000"/>
-                </a:buClr>
-                <a:buSzPct val="100000"/>
-                <a:buFont typeface="Times New Roman" pitchFamily="18" charset="0"/>
-                <a:buNone/>
-              </a:pPr>
-              <a:r>
-                <a:rPr lang="en-US" altLang="en-US" sz="1000" b="1">
-                  <a:solidFill>
-                    <a:srgbClr val="003300"/>
-                  </a:solidFill>
-                </a:rPr>
-                <a:t>Memory</a:t>
-              </a:r>
-              <a:endParaRPr lang="en-US" altLang="en-US" sz="1000">
-                <a:solidFill>
-                  <a:srgbClr val="003300"/>
-                </a:solidFill>
-              </a:endParaRPr>
-            </a:p>
-          </p:txBody>
-        </p:sp>
-        <p:sp>
-          <p:nvSpPr>
-            <p:cNvPr id="25642" name="Text Box 42"/>
-            <p:cNvSpPr txBox="1">
-              <a:spLocks noChangeArrowheads="1"/>
-            </p:cNvSpPr>
-            <p:nvPr/>
-          </p:nvSpPr>
-          <p:spPr bwMode="auto">
-            <a:xfrm>
-              <a:off x="8710613" y="3582988"/>
-              <a:ext cx="889000" cy="487362"/>
-            </a:xfrm>
-            <a:prstGeom prst="rect">
-              <a:avLst/>
-            </a:prstGeom>
-            <a:solidFill>
-              <a:srgbClr val="99FF66"/>
-            </a:solidFill>
-            <a:ln w="9525">
-              <a:solidFill>
-                <a:srgbClr val="969696"/>
-              </a:solidFill>
-              <a:miter lim="800000"/>
-              <a:headEnd/>
-              <a:tailEnd/>
-            </a:ln>
-          </p:spPr>
-          <p:txBody>
-            <a:bodyPr lIns="0" tIns="146304" rIns="0" bIns="0"/>
-            <a:lstStyle/>
-            <a:p>
-              <a:pPr algn="ctr">
-                <a:buClr>
-                  <a:srgbClr val="000000"/>
-                </a:buClr>
-                <a:buSzPct val="100000"/>
-                <a:buFont typeface="Times New Roman" pitchFamily="18" charset="0"/>
-                <a:buNone/>
-              </a:pPr>
-              <a:r>
-                <a:rPr lang="en-US" altLang="en-US" sz="1000" b="1">
-                  <a:solidFill>
-                    <a:srgbClr val="003300"/>
-                  </a:solidFill>
-                </a:rPr>
-                <a:t>Thread (1, 0)</a:t>
-              </a:r>
-              <a:endParaRPr lang="en-US" altLang="en-US" sz="1000">
-                <a:solidFill>
-                  <a:srgbClr val="003300"/>
-                </a:solidFill>
-              </a:endParaRPr>
-            </a:p>
-          </p:txBody>
-        </p:sp>
-        <p:sp>
-          <p:nvSpPr>
-            <p:cNvPr id="25643" name="Text Box 43"/>
-            <p:cNvSpPr txBox="1">
-              <a:spLocks noChangeArrowheads="1"/>
-            </p:cNvSpPr>
-            <p:nvPr/>
-          </p:nvSpPr>
-          <p:spPr bwMode="auto">
-            <a:xfrm>
-              <a:off x="8710613" y="3057525"/>
-              <a:ext cx="673100" cy="298450"/>
-            </a:xfrm>
-            <a:prstGeom prst="rect">
-              <a:avLst/>
-            </a:prstGeom>
-            <a:solidFill>
-              <a:srgbClr val="FF6600"/>
-            </a:solidFill>
-            <a:ln w="9525">
-              <a:solidFill>
-                <a:srgbClr val="969696"/>
-              </a:solidFill>
-              <a:miter lim="800000"/>
-              <a:headEnd/>
-              <a:tailEnd/>
-            </a:ln>
-          </p:spPr>
-          <p:txBody>
-            <a:bodyPr lIns="0" tIns="0" rIns="0" bIns="0"/>
-            <a:lstStyle/>
-            <a:p>
-              <a:pPr algn="ctr">
-                <a:buClr>
-                  <a:srgbClr val="000000"/>
-                </a:buClr>
-                <a:buSzPct val="100000"/>
-                <a:buFont typeface="Times New Roman" pitchFamily="18" charset="0"/>
-                <a:buNone/>
-              </a:pPr>
-              <a:r>
-                <a:rPr lang="en-US" altLang="en-US" sz="1000" b="1">
-                  <a:solidFill>
-                    <a:srgbClr val="003300"/>
-                  </a:solidFill>
-                </a:rPr>
-                <a:t>Registers</a:t>
-              </a:r>
-              <a:endParaRPr lang="en-US" altLang="en-US" sz="1000">
-                <a:solidFill>
-                  <a:srgbClr val="003300"/>
-                </a:solidFill>
-              </a:endParaRPr>
-            </a:p>
-          </p:txBody>
-        </p:sp>
-        <p:sp>
-          <p:nvSpPr>
-            <p:cNvPr id="25644" name="Line 44"/>
-            <p:cNvSpPr>
-              <a:spLocks noChangeShapeType="1"/>
-            </p:cNvSpPr>
-            <p:nvPr/>
-          </p:nvSpPr>
-          <p:spPr bwMode="auto">
-            <a:xfrm flipV="1">
-              <a:off x="9488488" y="2905125"/>
-              <a:ext cx="3175" cy="668338"/>
-            </a:xfrm>
-            <a:prstGeom prst="line">
-              <a:avLst/>
-            </a:prstGeom>
-            <a:noFill/>
-            <a:ln w="25400">
-              <a:solidFill>
-                <a:schemeClr val="tx1"/>
-              </a:solidFill>
-              <a:round/>
-              <a:headEnd type="triangle" w="lg" len="med"/>
-              <a:tailEnd type="triangle" w="lg" len="med"/>
-            </a:ln>
-          </p:spPr>
-          <p:txBody>
-            <a:bodyPr/>
-            <a:lstStyle/>
-            <a:p>
-              <a:endParaRPr lang="en-US"/>
-            </a:p>
-          </p:txBody>
-        </p:sp>
-        <p:sp>
-          <p:nvSpPr>
-            <p:cNvPr id="25645" name="Line 45"/>
-            <p:cNvSpPr>
-              <a:spLocks noChangeShapeType="1"/>
-            </p:cNvSpPr>
-            <p:nvPr/>
-          </p:nvSpPr>
-          <p:spPr bwMode="auto">
-            <a:xfrm flipV="1">
-              <a:off x="9045575" y="3351213"/>
-              <a:ext cx="0" cy="222250"/>
-            </a:xfrm>
-            <a:prstGeom prst="line">
-              <a:avLst/>
-            </a:prstGeom>
-            <a:noFill/>
-            <a:ln w="25400">
-              <a:solidFill>
-                <a:schemeClr val="tx1"/>
-              </a:solidFill>
-              <a:round/>
-              <a:headEnd type="triangle" w="lg" len="med"/>
-              <a:tailEnd type="triangle" w="lg" len="med"/>
-            </a:ln>
-          </p:spPr>
-          <p:txBody>
-            <a:bodyPr/>
-            <a:lstStyle/>
-            <a:p>
-              <a:endParaRPr lang="en-US"/>
-            </a:p>
-          </p:txBody>
-        </p:sp>
-        <p:sp>
-          <p:nvSpPr>
-            <p:cNvPr id="25646" name="Line 46"/>
-            <p:cNvSpPr>
-              <a:spLocks noChangeShapeType="1"/>
-            </p:cNvSpPr>
-            <p:nvPr/>
-          </p:nvSpPr>
-          <p:spPr bwMode="auto">
-            <a:xfrm flipV="1">
-              <a:off x="9004300" y="4075113"/>
-              <a:ext cx="1588" cy="222250"/>
-            </a:xfrm>
-            <a:prstGeom prst="line">
-              <a:avLst/>
-            </a:prstGeom>
-            <a:noFill/>
-            <a:ln w="25400">
-              <a:solidFill>
-                <a:schemeClr val="tx1"/>
-              </a:solidFill>
-              <a:round/>
-              <a:headEnd type="triangle" w="lg" len="med"/>
-              <a:tailEnd type="triangle" w="lg" len="med"/>
-            </a:ln>
-          </p:spPr>
-          <p:txBody>
-            <a:bodyPr/>
-            <a:lstStyle/>
-            <a:p>
-              <a:endParaRPr lang="en-US"/>
-            </a:p>
-          </p:txBody>
-        </p:sp>
-        <p:sp>
-          <p:nvSpPr>
-            <p:cNvPr id="25647" name="Line 47"/>
-            <p:cNvSpPr>
-              <a:spLocks noChangeShapeType="1"/>
-            </p:cNvSpPr>
-            <p:nvPr/>
-          </p:nvSpPr>
-          <p:spPr bwMode="auto">
-            <a:xfrm>
-              <a:off x="9358313" y="4075113"/>
-              <a:ext cx="0" cy="915987"/>
-            </a:xfrm>
-            <a:prstGeom prst="line">
-              <a:avLst/>
-            </a:prstGeom>
-            <a:noFill/>
-            <a:ln w="25400">
-              <a:solidFill>
-                <a:schemeClr val="tx1"/>
-              </a:solidFill>
-              <a:round/>
-              <a:headEnd type="triangle" w="lg" len="med"/>
-              <a:tailEnd type="triangle" w="lg" len="med"/>
-            </a:ln>
-          </p:spPr>
-          <p:txBody>
-            <a:bodyPr/>
-            <a:lstStyle/>
-            <a:p>
-              <a:endParaRPr lang="en-US"/>
-            </a:p>
-          </p:txBody>
-        </p:sp>
-        <p:sp>
-          <p:nvSpPr>
-            <p:cNvPr id="25648" name="Line 48"/>
-            <p:cNvSpPr>
-              <a:spLocks noChangeShapeType="1"/>
-            </p:cNvSpPr>
-            <p:nvPr/>
-          </p:nvSpPr>
-          <p:spPr bwMode="auto">
-            <a:xfrm>
-              <a:off x="9564688" y="4075113"/>
-              <a:ext cx="0" cy="2008187"/>
-            </a:xfrm>
-            <a:prstGeom prst="line">
-              <a:avLst/>
-            </a:prstGeom>
-            <a:noFill/>
-            <a:ln w="25400">
-              <a:solidFill>
-                <a:schemeClr val="tx1"/>
-              </a:solidFill>
-              <a:round/>
-              <a:headEnd type="triangle" w="lg" len="med"/>
-              <a:tailEnd/>
-            </a:ln>
-          </p:spPr>
-          <p:txBody>
-            <a:bodyPr/>
-            <a:lstStyle/>
-            <a:p>
-              <a:endParaRPr lang="en-US"/>
-            </a:p>
-          </p:txBody>
-        </p:sp>
-        <p:sp>
-          <p:nvSpPr>
-            <p:cNvPr id="25649" name="Line 49"/>
-            <p:cNvSpPr>
-              <a:spLocks noChangeShapeType="1"/>
-            </p:cNvSpPr>
-            <p:nvPr/>
-          </p:nvSpPr>
-          <p:spPr bwMode="auto">
-            <a:xfrm>
-              <a:off x="9459913" y="4075113"/>
-              <a:ext cx="3175" cy="1462087"/>
-            </a:xfrm>
-            <a:prstGeom prst="line">
-              <a:avLst/>
-            </a:prstGeom>
-            <a:noFill/>
-            <a:ln w="25400">
-              <a:solidFill>
-                <a:schemeClr val="tx1"/>
-              </a:solidFill>
-              <a:round/>
-              <a:headEnd type="triangle" w="lg" len="med"/>
-              <a:tailEnd/>
-            </a:ln>
-          </p:spPr>
-          <p:txBody>
-            <a:bodyPr/>
-            <a:lstStyle/>
-            <a:p>
-              <a:endParaRPr lang="en-US"/>
-            </a:p>
-          </p:txBody>
-        </p:sp>
-        <p:sp>
-          <p:nvSpPr>
-            <p:cNvPr id="25650" name="Text Box 50"/>
-            <p:cNvSpPr txBox="1">
-              <a:spLocks noChangeArrowheads="1"/>
-            </p:cNvSpPr>
-            <p:nvPr/>
-          </p:nvSpPr>
-          <p:spPr bwMode="auto">
-            <a:xfrm>
-              <a:off x="4781550" y="4991100"/>
-              <a:ext cx="609600" cy="1600200"/>
-            </a:xfrm>
-            <a:prstGeom prst="rect">
-              <a:avLst/>
-            </a:prstGeom>
-            <a:solidFill>
-              <a:srgbClr val="99CCFF"/>
-            </a:solidFill>
-            <a:ln w="9525">
-              <a:solidFill>
-                <a:srgbClr val="969696"/>
-              </a:solidFill>
-              <a:miter lim="800000"/>
-              <a:headEnd/>
-              <a:tailEnd/>
-            </a:ln>
-          </p:spPr>
-          <p:txBody>
-            <a:bodyPr/>
-            <a:lstStyle/>
-            <a:p>
-              <a:pPr>
-                <a:buClr>
-                  <a:srgbClr val="000000"/>
-                </a:buClr>
-                <a:buSzPct val="100000"/>
-                <a:buFont typeface="Times New Roman" pitchFamily="18" charset="0"/>
-                <a:buNone/>
-              </a:pPr>
-              <a:r>
-                <a:rPr lang="en-US" altLang="en-US" sz="1200" b="1">
-                  <a:solidFill>
-                    <a:srgbClr val="003300"/>
-                  </a:solidFill>
-                </a:rPr>
-                <a:t>Host</a:t>
-              </a:r>
-            </a:p>
-          </p:txBody>
-        </p:sp>
-        <p:sp>
-          <p:nvSpPr>
-            <p:cNvPr id="25651" name="Line 51"/>
-            <p:cNvSpPr>
-              <a:spLocks noChangeShapeType="1"/>
-            </p:cNvSpPr>
-            <p:nvPr/>
-          </p:nvSpPr>
-          <p:spPr bwMode="auto">
-            <a:xfrm flipV="1">
-              <a:off x="5391150" y="5203825"/>
-              <a:ext cx="342900" cy="0"/>
-            </a:xfrm>
-            <a:prstGeom prst="line">
-              <a:avLst/>
-            </a:prstGeom>
-            <a:noFill/>
-            <a:ln w="25400">
-              <a:solidFill>
-                <a:schemeClr val="tx1"/>
-              </a:solidFill>
-              <a:round/>
-              <a:headEnd type="triangle" w="lg" len="med"/>
-              <a:tailEnd type="triangle" w="lg" len="med"/>
-            </a:ln>
-          </p:spPr>
-          <p:txBody>
-            <a:bodyPr/>
-            <a:lstStyle/>
-            <a:p>
-              <a:endParaRPr lang="en-US"/>
-            </a:p>
-          </p:txBody>
-        </p:sp>
-        <p:sp>
-          <p:nvSpPr>
-            <p:cNvPr id="25652" name="Line 52"/>
-            <p:cNvSpPr>
-              <a:spLocks noChangeShapeType="1"/>
-            </p:cNvSpPr>
-            <p:nvPr/>
-          </p:nvSpPr>
-          <p:spPr bwMode="auto">
-            <a:xfrm flipV="1">
-              <a:off x="5391150" y="5743575"/>
-              <a:ext cx="342900" cy="0"/>
-            </a:xfrm>
-            <a:prstGeom prst="line">
-              <a:avLst/>
-            </a:prstGeom>
-            <a:noFill/>
-            <a:ln w="25400">
-              <a:solidFill>
-                <a:schemeClr val="tx1"/>
-              </a:solidFill>
-              <a:round/>
-              <a:headEnd type="triangle" w="lg" len="med"/>
-              <a:tailEnd type="triangle" w="lg" len="med"/>
-            </a:ln>
-          </p:spPr>
-          <p:txBody>
-            <a:bodyPr/>
-            <a:lstStyle/>
-            <a:p>
-              <a:endParaRPr lang="en-US"/>
-            </a:p>
-          </p:txBody>
-        </p:sp>
-        <p:sp>
-          <p:nvSpPr>
-            <p:cNvPr id="25653" name="Line 53"/>
-            <p:cNvSpPr>
-              <a:spLocks noChangeShapeType="1"/>
-            </p:cNvSpPr>
-            <p:nvPr/>
-          </p:nvSpPr>
-          <p:spPr bwMode="auto">
-            <a:xfrm flipV="1">
-              <a:off x="5391150" y="6283325"/>
-              <a:ext cx="342900" cy="0"/>
-            </a:xfrm>
-            <a:prstGeom prst="line">
-              <a:avLst/>
-            </a:prstGeom>
-            <a:noFill/>
-            <a:ln w="25400">
-              <a:solidFill>
-                <a:schemeClr val="tx1"/>
-              </a:solidFill>
-              <a:round/>
-              <a:headEnd type="triangle" w="lg" len="med"/>
-              <a:tailEnd type="triangle" w="lg" len="med"/>
-            </a:ln>
-          </p:spPr>
-          <p:txBody>
-            <a:bodyPr/>
-            <a:lstStyle/>
-            <a:p>
-              <a:endParaRPr lang="en-US"/>
-            </a:p>
-          </p:txBody>
-        </p:sp>
-      </p:grpSp>
       <p:sp>
         <p:nvSpPr>
-          <p:cNvPr id="58" name="Title 57"/>
+          <p:cNvPr id="4" name="Rectangle 3"/>
+          <p:cNvSpPr>
+            <a:spLocks noChangeArrowheads="1"/>
+          </p:cNvSpPr>
+          <p:nvPr/>
+        </p:nvSpPr>
+        <p:spPr bwMode="auto">
+          <a:xfrm>
+            <a:off x="0" y="0"/>
+            <a:ext cx="9144000" cy="858838"/>
+          </a:xfrm>
+          <a:prstGeom prst="rect">
+            <a:avLst/>
+          </a:prstGeom>
+          <a:noFill/>
+          <a:ln w="9525" algn="ctr">
+            <a:noFill/>
+            <a:miter lim="800000"/>
+            <a:headEnd/>
+            <a:tailEnd/>
+          </a:ln>
+          <a:effectLst>
+            <a:outerShdw dist="20000" dir="5400000" rotWithShape="0">
+              <a:srgbClr val="000000">
+                <a:alpha val="37999"/>
+              </a:srgbClr>
+            </a:outerShdw>
+          </a:effectLst>
+        </p:spPr>
+        <p:txBody>
+          <a:bodyPr anchor="ctr"/>
+          <a:lstStyle/>
+          <a:p>
+            <a:pPr algn="ctr" fontAlgn="auto">
+              <a:spcBef>
+                <a:spcPts val="0"/>
+              </a:spcBef>
+              <a:spcAft>
+                <a:spcPts val="0"/>
+              </a:spcAft>
+              <a:defRPr/>
+            </a:pPr>
+            <a:endParaRPr lang="en-US">
+              <a:solidFill>
+                <a:schemeClr val="dk1"/>
+              </a:solidFill>
+              <a:latin typeface="+mn-lt"/>
+              <a:cs typeface="+mn-cs"/>
+            </a:endParaRPr>
+          </a:p>
+        </p:txBody>
+      </p:sp>
+      <p:sp>
+        <p:nvSpPr>
+          <p:cNvPr id="27651" name="Rectangle 6"/>
           <p:cNvSpPr>
             <a:spLocks noGrp="1"/>
           </p:cNvSpPr>
@@ -27275,15 +22711,15 @@
           <a:lstStyle/>
           <a:p>
             <a:r>
-              <a:rPr lang="en-US" dirty="0"/>
-              <a:t>Host Accessible Memory</a:t>
+              <a:rPr lang="en-US" sz="3600" dirty="0"/>
+              <a:t>CUDA Installation</a:t>
             </a:r>
           </a:p>
         </p:txBody>
       </p:sp>
       <p:sp>
         <p:nvSpPr>
-          <p:cNvPr id="60" name="Content Placeholder 59"/>
+          <p:cNvPr id="5" name="Content Placeholder 4"/>
           <p:cNvSpPr>
             <a:spLocks noGrp="1"/>
           </p:cNvSpPr>
@@ -27291,49 +22727,54 @@
             <p:ph sz="quarter" idx="12"/>
           </p:nvPr>
         </p:nvSpPr>
-        <p:spPr/>
+        <p:spPr>
+          <a:xfrm>
+            <a:off x="1101609" y="2057401"/>
+            <a:ext cx="6470765" cy="4119463"/>
+          </a:xfrm>
+        </p:spPr>
         <p:txBody>
           <a:bodyPr/>
           <a:lstStyle/>
           <a:p>
-            <a:pPr marL="342900" indent="-342900" eaLnBrk="0" hangingPunct="0">
-              <a:spcBef>
-                <a:spcPct val="20000"/>
-              </a:spcBef>
-              <a:defRPr/>
-            </a:pPr>
-            <a:r>
-              <a:rPr lang="en-IN" dirty="0"/>
-              <a:t>Global memory</a:t>
-            </a:r>
-          </a:p>
-          <a:p>
-            <a:pPr marL="342900" indent="-342900" eaLnBrk="0" hangingPunct="0">
-              <a:spcBef>
-                <a:spcPct val="20000"/>
-              </a:spcBef>
-              <a:defRPr/>
-            </a:pPr>
-            <a:r>
-              <a:rPr lang="en-IN" dirty="0"/>
-              <a:t>Constant memory</a:t>
-            </a:r>
-          </a:p>
-          <a:p>
-            <a:pPr marL="342900" indent="-342900" eaLnBrk="0" hangingPunct="0">
-              <a:spcBef>
-                <a:spcPct val="20000"/>
-              </a:spcBef>
-              <a:defRPr/>
-            </a:pPr>
-            <a:r>
-              <a:rPr lang="en-IN" dirty="0"/>
-              <a:t>Texture memory</a:t>
-            </a:r>
-            <a:endParaRPr lang="en-GB" dirty="0"/>
-          </a:p>
-          <a:p>
-            <a:endParaRPr lang="en-US" dirty="0"/>
+            <a:r>
+              <a:rPr lang="en-US" dirty="0"/>
+              <a:t>CUDA Toolkit</a:t>
+            </a:r>
+          </a:p>
+          <a:p>
+            <a:pPr lvl="1"/>
+            <a:r>
+              <a:rPr lang="en-US" dirty="0"/>
+              <a:t>Develop CUDA application</a:t>
+            </a:r>
+          </a:p>
+          <a:p>
+            <a:pPr lvl="1"/>
+            <a:r>
+              <a:rPr lang="en-US" dirty="0"/>
+              <a:t>Super user</a:t>
+            </a:r>
+          </a:p>
+          <a:p>
+            <a:r>
+              <a:rPr lang="en-US" dirty="0"/>
+              <a:t>CUDA SDK</a:t>
+            </a:r>
+          </a:p>
+          <a:p>
+            <a:pPr lvl="1"/>
+            <a:r>
+              <a:rPr lang="en-US" dirty="0"/>
+              <a:t>Sample projects</a:t>
+            </a:r>
+          </a:p>
+          <a:p>
+            <a:pPr lvl="1"/>
+            <a:r>
+              <a:rPr lang="en-US" dirty="0"/>
+              <a:t>Regular user</a:t>
+            </a:r>
           </a:p>
         </p:txBody>
       </p:sp>
@@ -27418,7 +22859,7 @@
       </p:sp>
       <p:sp>
         <p:nvSpPr>
-          <p:cNvPr id="26627" name="Rectangle 6"/>
+          <p:cNvPr id="28675" name="Rectangle 6"/>
           <p:cNvSpPr>
             <a:spLocks noGrp="1"/>
           </p:cNvSpPr>
@@ -27433,14 +22874,14 @@
           <a:p>
             <a:r>
               <a:rPr lang="en-US" sz="3600"/>
-              <a:t>Parallel Computing using CUDA</a:t>
+              <a:t>CUDA Code Compilation</a:t>
             </a:r>
           </a:p>
         </p:txBody>
       </p:sp>
       <p:sp>
         <p:nvSpPr>
-          <p:cNvPr id="26628" name="Rectangle 7"/>
+          <p:cNvPr id="28676" name="Content Placeholder 4"/>
           <p:cNvSpPr>
             <a:spLocks noGrp="1"/>
           </p:cNvSpPr>
@@ -27448,82 +22889,113 @@
             <p:ph sz="quarter" idx="12"/>
           </p:nvPr>
         </p:nvSpPr>
-        <p:spPr>
-          <a:xfrm>
-            <a:off x="849745" y="1847273"/>
-            <a:ext cx="7342910" cy="4784436"/>
-          </a:xfrm>
-        </p:spPr>
+        <p:spPr/>
         <p:txBody>
-          <a:bodyPr>
-            <a:normAutofit fontScale="92500" lnSpcReduction="20000"/>
-          </a:bodyPr>
+          <a:bodyPr/>
           <a:lstStyle/>
           <a:p>
             <a:r>
-              <a:rPr lang="en-US" sz="2400" dirty="0"/>
-              <a:t>Allocate device memory for input data </a:t>
-            </a:r>
-          </a:p>
-          <a:p>
-            <a:r>
-              <a:rPr lang="en-US" sz="2400" dirty="0"/>
-              <a:t>Copy input data from host memory to device memory</a:t>
-            </a:r>
-          </a:p>
-          <a:p>
-            <a:r>
-              <a:rPr lang="en-US" sz="2400" dirty="0"/>
-              <a:t>Allocate device memory for output data</a:t>
-            </a:r>
-          </a:p>
-          <a:p>
-            <a:endParaRPr lang="en-US" sz="2400" dirty="0"/>
-          </a:p>
-          <a:p>
-            <a:r>
-              <a:rPr lang="en-US" sz="2400" dirty="0"/>
-              <a:t>for each logical block within data do</a:t>
-            </a:r>
-          </a:p>
-          <a:p>
-            <a:pPr marL="0" indent="0">
-              <a:buNone/>
-            </a:pPr>
-            <a:r>
-              <a:rPr lang="en-US" sz="2400" dirty="0"/>
-              <a:t>      for each thread within logical block do</a:t>
-            </a:r>
-          </a:p>
-          <a:p>
-            <a:pPr marL="0" indent="0">
-              <a:buNone/>
-            </a:pPr>
-            <a:r>
-              <a:rPr lang="en-US" sz="2400" dirty="0"/>
-              <a:t>            calculate output value in device memory</a:t>
-            </a:r>
-          </a:p>
-          <a:p>
-            <a:r>
-              <a:rPr lang="en-US" sz="2400" dirty="0"/>
-              <a:t>Synchronize threads</a:t>
-            </a:r>
-          </a:p>
-          <a:p>
-            <a:endParaRPr lang="en-US" sz="2400" dirty="0"/>
-          </a:p>
-          <a:p>
-            <a:r>
-              <a:rPr lang="en-US" sz="2400" dirty="0"/>
-              <a:t>Copy results from device memory to host memory  </a:t>
-            </a:r>
-          </a:p>
-          <a:p>
-            <a:r>
-              <a:rPr lang="en-US" sz="2400" dirty="0"/>
-              <a:t>Free device memory allocated for input &amp; output data</a:t>
-            </a:r>
+              <a:rPr lang="en-US" dirty="0"/>
+              <a:t>Host code</a:t>
+            </a:r>
+          </a:p>
+          <a:p>
+            <a:pPr lvl="1"/>
+            <a:r>
+              <a:rPr lang="en-US" dirty="0"/>
+              <a:t>C, C++ code – .c, .</a:t>
+            </a:r>
+            <a:r>
+              <a:rPr lang="en-US" dirty="0" err="1"/>
+              <a:t>cxx</a:t>
+            </a:r>
+            <a:r>
+              <a:rPr lang="en-US" dirty="0"/>
+              <a:t>, or .</a:t>
+            </a:r>
+            <a:r>
+              <a:rPr lang="en-US" dirty="0" err="1"/>
+              <a:t>cpp</a:t>
+            </a:r>
+            <a:r>
+              <a:rPr lang="en-US" dirty="0"/>
+              <a:t> extension</a:t>
+            </a:r>
+          </a:p>
+          <a:p>
+            <a:pPr lvl="1"/>
+            <a:r>
+              <a:rPr lang="en-US" dirty="0"/>
+              <a:t>Native compiler – </a:t>
+            </a:r>
+            <a:r>
+              <a:rPr lang="en-US" dirty="0" err="1"/>
+              <a:t>gcc</a:t>
+            </a:r>
+            <a:r>
+              <a:rPr lang="en-US" dirty="0"/>
+              <a:t>, </a:t>
+            </a:r>
+            <a:r>
+              <a:rPr lang="en-US" dirty="0" err="1"/>
+              <a:t>nmake</a:t>
+            </a:r>
+            <a:endParaRPr lang="en-US" dirty="0"/>
+          </a:p>
+          <a:p>
+            <a:r>
+              <a:rPr lang="en-US" dirty="0"/>
+              <a:t>Device code</a:t>
+            </a:r>
+          </a:p>
+          <a:p>
+            <a:pPr lvl="1"/>
+            <a:r>
+              <a:rPr lang="en-US" dirty="0"/>
+              <a:t>Extended C – .cu extension</a:t>
+            </a:r>
+          </a:p>
+          <a:p>
+            <a:pPr lvl="1"/>
+            <a:r>
+              <a:rPr lang="en-US" dirty="0" err="1"/>
+              <a:t>nvcc</a:t>
+            </a:r>
+            <a:r>
+              <a:rPr lang="en-US" dirty="0"/>
+              <a:t> compiler</a:t>
+            </a:r>
+          </a:p>
+          <a:p>
+            <a:r>
+              <a:rPr lang="en-US" dirty="0"/>
+              <a:t>Example</a:t>
+            </a:r>
+          </a:p>
+          <a:p>
+            <a:pPr lvl="1"/>
+            <a:r>
+              <a:rPr lang="en-US" dirty="0" err="1"/>
+              <a:t>nvcc</a:t>
+            </a:r>
+            <a:r>
+              <a:rPr lang="en-US" dirty="0"/>
+              <a:t> -o </a:t>
+            </a:r>
+            <a:r>
+              <a:rPr lang="en-US" dirty="0" err="1"/>
+              <a:t>matrixAddition</a:t>
+            </a:r>
+            <a:r>
+              <a:rPr lang="en-US" dirty="0"/>
+              <a:t>  matrixAddition.cu</a:t>
+            </a:r>
+          </a:p>
+          <a:p>
+            <a:endParaRPr lang="en-US" dirty="0"/>
+          </a:p>
+          <a:p>
+            <a:endParaRPr lang="en-US" dirty="0"/>
           </a:p>
         </p:txBody>
       </p:sp>
@@ -27608,28 +23080,6 @@
       </p:sp>
       <p:sp>
         <p:nvSpPr>
-          <p:cNvPr id="27651" name="Rectangle 6"/>
-          <p:cNvSpPr>
-            <a:spLocks noGrp="1"/>
-          </p:cNvSpPr>
-          <p:nvPr>
-            <p:ph type="title"/>
-          </p:nvPr>
-        </p:nvSpPr>
-        <p:spPr/>
-        <p:txBody>
-          <a:bodyPr/>
-          <a:lstStyle/>
-          <a:p>
-            <a:r>
-              <a:rPr lang="en-US" sz="3600" dirty="0"/>
-              <a:t>CUDA Installation</a:t>
-            </a:r>
-          </a:p>
-        </p:txBody>
-      </p:sp>
-      <p:sp>
-        <p:nvSpPr>
           <p:cNvPr id="5" name="Content Placeholder 4"/>
           <p:cNvSpPr>
             <a:spLocks noGrp="1"/>
@@ -27641,7 +23091,146 @@
         <p:spPr>
           <a:xfrm>
             <a:off x="1101609" y="2057401"/>
-            <a:ext cx="6470765" cy="4119463"/>
+            <a:ext cx="6680315" cy="4488795"/>
+          </a:xfrm>
+        </p:spPr>
+        <p:txBody>
+          <a:bodyPr>
+            <a:normAutofit/>
+          </a:bodyPr>
+          <a:lstStyle/>
+          <a:p>
+            <a:r>
+              <a:rPr lang="en-US" dirty="0">
+                <a:solidFill>
+                  <a:srgbClr val="00B050"/>
+                </a:solidFill>
+              </a:rPr>
+              <a:t>//</a:t>
+            </a:r>
+            <a:r>
+              <a:rPr lang="en-US" sz="2000" dirty="0">
+                <a:solidFill>
+                  <a:srgbClr val="00B050"/>
+                </a:solidFill>
+              </a:rPr>
+              <a:t>Header Files</a:t>
+            </a:r>
+            <a:endParaRPr lang="en-US" dirty="0">
+              <a:solidFill>
+                <a:srgbClr val="00B050"/>
+              </a:solidFill>
+            </a:endParaRPr>
+          </a:p>
+          <a:p>
+            <a:r>
+              <a:rPr lang="en-US" dirty="0"/>
+              <a:t>#include &lt;</a:t>
+            </a:r>
+            <a:r>
+              <a:rPr lang="en-US" dirty="0" err="1"/>
+              <a:t>stdio.h</a:t>
+            </a:r>
+            <a:r>
+              <a:rPr lang="en-US" dirty="0"/>
+              <a:t>&gt; </a:t>
+            </a:r>
+          </a:p>
+          <a:p>
+            <a:r>
+              <a:rPr lang="en-US" dirty="0"/>
+              <a:t>#include &lt;</a:t>
+            </a:r>
+            <a:r>
+              <a:rPr lang="en-US" dirty="0" err="1"/>
+              <a:t>math.h</a:t>
+            </a:r>
+            <a:r>
+              <a:rPr lang="en-US" dirty="0"/>
+              <a:t>&gt; </a:t>
+            </a:r>
+            <a:r>
+              <a:rPr lang="en-US" dirty="0">
+                <a:solidFill>
+                  <a:srgbClr val="00B050"/>
+                </a:solidFill>
+              </a:rPr>
+              <a:t>// math functions</a:t>
+            </a:r>
+          </a:p>
+          <a:p>
+            <a:r>
+              <a:rPr lang="en-US" dirty="0">
+                <a:solidFill>
+                  <a:srgbClr val="FF0000"/>
+                </a:solidFill>
+              </a:rPr>
+              <a:t>#include &lt;</a:t>
+            </a:r>
+            <a:r>
+              <a:rPr lang="en-US" dirty="0" err="1">
+                <a:solidFill>
+                  <a:srgbClr val="FF0000"/>
+                </a:solidFill>
+              </a:rPr>
+              <a:t>cuda_runtime_api.h</a:t>
+            </a:r>
+            <a:r>
+              <a:rPr lang="en-US" dirty="0">
+                <a:solidFill>
+                  <a:srgbClr val="FF0000"/>
+                </a:solidFill>
+              </a:rPr>
+              <a:t>&gt; // CUDA runtime API</a:t>
+            </a:r>
+          </a:p>
+          <a:p>
+            <a:r>
+              <a:rPr lang="en-US" dirty="0">
+                <a:solidFill>
+                  <a:srgbClr val="00B050"/>
+                </a:solidFill>
+              </a:rPr>
+              <a:t>// define logical thread block size</a:t>
+            </a:r>
+          </a:p>
+          <a:p>
+            <a:r>
+              <a:rPr lang="en-US" dirty="0"/>
+              <a:t>#define N 40</a:t>
+            </a:r>
+          </a:p>
+          <a:p>
+            <a:r>
+              <a:rPr lang="en-US" dirty="0"/>
+              <a:t>#define BLOCK_SIZE 10</a:t>
+            </a:r>
+          </a:p>
+          <a:p>
+            <a:endParaRPr lang="en-US" dirty="0"/>
+          </a:p>
+        </p:txBody>
+      </p:sp>
+      <p:sp>
+        <p:nvSpPr>
+          <p:cNvPr id="8" name="Rectangle 6">
+            <a:extLst>
+              <a:ext uri="{FF2B5EF4-FFF2-40B4-BE49-F238E27FC236}">
+                <a16:creationId xmlns:a16="http://schemas.microsoft.com/office/drawing/2014/main" id="{2B4B5ADE-B429-859D-F5FD-A44B5C8C3440}"/>
+              </a:ext>
+            </a:extLst>
+          </p:cNvPr>
+          <p:cNvSpPr>
+            <a:spLocks noGrp="1"/>
+          </p:cNvSpPr>
+          <p:nvPr>
+            <p:ph type="title"/>
+          </p:nvPr>
+        </p:nvSpPr>
+        <p:spPr>
+          <a:xfrm>
+            <a:off x="720436" y="78980"/>
+            <a:ext cx="7620000" cy="1427585"/>
           </a:xfrm>
         </p:spPr>
         <p:txBody>
@@ -27649,43 +23238,10 @@
           <a:lstStyle/>
           <a:p>
             <a:r>
-              <a:rPr lang="en-US" dirty="0"/>
-              <a:t>CUDA Toolkit</a:t>
-            </a:r>
-          </a:p>
-          <a:p>
-            <a:pPr lvl="1"/>
-            <a:r>
-              <a:rPr lang="en-US" dirty="0"/>
-              <a:t>Develop CUDA application</a:t>
-            </a:r>
-          </a:p>
-          <a:p>
-            <a:pPr lvl="1"/>
-            <a:r>
-              <a:rPr lang="en-US" dirty="0"/>
-              <a:t>Super user</a:t>
-            </a:r>
-          </a:p>
-          <a:p>
-            <a:r>
-              <a:rPr lang="en-US" dirty="0"/>
-              <a:t>CUDA SDK</a:t>
-            </a:r>
-          </a:p>
-          <a:p>
-            <a:pPr lvl="1"/>
-            <a:r>
-              <a:rPr lang="en-US" dirty="0"/>
-              <a:t>Sample projects</a:t>
-            </a:r>
-          </a:p>
-          <a:p>
-            <a:pPr lvl="1"/>
-            <a:r>
-              <a:rPr lang="en-US" dirty="0"/>
-              <a:t>Regular user</a:t>
-            </a:r>
+              <a:rPr lang="en-US" sz="4000" dirty="0"/>
+              <a:t>CUDA Matrix Multiplication Example</a:t>
+            </a:r>
+            <a:endParaRPr lang="en-IN" sz="4000" dirty="0"/>
           </a:p>
         </p:txBody>
       </p:sp>
@@ -27770,7 +23326,7 @@
       </p:sp>
       <p:sp>
         <p:nvSpPr>
-          <p:cNvPr id="28675" name="Rectangle 6"/>
+          <p:cNvPr id="30723" name="Rectangle 6"/>
           <p:cNvSpPr>
             <a:spLocks noGrp="1"/>
           </p:cNvSpPr>
@@ -27778,21 +23334,27 @@
             <p:ph type="title"/>
           </p:nvPr>
         </p:nvSpPr>
-        <p:spPr/>
+        <p:spPr>
+          <a:xfrm>
+            <a:off x="720436" y="78980"/>
+            <a:ext cx="7620000" cy="1427585"/>
+          </a:xfrm>
+        </p:spPr>
         <p:txBody>
           <a:bodyPr/>
           <a:lstStyle/>
           <a:p>
             <a:r>
-              <a:rPr lang="en-US" sz="3600"/>
-              <a:t>CUDA Code Compilation</a:t>
-            </a:r>
+              <a:rPr lang="en-US" sz="4000" dirty="0"/>
+              <a:t>CUDA Matrix Multiplication Example</a:t>
+            </a:r>
+            <a:endParaRPr lang="en-IN" sz="4000" dirty="0"/>
           </a:p>
         </p:txBody>
       </p:sp>
       <p:sp>
         <p:nvSpPr>
-          <p:cNvPr id="28676" name="Content Placeholder 4"/>
+          <p:cNvPr id="30724" name="Rectangle 7"/>
           <p:cNvSpPr>
             <a:spLocks noGrp="1"/>
           </p:cNvSpPr>
@@ -27800,113 +23362,308 @@
             <p:ph sz="quarter" idx="12"/>
           </p:nvPr>
         </p:nvSpPr>
-        <p:spPr/>
+        <p:spPr>
+          <a:xfrm>
+            <a:off x="803564" y="1506565"/>
+            <a:ext cx="8091054" cy="5351435"/>
+          </a:xfrm>
+        </p:spPr>
         <p:txBody>
-          <a:bodyPr/>
+          <a:bodyPr>
+            <a:normAutofit fontScale="62500" lnSpcReduction="20000"/>
+          </a:bodyPr>
           <a:lstStyle/>
           <a:p>
-            <a:r>
-              <a:rPr lang="en-US" dirty="0"/>
-              <a:t>Host code</a:t>
-            </a:r>
-          </a:p>
-          <a:p>
-            <a:pPr lvl="1"/>
-            <a:r>
-              <a:rPr lang="en-US" dirty="0"/>
-              <a:t>C, C++ code – .c, .</a:t>
-            </a:r>
-            <a:r>
-              <a:rPr lang="en-US" dirty="0" err="1"/>
-              <a:t>cxx</a:t>
-            </a:r>
-            <a:r>
-              <a:rPr lang="en-US" dirty="0"/>
-              <a:t>, or .</a:t>
-            </a:r>
-            <a:r>
-              <a:rPr lang="en-US" dirty="0" err="1"/>
-              <a:t>cpp</a:t>
-            </a:r>
-            <a:r>
-              <a:rPr lang="en-US" dirty="0"/>
-              <a:t> extension</a:t>
-            </a:r>
-          </a:p>
-          <a:p>
-            <a:pPr lvl="1"/>
-            <a:r>
-              <a:rPr lang="en-US" dirty="0"/>
-              <a:t>Native compiler – </a:t>
-            </a:r>
-            <a:r>
-              <a:rPr lang="en-US" dirty="0" err="1"/>
-              <a:t>gcc</a:t>
-            </a:r>
-            <a:r>
-              <a:rPr lang="en-US" dirty="0"/>
-              <a:t>, </a:t>
-            </a:r>
-            <a:r>
-              <a:rPr lang="en-US" dirty="0" err="1"/>
-              <a:t>nmake</a:t>
-            </a:r>
-            <a:endParaRPr lang="en-US" dirty="0"/>
-          </a:p>
-          <a:p>
-            <a:r>
-              <a:rPr lang="en-US" dirty="0"/>
-              <a:t>Device code</a:t>
-            </a:r>
-          </a:p>
-          <a:p>
-            <a:pPr lvl="1"/>
-            <a:r>
-              <a:rPr lang="en-US" dirty="0"/>
-              <a:t>Extended C – .cu extension</a:t>
-            </a:r>
-          </a:p>
-          <a:p>
-            <a:pPr lvl="1"/>
-            <a:r>
-              <a:rPr lang="en-US" dirty="0" err="1"/>
-              <a:t>nvcc</a:t>
-            </a:r>
-            <a:r>
-              <a:rPr lang="en-US" dirty="0"/>
-              <a:t> compiler</a:t>
-            </a:r>
-          </a:p>
-          <a:p>
-            <a:r>
-              <a:rPr lang="en-US" dirty="0"/>
-              <a:t>Example</a:t>
-            </a:r>
-          </a:p>
-          <a:p>
-            <a:pPr lvl="1"/>
-            <a:r>
-              <a:rPr lang="en-US" dirty="0" err="1"/>
-              <a:t>nvcc</a:t>
-            </a:r>
-            <a:r>
-              <a:rPr lang="en-US" dirty="0"/>
-              <a:t> -o </a:t>
-            </a:r>
-            <a:r>
-              <a:rPr lang="en-US" dirty="0" err="1"/>
-              <a:t>matrixAddition</a:t>
-            </a:r>
-            <a:r>
-              <a:rPr lang="en-US" dirty="0"/>
-              <a:t>  matrixAddition.cu</a:t>
-            </a:r>
-          </a:p>
-          <a:p>
-            <a:endParaRPr lang="en-US" dirty="0"/>
-          </a:p>
-          <a:p>
-            <a:endParaRPr lang="en-US" dirty="0"/>
+            <a:pPr>
+              <a:buFont typeface="Arial" charset="0"/>
+              <a:buNone/>
+            </a:pPr>
+            <a:r>
+              <a:rPr lang="en-US" sz="2800" dirty="0">
+                <a:solidFill>
+                  <a:srgbClr val="00B050"/>
+                </a:solidFill>
+              </a:rPr>
+              <a:t>//CUDA KERNEL</a:t>
+            </a:r>
+          </a:p>
+          <a:p>
+            <a:pPr>
+              <a:buFont typeface="Arial" charset="0"/>
+              <a:buNone/>
+            </a:pPr>
+            <a:r>
+              <a:rPr lang="en-US" sz="2800" dirty="0">
+                <a:solidFill>
+                  <a:srgbClr val="FF0000"/>
+                </a:solidFill>
+              </a:rPr>
+              <a:t>__global__ </a:t>
+            </a:r>
+            <a:r>
+              <a:rPr lang="en-US" sz="2800" dirty="0"/>
+              <a:t>void </a:t>
+            </a:r>
+            <a:r>
+              <a:rPr lang="en-US" sz="2800" dirty="0" err="1"/>
+              <a:t>mul</a:t>
+            </a:r>
+            <a:r>
+              <a:rPr lang="en-US" sz="2800" dirty="0"/>
+              <a:t> (float *A, float * B, float *C, int size) </a:t>
+            </a:r>
+          </a:p>
+          <a:p>
+            <a:pPr>
+              <a:buFont typeface="Arial" charset="0"/>
+              <a:buNone/>
+            </a:pPr>
+            <a:r>
+              <a:rPr lang="en-US" sz="2800" dirty="0"/>
+              <a:t>{ </a:t>
+            </a:r>
+          </a:p>
+          <a:p>
+            <a:pPr>
+              <a:buFont typeface="Arial" charset="0"/>
+              <a:buNone/>
+            </a:pPr>
+            <a:r>
+              <a:rPr lang="en-US" sz="2800" dirty="0"/>
+              <a:t>   </a:t>
+            </a:r>
+            <a:r>
+              <a:rPr lang="en-US" sz="2800" dirty="0">
+                <a:solidFill>
+                  <a:srgbClr val="FF0000"/>
+                </a:solidFill>
+              </a:rPr>
+              <a:t>int ROW = </a:t>
+            </a:r>
+            <a:r>
+              <a:rPr lang="en-US" sz="2800" dirty="0" err="1">
+                <a:solidFill>
+                  <a:srgbClr val="FF0000"/>
+                </a:solidFill>
+              </a:rPr>
+              <a:t>blockIdx.y</a:t>
+            </a:r>
+            <a:r>
+              <a:rPr lang="en-US" sz="2800" dirty="0">
+                <a:solidFill>
+                  <a:srgbClr val="FF0000"/>
+                </a:solidFill>
+              </a:rPr>
+              <a:t>*</a:t>
+            </a:r>
+            <a:r>
+              <a:rPr lang="en-US" sz="2800" dirty="0" err="1">
+                <a:solidFill>
+                  <a:srgbClr val="FF0000"/>
+                </a:solidFill>
+              </a:rPr>
+              <a:t>blockDim.y+threadIdx.y</a:t>
+            </a:r>
+            <a:r>
+              <a:rPr lang="en-US" sz="2800" dirty="0">
+                <a:solidFill>
+                  <a:srgbClr val="FF0000"/>
+                </a:solidFill>
+              </a:rPr>
+              <a:t>;</a:t>
+            </a:r>
+          </a:p>
+          <a:p>
+            <a:pPr>
+              <a:buFont typeface="Arial" charset="0"/>
+              <a:buNone/>
+            </a:pPr>
+            <a:r>
+              <a:rPr lang="en-US" sz="2800" dirty="0">
+                <a:solidFill>
+                  <a:srgbClr val="FF0000"/>
+                </a:solidFill>
+              </a:rPr>
+              <a:t>   int COL = </a:t>
+            </a:r>
+            <a:r>
+              <a:rPr lang="en-US" sz="2800" dirty="0" err="1">
+                <a:solidFill>
+                  <a:srgbClr val="FF0000"/>
+                </a:solidFill>
+              </a:rPr>
+              <a:t>blockIdx.x</a:t>
+            </a:r>
+            <a:r>
+              <a:rPr lang="en-US" sz="2800" dirty="0">
+                <a:solidFill>
+                  <a:srgbClr val="FF0000"/>
+                </a:solidFill>
+              </a:rPr>
+              <a:t>*</a:t>
+            </a:r>
+            <a:r>
+              <a:rPr lang="en-US" sz="2800" dirty="0" err="1">
+                <a:solidFill>
+                  <a:srgbClr val="FF0000"/>
+                </a:solidFill>
+              </a:rPr>
+              <a:t>blockDim.x+threadIdx.x</a:t>
+            </a:r>
+            <a:r>
+              <a:rPr lang="en-US" sz="2800" dirty="0">
+                <a:solidFill>
+                  <a:srgbClr val="FF0000"/>
+                </a:solidFill>
+              </a:rPr>
+              <a:t>;</a:t>
+            </a:r>
+          </a:p>
+          <a:p>
+            <a:pPr>
+              <a:buFont typeface="Arial" charset="0"/>
+              <a:buNone/>
+            </a:pPr>
+            <a:r>
+              <a:rPr lang="en-US" sz="2800" dirty="0"/>
+              <a:t>	 </a:t>
+            </a:r>
+            <a:r>
+              <a:rPr lang="en-US" sz="2800" dirty="0">
+                <a:solidFill>
+                  <a:srgbClr val="00B050"/>
+                </a:solidFill>
+              </a:rPr>
+              <a:t>// Calculate matrix multiplication of 1 row</a:t>
+            </a:r>
+          </a:p>
+          <a:p>
+            <a:pPr>
+              <a:buFont typeface="Arial" charset="0"/>
+              <a:buNone/>
+            </a:pPr>
+            <a:r>
+              <a:rPr lang="pt-BR" sz="2800" dirty="0">
+                <a:solidFill>
+                  <a:srgbClr val="00B050"/>
+                </a:solidFill>
+              </a:rPr>
+              <a:t>   </a:t>
+            </a:r>
+            <a:r>
+              <a:rPr lang="pt-BR" sz="2800" dirty="0"/>
+              <a:t>if (ROW &lt; size &amp;&amp; COL &lt; size) {</a:t>
+            </a:r>
+          </a:p>
+          <a:p>
+            <a:pPr>
+              <a:buFont typeface="Arial" charset="0"/>
+              <a:buNone/>
+            </a:pPr>
+            <a:r>
+              <a:rPr lang="en-US" sz="2800" dirty="0"/>
+              <a:t>     float sum=0.0;</a:t>
+            </a:r>
+          </a:p>
+          <a:p>
+            <a:pPr>
+              <a:buFont typeface="Arial" charset="0"/>
+              <a:buNone/>
+            </a:pPr>
+            <a:r>
+              <a:rPr lang="en-US" sz="2800" dirty="0"/>
+              <a:t>	 for (int </a:t>
+            </a:r>
+            <a:r>
+              <a:rPr lang="en-US" sz="2800" dirty="0" err="1"/>
+              <a:t>i</a:t>
+            </a:r>
+            <a:r>
+              <a:rPr lang="en-US" sz="2800" dirty="0"/>
+              <a:t> = 0; </a:t>
+            </a:r>
+            <a:r>
+              <a:rPr lang="en-US" sz="2800" dirty="0" err="1"/>
+              <a:t>i</a:t>
+            </a:r>
+            <a:r>
+              <a:rPr lang="en-US" sz="2800" dirty="0"/>
+              <a:t> &lt; size; </a:t>
+            </a:r>
+            <a:r>
+              <a:rPr lang="en-US" sz="2800" dirty="0" err="1"/>
+              <a:t>i</a:t>
+            </a:r>
+            <a:r>
+              <a:rPr lang="en-US" sz="2800" dirty="0"/>
+              <a:t>++) {</a:t>
+            </a:r>
+          </a:p>
+          <a:p>
+            <a:pPr>
+              <a:buFont typeface="Arial" charset="0"/>
+              <a:buNone/>
+            </a:pPr>
+            <a:r>
+              <a:rPr lang="en-US" sz="2800" dirty="0"/>
+              <a:t>            sum += A[ROW * size + </a:t>
+            </a:r>
+            <a:r>
+              <a:rPr lang="en-US" sz="2800" dirty="0" err="1"/>
+              <a:t>i</a:t>
+            </a:r>
+            <a:r>
+              <a:rPr lang="en-US" sz="2800" dirty="0"/>
+              <a:t>] * B[</a:t>
+            </a:r>
+            <a:r>
+              <a:rPr lang="en-US" sz="2800" dirty="0" err="1"/>
+              <a:t>i</a:t>
+            </a:r>
+            <a:r>
+              <a:rPr lang="en-US" sz="2800" dirty="0"/>
+              <a:t> * size + COL];</a:t>
+            </a:r>
+          </a:p>
+          <a:p>
+            <a:pPr>
+              <a:buFont typeface="Arial" charset="0"/>
+              <a:buNone/>
+            </a:pPr>
+            <a:r>
+              <a:rPr lang="en-US" sz="2800" dirty="0"/>
+              <a:t>        }</a:t>
+            </a:r>
+          </a:p>
+          <a:p>
+            <a:pPr>
+              <a:buFont typeface="Arial" charset="0"/>
+              <a:buNone/>
+            </a:pPr>
+            <a:r>
+              <a:rPr lang="en-US" sz="2800" dirty="0"/>
+              <a:t>      C[ROW * size + COL]=sum;</a:t>
+            </a:r>
+          </a:p>
+          <a:p>
+            <a:pPr>
+              <a:buFont typeface="Arial" charset="0"/>
+              <a:buNone/>
+            </a:pPr>
+            <a:r>
+              <a:rPr lang="en-US" sz="2800" dirty="0"/>
+              <a:t>  }</a:t>
+            </a:r>
+          </a:p>
+          <a:p>
+            <a:pPr>
+              <a:buFont typeface="Arial" charset="0"/>
+              <a:buNone/>
+            </a:pPr>
+            <a:r>
+              <a:rPr lang="en-US" sz="2800" dirty="0"/>
+              <a:t>}</a:t>
+            </a:r>
           </a:p>
         </p:txBody>
       </p:sp>
@@ -28001,155 +23758,314 @@
         </p:nvSpPr>
         <p:spPr>
           <a:xfrm>
-            <a:off x="1101609" y="2057401"/>
-            <a:ext cx="6680315" cy="4488795"/>
+            <a:off x="1066985" y="1283855"/>
+            <a:ext cx="7356579" cy="4922982"/>
           </a:xfrm>
         </p:spPr>
         <p:txBody>
           <a:bodyPr>
-            <a:normAutofit/>
+            <a:noAutofit/>
           </a:bodyPr>
           <a:lstStyle/>
           <a:p>
-            <a:r>
-              <a:rPr lang="en-US" dirty="0">
+            <a:pPr>
+              <a:lnSpc>
+                <a:spcPct val="80000"/>
+              </a:lnSpc>
+            </a:pPr>
+            <a:r>
+              <a:rPr lang="en-US" sz="2400" dirty="0">
                 <a:solidFill>
                   <a:srgbClr val="00B050"/>
                 </a:solidFill>
               </a:rPr>
-              <a:t>//</a:t>
-            </a:r>
-            <a:r>
-              <a:rPr lang="en-US" sz="2000" dirty="0">
+              <a:t>// Vectors Using Unified Memory</a:t>
+            </a:r>
+          </a:p>
+          <a:p>
+            <a:pPr>
+              <a:lnSpc>
+                <a:spcPct val="80000"/>
+              </a:lnSpc>
+            </a:pPr>
+            <a:r>
+              <a:rPr lang="en-US" sz="2400" dirty="0">
                 <a:solidFill>
                   <a:srgbClr val="00B050"/>
                 </a:solidFill>
               </a:rPr>
-              <a:t>Header Files</a:t>
-            </a:r>
-            <a:endParaRPr lang="en-US" dirty="0">
+              <a:t>// Create float pointers.</a:t>
+            </a:r>
+          </a:p>
+          <a:p>
+            <a:pPr>
+              <a:lnSpc>
+                <a:spcPct val="80000"/>
+              </a:lnSpc>
+            </a:pPr>
+            <a:r>
+              <a:rPr lang="en-US" sz="2400" dirty="0"/>
+              <a:t>float *A, *B, *C; </a:t>
+            </a:r>
+          </a:p>
+          <a:p>
+            <a:pPr>
+              <a:lnSpc>
+                <a:spcPct val="80000"/>
+              </a:lnSpc>
+            </a:pPr>
+            <a:r>
+              <a:rPr lang="en-US" sz="2400" dirty="0">
+                <a:solidFill>
+                  <a:srgbClr val="00B050"/>
+                </a:solidFill>
+              </a:rPr>
+              <a:t>// Calculate data size in no of bytes.</a:t>
+            </a:r>
+          </a:p>
+          <a:p>
+            <a:pPr>
+              <a:lnSpc>
+                <a:spcPct val="80000"/>
+              </a:lnSpc>
+            </a:pPr>
+            <a:r>
+              <a:rPr lang="en-US" sz="2400" dirty="0"/>
+              <a:t>int </a:t>
+            </a:r>
+            <a:r>
+              <a:rPr lang="en-US" sz="2400" dirty="0" err="1"/>
+              <a:t>iByteSize</a:t>
+            </a:r>
+            <a:r>
+              <a:rPr lang="en-US" sz="2400" dirty="0"/>
+              <a:t>= N * N *</a:t>
+            </a:r>
+            <a:r>
+              <a:rPr lang="en-US" sz="2400" dirty="0" err="1"/>
+              <a:t>sizeof</a:t>
+            </a:r>
+            <a:r>
+              <a:rPr lang="en-US" sz="2400" dirty="0"/>
+              <a:t>(float); </a:t>
+            </a:r>
+          </a:p>
+          <a:p>
+            <a:pPr>
+              <a:lnSpc>
+                <a:spcPct val="80000"/>
+              </a:lnSpc>
+            </a:pPr>
+            <a:r>
+              <a:rPr lang="en-US" sz="2400" dirty="0">
+                <a:solidFill>
+                  <a:srgbClr val="00B050"/>
+                </a:solidFill>
+              </a:rPr>
+              <a:t>// </a:t>
+            </a:r>
+            <a:r>
+              <a:rPr lang="en-IN" sz="2400" dirty="0">
+                <a:solidFill>
+                  <a:srgbClr val="00B050"/>
+                </a:solidFill>
+              </a:rPr>
+              <a:t>Allocate Unified Memory </a:t>
+            </a:r>
+          </a:p>
+          <a:p>
+            <a:pPr>
+              <a:lnSpc>
+                <a:spcPct val="80000"/>
+              </a:lnSpc>
+            </a:pPr>
+            <a:r>
+              <a:rPr lang="en-IN" sz="2400" dirty="0">
+                <a:solidFill>
+                  <a:srgbClr val="00B050"/>
+                </a:solidFill>
+              </a:rPr>
+              <a:t>// Accessible from CPU or GPU.</a:t>
+            </a:r>
+            <a:endParaRPr lang="en-US" sz="2400" dirty="0">
               <a:solidFill>
                 <a:srgbClr val="00B050"/>
               </a:solidFill>
             </a:endParaRPr>
           </a:p>
           <a:p>
-            <a:r>
-              <a:rPr lang="en-US" dirty="0"/>
-              <a:t>#include &lt;</a:t>
-            </a:r>
-            <a:r>
-              <a:rPr lang="en-US" dirty="0" err="1"/>
-              <a:t>stdio.h</a:t>
-            </a:r>
-            <a:r>
-              <a:rPr lang="en-US" dirty="0"/>
-              <a:t>&gt; </a:t>
-            </a:r>
-          </a:p>
-          <a:p>
-            <a:r>
-              <a:rPr lang="en-US" dirty="0"/>
-              <a:t>#include &lt;</a:t>
-            </a:r>
-            <a:r>
-              <a:rPr lang="en-US" dirty="0" err="1"/>
-              <a:t>math.h</a:t>
-            </a:r>
-            <a:r>
-              <a:rPr lang="en-US" dirty="0"/>
-              <a:t>&gt; </a:t>
-            </a:r>
-            <a:r>
-              <a:rPr lang="en-US" dirty="0">
-                <a:solidFill>
-                  <a:srgbClr val="00B050"/>
-                </a:solidFill>
-              </a:rPr>
-              <a:t>// math functions</a:t>
-            </a:r>
-          </a:p>
-          <a:p>
-            <a:r>
-              <a:rPr lang="en-US" dirty="0">
+            <a:pPr>
+              <a:lnSpc>
+                <a:spcPct val="80000"/>
+              </a:lnSpc>
+            </a:pPr>
+            <a:r>
+              <a:rPr lang="en-US" sz="2400" dirty="0" err="1">
                 <a:solidFill>
                   <a:srgbClr val="FF0000"/>
                 </a:solidFill>
               </a:rPr>
-              <a:t>#include &lt;</a:t>
-            </a:r>
-            <a:r>
-              <a:rPr lang="en-US" dirty="0" err="1">
+              <a:t>cudaMallocManaged</a:t>
+            </a:r>
+            <a:r>
+              <a:rPr lang="en-US" sz="2400" dirty="0">
                 <a:solidFill>
                   <a:srgbClr val="FF0000"/>
                 </a:solidFill>
               </a:rPr>
-              <a:t>cuda_runtime_api.h</a:t>
-            </a:r>
-            <a:r>
-              <a:rPr lang="en-US" dirty="0">
+              <a:t>(&amp;A, </a:t>
+            </a:r>
+            <a:r>
+              <a:rPr lang="en-US" sz="2400" dirty="0" err="1">
                 <a:solidFill>
                   <a:srgbClr val="FF0000"/>
                 </a:solidFill>
               </a:rPr>
-              <a:t>&gt; // CUDA runtime API</a:t>
-            </a:r>
-          </a:p>
-          <a:p>
-            <a:r>
-              <a:rPr lang="en-US" dirty="0">
-                <a:solidFill>
-                  <a:srgbClr val="00B050"/>
-                </a:solidFill>
-              </a:rPr>
-              <a:t>// define logical thread block size</a:t>
-            </a:r>
-          </a:p>
-          <a:p>
-            <a:r>
-              <a:rPr lang="en-US" dirty="0"/>
-              <a:t>#define N 40</a:t>
-            </a:r>
-          </a:p>
-          <a:p>
-            <a:r>
-              <a:rPr lang="en-US" dirty="0"/>
-              <a:t>#define BLOCK_SIZE 10</a:t>
-            </a:r>
-          </a:p>
-          <a:p>
-            <a:endParaRPr lang="en-US" dirty="0"/>
+              <a:t>iByteSize</a:t>
+            </a:r>
+            <a:r>
+              <a:rPr lang="en-US" sz="2400" dirty="0">
+                <a:solidFill>
+                  <a:srgbClr val="FF0000"/>
+                </a:solidFill>
+              </a:rPr>
+              <a:t>);</a:t>
+            </a:r>
+          </a:p>
+          <a:p>
+            <a:pPr>
+              <a:lnSpc>
+                <a:spcPct val="80000"/>
+              </a:lnSpc>
+            </a:pPr>
+            <a:r>
+              <a:rPr lang="en-US" sz="2400" dirty="0" err="1">
+                <a:solidFill>
+                  <a:srgbClr val="FF0000"/>
+                </a:solidFill>
+              </a:rPr>
+              <a:t>cudaMallocManaged</a:t>
+            </a:r>
+            <a:r>
+              <a:rPr lang="en-US" sz="2400" dirty="0">
+                <a:solidFill>
+                  <a:srgbClr val="FF0000"/>
+                </a:solidFill>
+              </a:rPr>
+              <a:t>(&amp;B, </a:t>
+            </a:r>
+            <a:r>
+              <a:rPr lang="en-US" sz="2400" dirty="0" err="1">
+                <a:solidFill>
+                  <a:srgbClr val="FF0000"/>
+                </a:solidFill>
+              </a:rPr>
+              <a:t>iByteSize</a:t>
+            </a:r>
+            <a:r>
+              <a:rPr lang="en-US" sz="2400" dirty="0">
+                <a:solidFill>
+                  <a:srgbClr val="FF0000"/>
+                </a:solidFill>
+              </a:rPr>
+              <a:t>);</a:t>
+            </a:r>
+          </a:p>
+          <a:p>
+            <a:pPr>
+              <a:lnSpc>
+                <a:spcPct val="80000"/>
+              </a:lnSpc>
+            </a:pPr>
+            <a:r>
+              <a:rPr lang="en-US" sz="2400" dirty="0" err="1">
+                <a:solidFill>
+                  <a:srgbClr val="FF0000"/>
+                </a:solidFill>
+              </a:rPr>
+              <a:t>cudaMallocManaged</a:t>
+            </a:r>
+            <a:r>
+              <a:rPr lang="en-US" sz="2400" dirty="0">
+                <a:solidFill>
+                  <a:srgbClr val="FF0000"/>
+                </a:solidFill>
+              </a:rPr>
+              <a:t>(&amp;C, </a:t>
+            </a:r>
+            <a:r>
+              <a:rPr lang="en-US" sz="2400" dirty="0" err="1">
+                <a:solidFill>
+                  <a:srgbClr val="FF0000"/>
+                </a:solidFill>
+              </a:rPr>
+              <a:t>iByteSize</a:t>
+            </a:r>
+            <a:r>
+              <a:rPr lang="en-US" sz="2400" dirty="0">
+                <a:solidFill>
+                  <a:srgbClr val="FF0000"/>
+                </a:solidFill>
+              </a:rPr>
+              <a:t>);</a:t>
+            </a:r>
+            <a:endParaRPr lang="en-US" sz="1800" dirty="0">
+              <a:solidFill>
+                <a:srgbClr val="FF0000"/>
+              </a:solidFill>
+            </a:endParaRPr>
           </a:p>
         </p:txBody>
       </p:sp>
       <p:sp>
         <p:nvSpPr>
-          <p:cNvPr id="8" name="Rectangle 6">
+          <p:cNvPr id="2" name="Rectangle 6">
             <a:extLst>
               <a:ext uri="{FF2B5EF4-FFF2-40B4-BE49-F238E27FC236}">
-                <a16:creationId xmlns:a16="http://schemas.microsoft.com/office/drawing/2014/main" id="{2B4B5ADE-B429-859D-F5FD-A44B5C8C3440}"/>
+                <a16:creationId xmlns:a16="http://schemas.microsoft.com/office/drawing/2014/main" id="{B7BDC160-76BF-042F-AF96-3C5060692007}"/>
               </a:ext>
             </a:extLst>
           </p:cNvPr>
-          <p:cNvSpPr>
-            <a:spLocks noGrp="1"/>
+          <p:cNvSpPr txBox="1">
+            <a:spLocks/>
           </p:cNvSpPr>
-          <p:nvPr>
-            <p:ph type="title"/>
-          </p:nvPr>
+          <p:nvPr/>
         </p:nvSpPr>
         <p:spPr>
           <a:xfrm>
             <a:off x="720436" y="78980"/>
             <a:ext cx="7620000" cy="1427585"/>
           </a:xfrm>
+          <a:prstGeom prst="rect">
+            <a:avLst/>
+          </a:prstGeom>
         </p:spPr>
         <p:txBody>
-          <a:bodyPr/>
-          <a:lstStyle/>
-          <a:p>
-            <a:r>
-              <a:rPr lang="en-US" sz="4000" dirty="0"/>
+          <a:bodyPr vert="horz" lIns="0" tIns="45720" rIns="91440" bIns="45720" rtlCol="0" anchor="ctr">
+            <a:normAutofit/>
+          </a:bodyPr>
+          <a:lstStyle>
+            <a:lvl1pPr algn="l" defTabSz="914400" rtl="0" eaLnBrk="1" latinLnBrk="0" hangingPunct="1">
+              <a:lnSpc>
+                <a:spcPct val="90000"/>
+              </a:lnSpc>
+              <a:spcBef>
+                <a:spcPct val="0"/>
+              </a:spcBef>
+              <a:buNone/>
+              <a:defRPr sz="3600" kern="1200">
+                <a:solidFill>
+                  <a:schemeClr val="tx1"/>
+                </a:solidFill>
+                <a:latin typeface="+mj-lt"/>
+                <a:ea typeface="+mj-ea"/>
+                <a:cs typeface="+mj-cs"/>
+              </a:defRPr>
+            </a:lvl1pPr>
+          </a:lstStyle>
+          <a:p>
+            <a:r>
+              <a:rPr lang="en-US" sz="4000"/>
               <a:t>CUDA Matrix Multiplication Example</a:t>
             </a:r>
             <a:endParaRPr lang="en-IN" sz="4000" dirty="0"/>
@@ -28237,7 +24153,216 @@
       </p:sp>
       <p:sp>
         <p:nvSpPr>
-          <p:cNvPr id="30723" name="Rectangle 6"/>
+          <p:cNvPr id="32772" name="Rectangle 7"/>
+          <p:cNvSpPr>
+            <a:spLocks noGrp="1"/>
+          </p:cNvSpPr>
+          <p:nvPr>
+            <p:ph sz="quarter" idx="12"/>
+          </p:nvPr>
+        </p:nvSpPr>
+        <p:spPr>
+          <a:xfrm>
+            <a:off x="1087615" y="2108723"/>
+            <a:ext cx="7917840" cy="4119463"/>
+          </a:xfrm>
+        </p:spPr>
+        <p:txBody>
+          <a:bodyPr>
+            <a:normAutofit/>
+          </a:bodyPr>
+          <a:lstStyle/>
+          <a:p>
+            <a:pPr>
+              <a:lnSpc>
+                <a:spcPct val="80000"/>
+              </a:lnSpc>
+              <a:buFont typeface="Arial" charset="0"/>
+              <a:buNone/>
+            </a:pPr>
+            <a:r>
+              <a:rPr lang="en-US" sz="2400" dirty="0">
+                <a:solidFill>
+                  <a:srgbClr val="00B050"/>
+                </a:solidFill>
+              </a:rPr>
+              <a:t>// Initialize Vectors</a:t>
+            </a:r>
+          </a:p>
+          <a:p>
+            <a:pPr>
+              <a:lnSpc>
+                <a:spcPct val="80000"/>
+              </a:lnSpc>
+              <a:buFont typeface="Arial" charset="0"/>
+              <a:buNone/>
+            </a:pPr>
+            <a:r>
+              <a:rPr lang="en-US" sz="2400" dirty="0"/>
+              <a:t>for(int </a:t>
+            </a:r>
+            <a:r>
+              <a:rPr lang="en-US" sz="2400" dirty="0" err="1"/>
+              <a:t>i</a:t>
+            </a:r>
+            <a:r>
+              <a:rPr lang="en-US" sz="2400" dirty="0"/>
+              <a:t>=0; </a:t>
+            </a:r>
+            <a:r>
+              <a:rPr lang="en-US" sz="2400" dirty="0" err="1"/>
+              <a:t>i</a:t>
+            </a:r>
+            <a:r>
+              <a:rPr lang="en-US" sz="2400" dirty="0"/>
+              <a:t> &lt; N </a:t>
+            </a:r>
+            <a:r>
+              <a:rPr lang="en-US" sz="2400" b="1" dirty="0"/>
+              <a:t>*</a:t>
+            </a:r>
+            <a:r>
+              <a:rPr lang="en-US" sz="2400" dirty="0"/>
+              <a:t> N</a:t>
+            </a:r>
+            <a:r>
+              <a:rPr lang="en-US" sz="2400" b="1" dirty="0"/>
+              <a:t>;</a:t>
+            </a:r>
+            <a:r>
+              <a:rPr lang="en-US" sz="2400" dirty="0"/>
+              <a:t> </a:t>
+            </a:r>
+            <a:r>
+              <a:rPr lang="en-US" sz="2400" dirty="0" err="1"/>
+              <a:t>i</a:t>
+            </a:r>
+            <a:r>
+              <a:rPr lang="en-US" sz="2400" dirty="0"/>
+              <a:t>++)</a:t>
+            </a:r>
+          </a:p>
+          <a:p>
+            <a:pPr>
+              <a:lnSpc>
+                <a:spcPct val="80000"/>
+              </a:lnSpc>
+              <a:buFont typeface="Arial" charset="0"/>
+              <a:buNone/>
+            </a:pPr>
+            <a:r>
+              <a:rPr lang="en-US" sz="2400" dirty="0"/>
+              <a:t> { </a:t>
+            </a:r>
+          </a:p>
+          <a:p>
+            <a:pPr>
+              <a:lnSpc>
+                <a:spcPct val="80000"/>
+              </a:lnSpc>
+              <a:buFont typeface="Arial" charset="0"/>
+              <a:buNone/>
+            </a:pPr>
+            <a:r>
+              <a:rPr lang="en-US" sz="2400" dirty="0"/>
+              <a:t>	</a:t>
+            </a:r>
+            <a:r>
+              <a:rPr lang="en-US" sz="2400" dirty="0">
+                <a:solidFill>
+                  <a:srgbClr val="00B050"/>
+                </a:solidFill>
+              </a:rPr>
+              <a:t>// Initialize vectors. </a:t>
+            </a:r>
+          </a:p>
+          <a:p>
+            <a:pPr>
+              <a:lnSpc>
+                <a:spcPct val="80000"/>
+              </a:lnSpc>
+              <a:buFont typeface="Arial" charset="0"/>
+              <a:buNone/>
+            </a:pPr>
+            <a:r>
+              <a:rPr lang="en-US" sz="2400" dirty="0"/>
+              <a:t>	A[</a:t>
+            </a:r>
+            <a:r>
+              <a:rPr lang="en-US" sz="2400" dirty="0" err="1"/>
+              <a:t>i</a:t>
+            </a:r>
+            <a:r>
+              <a:rPr lang="en-US" sz="2400" dirty="0"/>
+              <a:t>] = (float) rand() / (float) rand(); </a:t>
+            </a:r>
+          </a:p>
+          <a:p>
+            <a:pPr>
+              <a:lnSpc>
+                <a:spcPct val="80000"/>
+              </a:lnSpc>
+              <a:buFont typeface="Arial" charset="0"/>
+              <a:buNone/>
+            </a:pPr>
+            <a:r>
+              <a:rPr lang="en-US" sz="2400" dirty="0"/>
+              <a:t>	B[</a:t>
+            </a:r>
+            <a:r>
+              <a:rPr lang="en-US" sz="2400" dirty="0" err="1"/>
+              <a:t>i</a:t>
+            </a:r>
+            <a:r>
+              <a:rPr lang="en-US" sz="2400" dirty="0"/>
+              <a:t>] = (float) rand() / (float) rand(); </a:t>
+            </a:r>
+          </a:p>
+          <a:p>
+            <a:pPr>
+              <a:lnSpc>
+                <a:spcPct val="80000"/>
+              </a:lnSpc>
+              <a:buFont typeface="Arial" charset="0"/>
+              <a:buNone/>
+            </a:pPr>
+            <a:r>
+              <a:rPr lang="en-US" sz="2400" dirty="0"/>
+              <a:t>	C[</a:t>
+            </a:r>
+            <a:r>
+              <a:rPr lang="en-US" sz="2400" dirty="0" err="1"/>
+              <a:t>i</a:t>
+            </a:r>
+            <a:r>
+              <a:rPr lang="en-US" sz="2400" dirty="0"/>
+              <a:t>]=0.0; </a:t>
+            </a:r>
+          </a:p>
+          <a:p>
+            <a:pPr>
+              <a:lnSpc>
+                <a:spcPct val="80000"/>
+              </a:lnSpc>
+              <a:buFont typeface="Arial" charset="0"/>
+              <a:buNone/>
+            </a:pPr>
+            <a:r>
+              <a:rPr lang="en-US" sz="2400" dirty="0"/>
+              <a:t>}</a:t>
+            </a:r>
+          </a:p>
+        </p:txBody>
+      </p:sp>
+      <p:sp>
+        <p:nvSpPr>
+          <p:cNvPr id="5" name="Rectangle 6">
+            <a:extLst>
+              <a:ext uri="{FF2B5EF4-FFF2-40B4-BE49-F238E27FC236}">
+                <a16:creationId xmlns:a16="http://schemas.microsoft.com/office/drawing/2014/main" id="{D73679F6-D49E-F412-2678-42F1118C0DB8}"/>
+              </a:ext>
+            </a:extLst>
+          </p:cNvPr>
           <p:cNvSpPr>
             <a:spLocks noGrp="1"/>
           </p:cNvSpPr>
@@ -28260,321 +24385,6 @@
               <a:t>CUDA Matrix Multiplication Example</a:t>
             </a:r>
             <a:endParaRPr lang="en-IN" sz="4000" dirty="0"/>
-          </a:p>
-        </p:txBody>
-      </p:sp>
-      <p:sp>
-        <p:nvSpPr>
-          <p:cNvPr id="30724" name="Rectangle 7"/>
-          <p:cNvSpPr>
-            <a:spLocks noGrp="1"/>
-          </p:cNvSpPr>
-          <p:nvPr>
-            <p:ph sz="quarter" idx="12"/>
-          </p:nvPr>
-        </p:nvSpPr>
-        <p:spPr>
-          <a:xfrm>
-            <a:off x="803564" y="1506565"/>
-            <a:ext cx="8091054" cy="5351435"/>
-          </a:xfrm>
-        </p:spPr>
-        <p:txBody>
-          <a:bodyPr>
-            <a:normAutofit fontScale="62500" lnSpcReduction="20000"/>
-          </a:bodyPr>
-          <a:lstStyle/>
-          <a:p>
-            <a:pPr>
-              <a:buFont typeface="Arial" charset="0"/>
-              <a:buNone/>
-            </a:pPr>
-            <a:r>
-              <a:rPr lang="en-US" sz="2800" dirty="0">
-                <a:solidFill>
-                  <a:srgbClr val="00B050"/>
-                </a:solidFill>
-              </a:rPr>
-              <a:t>//CUDA KERNEL</a:t>
-            </a:r>
-          </a:p>
-          <a:p>
-            <a:pPr>
-              <a:buFont typeface="Arial" charset="0"/>
-              <a:buNone/>
-            </a:pPr>
-            <a:r>
-              <a:rPr lang="en-US" sz="2800" dirty="0">
-                <a:solidFill>
-                  <a:srgbClr val="FF0000"/>
-                </a:solidFill>
-              </a:rPr>
-              <a:t>__global__ </a:t>
-            </a:r>
-            <a:r>
-              <a:rPr lang="en-US" sz="2800" dirty="0"/>
-              <a:t>void </a:t>
-            </a:r>
-            <a:r>
-              <a:rPr lang="en-US" sz="2800" dirty="0" err="1"/>
-              <a:t>mul</a:t>
-            </a:r>
-            <a:r>
-              <a:rPr lang="en-US" sz="2800" dirty="0"/>
-              <a:t> (float *A, float * B, float *C, int size) </a:t>
-            </a:r>
-          </a:p>
-          <a:p>
-            <a:pPr>
-              <a:buFont typeface="Arial" charset="0"/>
-              <a:buNone/>
-            </a:pPr>
-            <a:r>
-              <a:rPr lang="en-US" sz="2800" dirty="0"/>
-              <a:t>{ </a:t>
-            </a:r>
-          </a:p>
-          <a:p>
-            <a:pPr>
-              <a:buFont typeface="Arial" charset="0"/>
-              <a:buNone/>
-            </a:pPr>
-            <a:r>
-              <a:rPr lang="en-US" sz="2800" dirty="0"/>
-              <a:t>   </a:t>
-            </a:r>
-            <a:r>
-              <a:rPr lang="en-US" sz="2800" dirty="0">
-                <a:solidFill>
-                  <a:srgbClr val="FF0000"/>
-                </a:solidFill>
-              </a:rPr>
-              <a:t>int ROW = </a:t>
-            </a:r>
-            <a:r>
-              <a:rPr lang="en-US" sz="2800" dirty="0" err="1">
-                <a:solidFill>
-                  <a:srgbClr val="FF0000"/>
-                </a:solidFill>
-              </a:rPr>
-              <a:t>blockIdx.y</a:t>
-            </a:r>
-            <a:r>
-              <a:rPr lang="en-US" sz="2800" dirty="0">
-                <a:solidFill>
-                  <a:srgbClr val="FF0000"/>
-                </a:solidFill>
-              </a:rPr>
-              <a:t>*</a:t>
-            </a:r>
-            <a:r>
-              <a:rPr lang="en-US" sz="2800" dirty="0" err="1">
-                <a:solidFill>
-                  <a:srgbClr val="FF0000"/>
-                </a:solidFill>
-              </a:rPr>
-              <a:t>blockDim.y+threadIdx.y</a:t>
-            </a:r>
-            <a:r>
-              <a:rPr lang="en-US" sz="2800" dirty="0">
-                <a:solidFill>
-                  <a:srgbClr val="FF0000"/>
-                </a:solidFill>
-              </a:rPr>
-              <a:t>;</a:t>
-            </a:r>
-          </a:p>
-          <a:p>
-            <a:pPr>
-              <a:buFont typeface="Arial" charset="0"/>
-              <a:buNone/>
-            </a:pPr>
-            <a:r>
-              <a:rPr lang="en-US" sz="2800" dirty="0">
-                <a:solidFill>
-                  <a:srgbClr val="FF0000"/>
-                </a:solidFill>
-              </a:rPr>
-              <a:t>   int COL = </a:t>
-            </a:r>
-            <a:r>
-              <a:rPr lang="en-US" sz="2800" dirty="0" err="1">
-                <a:solidFill>
-                  <a:srgbClr val="FF0000"/>
-                </a:solidFill>
-              </a:rPr>
-              <a:t>blockIdx.x</a:t>
-            </a:r>
-            <a:r>
-              <a:rPr lang="en-US" sz="2800" dirty="0">
-                <a:solidFill>
-                  <a:srgbClr val="FF0000"/>
-                </a:solidFill>
-              </a:rPr>
-              <a:t>*</a:t>
-            </a:r>
-            <a:r>
-              <a:rPr lang="en-US" sz="2800" dirty="0" err="1">
-                <a:solidFill>
-                  <a:srgbClr val="FF0000"/>
-                </a:solidFill>
-              </a:rPr>
-              <a:t>blockDim.x+threadIdx.x</a:t>
-            </a:r>
-            <a:r>
-              <a:rPr lang="en-US" sz="2800" dirty="0">
-                <a:solidFill>
-                  <a:srgbClr val="FF0000"/>
-                </a:solidFill>
-              </a:rPr>
-              <a:t>;</a:t>
-            </a:r>
-          </a:p>
-          <a:p>
-            <a:pPr>
-              <a:buFont typeface="Arial" charset="0"/>
-              <a:buNone/>
-            </a:pPr>
-            <a:r>
-              <a:rPr lang="en-US" sz="2800" dirty="0"/>
-              <a:t>	 </a:t>
-            </a:r>
-            <a:r>
-              <a:rPr lang="en-US" sz="2800" dirty="0">
-                <a:solidFill>
-                  <a:srgbClr val="00B050"/>
-                </a:solidFill>
-              </a:rPr>
-              <a:t>// Calculate matrix multiplication of 1 row</a:t>
-            </a:r>
-          </a:p>
-          <a:p>
-            <a:pPr>
-              <a:buFont typeface="Arial" charset="0"/>
-              <a:buNone/>
-            </a:pPr>
-            <a:r>
-              <a:rPr lang="pt-BR" sz="2800" dirty="0">
-                <a:solidFill>
-                  <a:srgbClr val="00B050"/>
-                </a:solidFill>
-              </a:rPr>
-              <a:t>   </a:t>
-            </a:r>
-            <a:r>
-              <a:rPr lang="pt-BR" sz="2800" dirty="0"/>
-              <a:t>if (ROW &lt; size &amp;&amp; COL &lt; size) {</a:t>
-            </a:r>
-          </a:p>
-          <a:p>
-            <a:pPr>
-              <a:buFont typeface="Arial" charset="0"/>
-              <a:buNone/>
-            </a:pPr>
-            <a:r>
-              <a:rPr lang="en-US" sz="2800" dirty="0"/>
-              <a:t>     float sum=0.0;</a:t>
-            </a:r>
-          </a:p>
-          <a:p>
-            <a:pPr>
-              <a:buFont typeface="Arial" charset="0"/>
-              <a:buNone/>
-            </a:pPr>
-            <a:r>
-              <a:rPr lang="en-US" sz="2800" dirty="0"/>
-              <a:t>	 for (int </a:t>
-            </a:r>
-            <a:r>
-              <a:rPr lang="en-US" sz="2800" dirty="0" err="1"/>
-              <a:t>i</a:t>
-            </a:r>
-            <a:r>
-              <a:rPr lang="en-US" sz="2800" dirty="0"/>
-              <a:t> = 0; </a:t>
-            </a:r>
-            <a:r>
-              <a:rPr lang="en-US" sz="2800" dirty="0" err="1"/>
-              <a:t>i</a:t>
-            </a:r>
-            <a:r>
-              <a:rPr lang="en-US" sz="2800" dirty="0"/>
-              <a:t> &lt; size; </a:t>
-            </a:r>
-            <a:r>
-              <a:rPr lang="en-US" sz="2800" dirty="0" err="1"/>
-              <a:t>i</a:t>
-            </a:r>
-            <a:r>
-              <a:rPr lang="en-US" sz="2800" dirty="0"/>
-              <a:t>++) {</a:t>
-            </a:r>
-          </a:p>
-          <a:p>
-            <a:pPr>
-              <a:buFont typeface="Arial" charset="0"/>
-              <a:buNone/>
-            </a:pPr>
-            <a:r>
-              <a:rPr lang="en-US" sz="2800" dirty="0"/>
-              <a:t>            sum += A[ROW * size + </a:t>
-            </a:r>
-            <a:r>
-              <a:rPr lang="en-US" sz="2800" dirty="0" err="1"/>
-              <a:t>i</a:t>
-            </a:r>
-            <a:r>
-              <a:rPr lang="en-US" sz="2800" dirty="0"/>
-              <a:t>] * B[</a:t>
-            </a:r>
-            <a:r>
-              <a:rPr lang="en-US" sz="2800" dirty="0" err="1"/>
-              <a:t>i</a:t>
-            </a:r>
-            <a:r>
-              <a:rPr lang="en-US" sz="2800" dirty="0"/>
-              <a:t> * size + COL];</a:t>
-            </a:r>
-          </a:p>
-          <a:p>
-            <a:pPr>
-              <a:buFont typeface="Arial" charset="0"/>
-              <a:buNone/>
-            </a:pPr>
-            <a:r>
-              <a:rPr lang="en-US" sz="2800" dirty="0"/>
-              <a:t>        }</a:t>
-            </a:r>
-          </a:p>
-          <a:p>
-            <a:pPr>
-              <a:buFont typeface="Arial" charset="0"/>
-              <a:buNone/>
-            </a:pPr>
-            <a:r>
-              <a:rPr lang="en-US" sz="2800" dirty="0"/>
-              <a:t>      C[ROW * size + COL]=sum;</a:t>
-            </a:r>
-          </a:p>
-          <a:p>
-            <a:pPr>
-              <a:buFont typeface="Arial" charset="0"/>
-              <a:buNone/>
-            </a:pPr>
-            <a:r>
-              <a:rPr lang="en-US" sz="2800" dirty="0"/>
-              <a:t>  }</a:t>
-            </a:r>
-          </a:p>
-          <a:p>
-            <a:pPr>
-              <a:buFont typeface="Arial" charset="0"/>
-              <a:buNone/>
-            </a:pPr>
-            <a:r>
-              <a:rPr lang="en-US" sz="2800" dirty="0"/>
-              <a:t>}</a:t>
-            </a:r>
           </a:p>
         </p:txBody>
       </p:sp>
@@ -28669,154 +24479,58 @@
         </p:nvSpPr>
         <p:spPr>
           <a:xfrm>
-            <a:off x="1066985" y="1283855"/>
-            <a:ext cx="7356579" cy="4922982"/>
+            <a:off x="1101609" y="1506565"/>
+            <a:ext cx="6794615" cy="5272455"/>
           </a:xfrm>
         </p:spPr>
         <p:txBody>
           <a:bodyPr>
-            <a:noAutofit/>
+            <a:normAutofit fontScale="92500" lnSpcReduction="10000"/>
           </a:bodyPr>
           <a:lstStyle/>
           <a:p>
-            <a:pPr>
-              <a:lnSpc>
-                <a:spcPct val="80000"/>
-              </a:lnSpc>
-            </a:pPr>
             <a:r>
               <a:rPr lang="en-US" sz="2400" dirty="0">
                 <a:solidFill>
                   <a:srgbClr val="00B050"/>
                 </a:solidFill>
               </a:rPr>
-              <a:t>// Vectors Using Unified Memory</a:t>
-            </a:r>
-          </a:p>
-          <a:p>
-            <a:pPr>
-              <a:lnSpc>
-                <a:spcPct val="80000"/>
-              </a:lnSpc>
-            </a:pPr>
-            <a:r>
-              <a:rPr lang="en-US" sz="2400" dirty="0">
-                <a:solidFill>
-                  <a:srgbClr val="00B050"/>
-                </a:solidFill>
-              </a:rPr>
-              <a:t>// Create float pointers.</a:t>
-            </a:r>
-          </a:p>
-          <a:p>
-            <a:pPr>
-              <a:lnSpc>
-                <a:spcPct val="80000"/>
-              </a:lnSpc>
-            </a:pPr>
-            <a:r>
-              <a:rPr lang="en-US" sz="2400" dirty="0"/>
-              <a:t>float *A, *B, *C; </a:t>
-            </a:r>
-          </a:p>
-          <a:p>
-            <a:pPr>
-              <a:lnSpc>
-                <a:spcPct val="80000"/>
-              </a:lnSpc>
-            </a:pPr>
-            <a:r>
-              <a:rPr lang="en-US" sz="2400" dirty="0">
-                <a:solidFill>
-                  <a:srgbClr val="00B050"/>
-                </a:solidFill>
-              </a:rPr>
-              <a:t>// Calculate data size in no of bytes.</a:t>
-            </a:r>
-          </a:p>
-          <a:p>
-            <a:pPr>
-              <a:lnSpc>
-                <a:spcPct val="80000"/>
-              </a:lnSpc>
-            </a:pPr>
-            <a:r>
-              <a:rPr lang="en-US" sz="2400" dirty="0"/>
-              <a:t>int </a:t>
-            </a:r>
-            <a:r>
-              <a:rPr lang="en-US" sz="2400" dirty="0" err="1"/>
-              <a:t>iByteSize</a:t>
-            </a:r>
-            <a:r>
-              <a:rPr lang="en-US" sz="2400" dirty="0"/>
-              <a:t>= N * N *</a:t>
-            </a:r>
-            <a:r>
-              <a:rPr lang="en-US" sz="2400" dirty="0" err="1"/>
-              <a:t>sizeof</a:t>
-            </a:r>
-            <a:r>
-              <a:rPr lang="en-US" sz="2400" dirty="0"/>
-              <a:t>(float); </a:t>
-            </a:r>
-          </a:p>
-          <a:p>
-            <a:pPr>
-              <a:lnSpc>
-                <a:spcPct val="80000"/>
-              </a:lnSpc>
-            </a:pPr>
-            <a:r>
-              <a:rPr lang="en-US" sz="2400" dirty="0">
-                <a:solidFill>
-                  <a:srgbClr val="00B050"/>
-                </a:solidFill>
-              </a:rPr>
-              <a:t>// </a:t>
-            </a:r>
-            <a:r>
-              <a:rPr lang="en-IN" sz="2400" dirty="0">
-                <a:solidFill>
-                  <a:srgbClr val="00B050"/>
-                </a:solidFill>
-              </a:rPr>
-              <a:t>Allocate Unified Memory </a:t>
-            </a:r>
-          </a:p>
-          <a:p>
-            <a:pPr>
-              <a:lnSpc>
-                <a:spcPct val="80000"/>
-              </a:lnSpc>
-            </a:pPr>
-            <a:r>
-              <a:rPr lang="en-IN" sz="2400" dirty="0">
-                <a:solidFill>
-                  <a:srgbClr val="00B050"/>
-                </a:solidFill>
-              </a:rPr>
-              <a:t>// Accessible from CPU or GPU.</a:t>
-            </a:r>
-            <a:endParaRPr lang="en-US" sz="2400" dirty="0">
+              <a:t>// Execution Configuration Syntax</a:t>
+            </a:r>
+            <a:endParaRPr lang="en-US" sz="2200" dirty="0">
               <a:solidFill>
                 <a:srgbClr val="00B050"/>
               </a:solidFill>
             </a:endParaRPr>
           </a:p>
           <a:p>
-            <a:pPr>
-              <a:lnSpc>
-                <a:spcPct val="80000"/>
-              </a:lnSpc>
-            </a:pPr>
-            <a:r>
-              <a:rPr lang="en-US" sz="2400" dirty="0" err="1">
+            <a:r>
+              <a:rPr lang="en-US" sz="2200" dirty="0">
+                <a:solidFill>
+                  <a:srgbClr val="00B050"/>
+                </a:solidFill>
+              </a:rPr>
+              <a:t>//N=40, BLOCK_SIZE=10</a:t>
+            </a:r>
+          </a:p>
+          <a:p>
+            <a:r>
+              <a:rPr lang="en-US" sz="2200" dirty="0">
+                <a:solidFill>
+                  <a:srgbClr val="00B050"/>
+                </a:solidFill>
+              </a:rPr>
+              <a:t>// Define a logical block size.</a:t>
+            </a:r>
+          </a:p>
+          <a:p>
+            <a:r>
+              <a:rPr lang="en-US" sz="2200" dirty="0">
                 <a:solidFill>
                   <a:srgbClr val="FF0000"/>
                 </a:solidFill>
               </a:rPr>
-              <a:t>cudaMallocManaged</a:t>
+              <a:t>dim3 Block(BLOCK_SIZE,</a:t>
             </a:r>
             <a:r>
               <a:rPr lang="en-US" sz="2400" dirty="0">
@@ -28824,107 +24538,155 @@
                   <a:srgbClr val="FF0000"/>
                 </a:solidFill>
               </a:rPr>
-              <a:t>(&amp;A, </a:t>
-            </a:r>
-            <a:r>
-              <a:rPr lang="en-US" sz="2400" dirty="0" err="1">
+              <a:t> BLOCK_SIZE</a:t>
+            </a:r>
+            <a:r>
+              <a:rPr lang="en-US" sz="2200" dirty="0">
                 <a:solidFill>
                   <a:srgbClr val="FF0000"/>
                 </a:solidFill>
               </a:rPr>
-              <a:t>iByteSize</a:t>
-            </a:r>
-            <a:r>
-              <a:rPr lang="en-US" sz="2400" dirty="0">
+              <a:t>); </a:t>
+            </a:r>
+          </a:p>
+          <a:p>
+            <a:r>
+              <a:rPr lang="en-US" sz="2200" dirty="0">
+                <a:solidFill>
+                  <a:srgbClr val="00B050"/>
+                </a:solidFill>
+              </a:rPr>
+              <a:t>// Define a logical grid size.</a:t>
+            </a:r>
+          </a:p>
+          <a:p>
+            <a:r>
+              <a:rPr lang="en-US" sz="2200" dirty="0">
                 <a:solidFill>
                   <a:srgbClr val="FF0000"/>
                 </a:solidFill>
               </a:rPr>
+              <a:t>dim3 Grid(</a:t>
+            </a:r>
+            <a:r>
+              <a:rPr lang="en-GB" sz="2200" dirty="0">
+                <a:solidFill>
+                  <a:srgbClr val="FF0000"/>
+                </a:solidFill>
+              </a:rPr>
+              <a:t>ceil(N/</a:t>
+            </a:r>
+            <a:r>
+              <a:rPr lang="en-US" sz="2200" dirty="0">
+                <a:solidFill>
+                  <a:srgbClr val="FF0000"/>
+                </a:solidFill>
+              </a:rPr>
+              <a:t>BLOCK_SIZE</a:t>
+            </a:r>
+            <a:r>
+              <a:rPr lang="en-GB" sz="2200" dirty="0">
+                <a:solidFill>
+                  <a:srgbClr val="FF0000"/>
+                </a:solidFill>
+              </a:rPr>
+              <a:t>), ceil(N/</a:t>
+            </a:r>
+            <a:r>
+              <a:rPr lang="en-US" sz="2200" dirty="0">
+                <a:solidFill>
+                  <a:srgbClr val="FF0000"/>
+                </a:solidFill>
+              </a:rPr>
+              <a:t>BLOCK_SIZE)</a:t>
+            </a:r>
+            <a:r>
+              <a:rPr lang="en-GB" sz="2200" dirty="0">
+                <a:solidFill>
+                  <a:srgbClr val="FF0000"/>
+                </a:solidFill>
+              </a:rPr>
               <a:t>);</a:t>
             </a:r>
-          </a:p>
-          <a:p>
-            <a:pPr>
-              <a:lnSpc>
-                <a:spcPct val="80000"/>
-              </a:lnSpc>
-            </a:pPr>
-            <a:r>
-              <a:rPr lang="en-US" sz="2400" dirty="0" err="1">
-                <a:solidFill>
-                  <a:srgbClr val="FF0000"/>
-                </a:solidFill>
-              </a:rPr>
-              <a:t>cudaMallocManaged</a:t>
-            </a:r>
-            <a:r>
-              <a:rPr lang="en-US" sz="2400" dirty="0">
-                <a:solidFill>
-                  <a:srgbClr val="FF0000"/>
-                </a:solidFill>
-              </a:rPr>
-              <a:t>(&amp;B, </a:t>
-            </a:r>
-            <a:r>
-              <a:rPr lang="en-US" sz="2400" dirty="0" err="1">
-                <a:solidFill>
-                  <a:srgbClr val="FF0000"/>
-                </a:solidFill>
-              </a:rPr>
-              <a:t>iByteSize</a:t>
-            </a:r>
-            <a:r>
-              <a:rPr lang="en-US" sz="2400" dirty="0">
-                <a:solidFill>
-                  <a:srgbClr val="FF0000"/>
-                </a:solidFill>
-              </a:rPr>
-              <a:t>);</a:t>
-            </a:r>
-          </a:p>
-          <a:p>
-            <a:pPr>
-              <a:lnSpc>
-                <a:spcPct val="80000"/>
-              </a:lnSpc>
-            </a:pPr>
-            <a:r>
-              <a:rPr lang="en-US" sz="2400" dirty="0" err="1">
-                <a:solidFill>
-                  <a:srgbClr val="FF0000"/>
-                </a:solidFill>
-              </a:rPr>
-              <a:t>cudaMallocManaged</a:t>
-            </a:r>
-            <a:r>
-              <a:rPr lang="en-US" sz="2400" dirty="0">
-                <a:solidFill>
-                  <a:srgbClr val="FF0000"/>
-                </a:solidFill>
-              </a:rPr>
-              <a:t>(&amp;C, </a:t>
-            </a:r>
-            <a:r>
-              <a:rPr lang="en-US" sz="2400" dirty="0" err="1">
-                <a:solidFill>
-                  <a:srgbClr val="FF0000"/>
-                </a:solidFill>
-              </a:rPr>
-              <a:t>iByteSize</a:t>
-            </a:r>
-            <a:r>
-              <a:rPr lang="en-US" sz="2400" dirty="0">
-                <a:solidFill>
-                  <a:srgbClr val="FF0000"/>
-                </a:solidFill>
-              </a:rPr>
-              <a:t>);</a:t>
-            </a:r>
-            <a:endParaRPr lang="en-US" sz="1800" dirty="0">
+            <a:endParaRPr lang="en-US" sz="2200" dirty="0">
               <a:solidFill>
                 <a:srgbClr val="FF0000"/>
               </a:solidFill>
             </a:endParaRPr>
+          </a:p>
+          <a:p>
+            <a:r>
+              <a:rPr lang="en-US" sz="2200" dirty="0">
+                <a:solidFill>
+                  <a:srgbClr val="00B050"/>
+                </a:solidFill>
+              </a:rPr>
+              <a:t>// Launch CUDA kernel.</a:t>
+            </a:r>
+          </a:p>
+          <a:p>
+            <a:r>
+              <a:rPr lang="en-US" sz="2200" dirty="0" err="1">
+                <a:solidFill>
+                  <a:srgbClr val="FF0000"/>
+                </a:solidFill>
+              </a:rPr>
+              <a:t>mul</a:t>
+            </a:r>
+            <a:r>
+              <a:rPr lang="en-US" sz="2200" dirty="0">
+                <a:solidFill>
+                  <a:srgbClr val="FF0000"/>
+                </a:solidFill>
+              </a:rPr>
+              <a:t>&lt;&lt;&lt;</a:t>
+            </a:r>
+            <a:r>
+              <a:rPr lang="en-US" sz="2200" dirty="0" err="1">
+                <a:solidFill>
+                  <a:srgbClr val="FF0000"/>
+                </a:solidFill>
+              </a:rPr>
+              <a:t>Grid,Block</a:t>
+            </a:r>
+            <a:r>
+              <a:rPr lang="en-US" sz="2200" dirty="0">
+                <a:solidFill>
+                  <a:srgbClr val="FF0000"/>
+                </a:solidFill>
+              </a:rPr>
+              <a:t>&gt;&gt;&gt;(A, B, C, </a:t>
+            </a:r>
+            <a:r>
+              <a:rPr lang="en-US" sz="2400" dirty="0">
+                <a:solidFill>
+                  <a:srgbClr val="FF0000"/>
+                </a:solidFill>
+              </a:rPr>
+              <a:t>N</a:t>
+            </a:r>
+            <a:r>
+              <a:rPr lang="en-US" sz="2200" dirty="0">
+                <a:solidFill>
+                  <a:srgbClr val="FF0000"/>
+                </a:solidFill>
+              </a:rPr>
+              <a:t>); </a:t>
+            </a:r>
+          </a:p>
+          <a:p>
+            <a:r>
+              <a:rPr lang="en-US" dirty="0"/>
+              <a:t>	</a:t>
+            </a:r>
+          </a:p>
+          <a:p>
+            <a:endParaRPr lang="en-US" dirty="0">
+              <a:latin typeface="Times New Roman" pitchFamily="18" charset="0"/>
+            </a:endParaRPr>
+          </a:p>
+          <a:p>
+            <a:endParaRPr lang="en-US" dirty="0"/>
           </a:p>
         </p:txBody>
       </p:sp>
@@ -28933,7 +24695,7 @@
           <p:cNvPr id="2" name="Rectangle 6">
             <a:extLst>
               <a:ext uri="{FF2B5EF4-FFF2-40B4-BE49-F238E27FC236}">
-                <a16:creationId xmlns:a16="http://schemas.microsoft.com/office/drawing/2014/main" id="{B7BDC160-76BF-042F-AF96-3C5060692007}"/>
+                <a16:creationId xmlns:a16="http://schemas.microsoft.com/office/drawing/2014/main" id="{1033147A-BFEE-4E2B-8CDC-85A179754FEC}"/>
               </a:ext>
             </a:extLst>
           </p:cNvPr>
@@ -29064,7 +24826,7 @@
       </p:sp>
       <p:sp>
         <p:nvSpPr>
-          <p:cNvPr id="32772" name="Rectangle 7"/>
+          <p:cNvPr id="5" name="Content Placeholder 4"/>
           <p:cNvSpPr>
             <a:spLocks noGrp="1"/>
           </p:cNvSpPr>
@@ -29074,130 +24836,115 @@
         </p:nvSpPr>
         <p:spPr>
           <a:xfrm>
-            <a:off x="1087615" y="2108723"/>
-            <a:ext cx="7917840" cy="4119463"/>
+            <a:off x="1101610" y="1671783"/>
+            <a:ext cx="7543626" cy="5033818"/>
           </a:xfrm>
         </p:spPr>
         <p:txBody>
           <a:bodyPr>
-            <a:normAutofit/>
+            <a:normAutofit fontScale="92500" lnSpcReduction="20000"/>
           </a:bodyPr>
           <a:lstStyle/>
           <a:p>
             <a:pPr>
-              <a:lnSpc>
-                <a:spcPct val="80000"/>
-              </a:lnSpc>
+              <a:spcBef>
+                <a:spcPts val="300"/>
+              </a:spcBef>
+              <a:spcAft>
+                <a:spcPts val="0"/>
+              </a:spcAft>
               <a:buFont typeface="Arial" charset="0"/>
               <a:buNone/>
             </a:pPr>
             <a:r>
-              <a:rPr lang="en-US" sz="2400" dirty="0">
+              <a:rPr lang="en-IN" sz="2400" dirty="0">
                 <a:solidFill>
                   <a:srgbClr val="00B050"/>
                 </a:solidFill>
               </a:rPr>
-              <a:t>// Initialize Vectors</a:t>
-            </a:r>
+              <a:t>// Wait for GPU to finish before accessing on host.</a:t>
+            </a:r>
+            <a:endParaRPr lang="en-US" sz="2400" dirty="0">
+              <a:solidFill>
+                <a:srgbClr val="00B050"/>
+              </a:solidFill>
+            </a:endParaRPr>
           </a:p>
           <a:p>
             <a:pPr>
-              <a:lnSpc>
-                <a:spcPct val="80000"/>
-              </a:lnSpc>
+              <a:spcBef>
+                <a:spcPts val="300"/>
+              </a:spcBef>
+              <a:spcAft>
+                <a:spcPts val="0"/>
+              </a:spcAft>
               <a:buFont typeface="Arial" charset="0"/>
               <a:buNone/>
             </a:pPr>
             <a:r>
-              <a:rPr lang="en-US" sz="2400" dirty="0"/>
-              <a:t>for(int </a:t>
-            </a:r>
-            <a:r>
-              <a:rPr lang="en-US" sz="2400" dirty="0" err="1"/>
-              <a:t>i</a:t>
-            </a:r>
-            <a:r>
-              <a:rPr lang="en-US" sz="2400" dirty="0"/>
-              <a:t>=0; </a:t>
-            </a:r>
-            <a:r>
-              <a:rPr lang="en-US" sz="2400" dirty="0" err="1"/>
-              <a:t>i</a:t>
-            </a:r>
-            <a:r>
-              <a:rPr lang="en-US" sz="2400" dirty="0"/>
-              <a:t> &lt; N </a:t>
-            </a:r>
-            <a:r>
-              <a:rPr lang="en-US" sz="2400" b="1" dirty="0"/>
-              <a:t>*</a:t>
-            </a:r>
-            <a:r>
-              <a:rPr lang="en-US" sz="2400" dirty="0"/>
-              <a:t> N</a:t>
-            </a:r>
-            <a:r>
-              <a:rPr lang="en-US" sz="2400" b="1" dirty="0"/>
-              <a:t>;</a:t>
-            </a:r>
-            <a:r>
-              <a:rPr lang="en-US" sz="2400" dirty="0"/>
-              <a:t> </a:t>
-            </a:r>
-            <a:r>
-              <a:rPr lang="en-US" sz="2400" dirty="0" err="1"/>
-              <a:t>i</a:t>
-            </a:r>
-            <a:r>
-              <a:rPr lang="en-US" sz="2400" dirty="0"/>
-              <a:t>++)</a:t>
+              <a:rPr lang="en-US" sz="2400" dirty="0" err="1">
+                <a:solidFill>
+                  <a:srgbClr val="FF0000"/>
+                </a:solidFill>
+              </a:rPr>
+              <a:t>cudaDeviceSynchronize</a:t>
+            </a:r>
+            <a:r>
+              <a:rPr lang="en-US" sz="2400" dirty="0">
+                <a:solidFill>
+                  <a:srgbClr val="FF0000"/>
+                </a:solidFill>
+              </a:rPr>
+              <a:t>();</a:t>
             </a:r>
           </a:p>
           <a:p>
             <a:pPr>
-              <a:lnSpc>
-                <a:spcPct val="80000"/>
-              </a:lnSpc>
+              <a:spcBef>
+                <a:spcPts val="300"/>
+              </a:spcBef>
+              <a:spcAft>
+                <a:spcPts val="0"/>
+              </a:spcAft>
               <a:buFont typeface="Arial" charset="0"/>
               <a:buNone/>
             </a:pPr>
-            <a:r>
-              <a:rPr lang="en-US" sz="2400" dirty="0"/>
-              <a:t> { </a:t>
-            </a:r>
+            <a:endParaRPr lang="en-US" sz="2400" dirty="0"/>
           </a:p>
           <a:p>
             <a:pPr>
-              <a:lnSpc>
-                <a:spcPct val="80000"/>
-              </a:lnSpc>
+              <a:spcBef>
+                <a:spcPts val="300"/>
+              </a:spcBef>
+              <a:spcAft>
+                <a:spcPts val="0"/>
+              </a:spcAft>
               <a:buFont typeface="Arial" charset="0"/>
               <a:buNone/>
             </a:pPr>
             <a:r>
-              <a:rPr lang="en-US" sz="2400" dirty="0"/>
-              <a:t>	</a:t>
-            </a:r>
-            <a:r>
               <a:rPr lang="en-US" sz="2400" dirty="0">
                 <a:solidFill>
                   <a:srgbClr val="00B050"/>
                 </a:solidFill>
               </a:rPr>
-              <a:t>// Initialize vectors. </a:t>
+              <a:t>//Print Results</a:t>
             </a:r>
           </a:p>
           <a:p>
             <a:pPr>
-              <a:lnSpc>
-                <a:spcPct val="80000"/>
-              </a:lnSpc>
+              <a:spcBef>
+                <a:spcPts val="300"/>
+              </a:spcBef>
+              <a:spcAft>
+                <a:spcPts val="0"/>
+              </a:spcAft>
               <a:buFont typeface="Arial" charset="0"/>
               <a:buNone/>
             </a:pPr>
             <a:r>
               <a:rPr lang="en-US" sz="2400" dirty="0"/>
-              <a:t>	A[</a:t>
+              <a:t>for (long </a:t>
             </a:r>
             <a:r>
               <a:rPr lang="en-US" sz="2400" dirty="0" err="1"/>
@@ -29205,41 +24952,71 @@
             </a:r>
             <a:r>
               <a:rPr lang="en-US" sz="2400" dirty="0"/>
-              <a:t>] = (float) rand() / (float) rand(); </a:t>
+              <a:t> = 0; </a:t>
+            </a:r>
+            <a:r>
+              <a:rPr lang="en-US" sz="2400" dirty="0" err="1"/>
+              <a:t>i</a:t>
+            </a:r>
+            <a:r>
+              <a:rPr lang="en-US" sz="2400" dirty="0"/>
+              <a:t> &lt; N; </a:t>
+            </a:r>
+            <a:r>
+              <a:rPr lang="en-US" sz="2400" dirty="0" err="1"/>
+              <a:t>i</a:t>
+            </a:r>
+            <a:r>
+              <a:rPr lang="en-US" sz="2400" dirty="0"/>
+              <a:t>++) {</a:t>
             </a:r>
           </a:p>
           <a:p>
             <a:pPr>
-              <a:lnSpc>
-                <a:spcPct val="80000"/>
-              </a:lnSpc>
+              <a:spcBef>
+                <a:spcPts val="300"/>
+              </a:spcBef>
+              <a:spcAft>
+                <a:spcPts val="0"/>
+              </a:spcAft>
               <a:buFont typeface="Arial" charset="0"/>
               <a:buNone/>
             </a:pPr>
             <a:r>
               <a:rPr lang="en-US" sz="2400" dirty="0"/>
-              <a:t>	B[</a:t>
+              <a:t>     for (long j = 0; j &lt; N; </a:t>
             </a:r>
             <a:r>
               <a:rPr lang="en-US" sz="2400" dirty="0" err="1"/>
-              <a:t>i</a:t>
+              <a:t>j++</a:t>
             </a:r>
             <a:r>
               <a:rPr lang="en-US" sz="2400" dirty="0"/>
-              <a:t>] = (float) rand() / (float) rand(); </a:t>
+              <a:t>) {</a:t>
             </a:r>
           </a:p>
           <a:p>
             <a:pPr>
-              <a:lnSpc>
-                <a:spcPct val="80000"/>
-              </a:lnSpc>
+              <a:spcBef>
+                <a:spcPts val="300"/>
+              </a:spcBef>
+              <a:spcAft>
+                <a:spcPts val="0"/>
+              </a:spcAft>
               <a:buFont typeface="Arial" charset="0"/>
               <a:buNone/>
             </a:pPr>
             <a:r>
               <a:rPr lang="en-US" sz="2400" dirty="0"/>
-              <a:t>	C[</a:t>
+              <a:t>             </a:t>
+            </a:r>
+            <a:r>
+              <a:rPr lang="en-US" sz="2400" dirty="0" err="1"/>
+              <a:t>printf</a:t>
+            </a:r>
+            <a:r>
+              <a:rPr lang="en-US" sz="2400" dirty="0"/>
+              <a:t>("%f   ", C[</a:t>
             </a:r>
             <a:r>
               <a:rPr lang="en-US" sz="2400" dirty="0" err="1"/>
@@ -29247,30 +25024,182 @@
             </a:r>
             <a:r>
               <a:rPr lang="en-US" sz="2400" dirty="0"/>
-              <a:t>]=0.0; </a:t>
+              <a:t> * N + j]);</a:t>
             </a:r>
           </a:p>
           <a:p>
             <a:pPr>
-              <a:lnSpc>
-                <a:spcPct val="80000"/>
-              </a:lnSpc>
+              <a:spcBef>
+                <a:spcPts val="300"/>
+              </a:spcBef>
+              <a:spcAft>
+                <a:spcPts val="0"/>
+              </a:spcAft>
               <a:buFont typeface="Arial" charset="0"/>
               <a:buNone/>
             </a:pPr>
             <a:r>
               <a:rPr lang="en-US" sz="2400" dirty="0"/>
-              <a:t>}</a:t>
+              <a:t>         }</a:t>
+            </a:r>
+          </a:p>
+          <a:p>
+            <a:pPr>
+              <a:spcBef>
+                <a:spcPts val="300"/>
+              </a:spcBef>
+              <a:spcAft>
+                <a:spcPts val="0"/>
+              </a:spcAft>
+              <a:buFont typeface="Arial" charset="0"/>
+              <a:buNone/>
+            </a:pPr>
+            <a:r>
+              <a:rPr lang="en-US" sz="2400" dirty="0"/>
+              <a:t>         </a:t>
+            </a:r>
+            <a:r>
+              <a:rPr lang="en-US" sz="2400" dirty="0" err="1"/>
+              <a:t>printf</a:t>
+            </a:r>
+            <a:r>
+              <a:rPr lang="en-US" sz="2400" dirty="0"/>
+              <a:t>("\n");</a:t>
+            </a:r>
+          </a:p>
+          <a:p>
+            <a:pPr>
+              <a:spcBef>
+                <a:spcPts val="300"/>
+              </a:spcBef>
+              <a:spcAft>
+                <a:spcPts val="0"/>
+              </a:spcAft>
+              <a:buFont typeface="Arial" charset="0"/>
+              <a:buNone/>
+            </a:pPr>
+            <a:r>
+              <a:rPr lang="en-US" sz="2400" dirty="0"/>
+              <a:t>     }</a:t>
+            </a:r>
+          </a:p>
+          <a:p>
+            <a:pPr>
+              <a:spcBef>
+                <a:spcPts val="300"/>
+              </a:spcBef>
+              <a:spcAft>
+                <a:spcPts val="0"/>
+              </a:spcAft>
+              <a:buFont typeface="Arial" charset="0"/>
+              <a:buNone/>
+            </a:pPr>
+            <a:endParaRPr lang="en-US" sz="2400" dirty="0"/>
+          </a:p>
+          <a:p>
+            <a:pPr>
+              <a:spcBef>
+                <a:spcPts val="300"/>
+              </a:spcBef>
+              <a:spcAft>
+                <a:spcPts val="0"/>
+              </a:spcAft>
+            </a:pPr>
+            <a:r>
+              <a:rPr lang="en-US" sz="2400" dirty="0">
+                <a:solidFill>
+                  <a:srgbClr val="00B050"/>
+                </a:solidFill>
+              </a:rPr>
+              <a:t>// Free memory.</a:t>
+            </a:r>
+          </a:p>
+          <a:p>
+            <a:pPr>
+              <a:spcBef>
+                <a:spcPts val="300"/>
+              </a:spcBef>
+              <a:spcAft>
+                <a:spcPts val="0"/>
+              </a:spcAft>
+            </a:pPr>
+            <a:r>
+              <a:rPr lang="en-US" sz="2400" dirty="0" err="1">
+                <a:solidFill>
+                  <a:srgbClr val="FF0000"/>
+                </a:solidFill>
+              </a:rPr>
+              <a:t>cudaFree</a:t>
+            </a:r>
+            <a:r>
+              <a:rPr lang="en-US" sz="2400" dirty="0">
+                <a:solidFill>
+                  <a:srgbClr val="FF0000"/>
+                </a:solidFill>
+              </a:rPr>
+              <a:t>(A); </a:t>
+            </a:r>
+          </a:p>
+          <a:p>
+            <a:pPr>
+              <a:spcBef>
+                <a:spcPts val="300"/>
+              </a:spcBef>
+              <a:spcAft>
+                <a:spcPts val="0"/>
+              </a:spcAft>
+            </a:pPr>
+            <a:r>
+              <a:rPr lang="en-US" sz="2400" dirty="0" err="1">
+                <a:solidFill>
+                  <a:srgbClr val="FF0000"/>
+                </a:solidFill>
+              </a:rPr>
+              <a:t>cudaFree</a:t>
+            </a:r>
+            <a:r>
+              <a:rPr lang="en-US" sz="2400" dirty="0">
+                <a:solidFill>
+                  <a:srgbClr val="FF0000"/>
+                </a:solidFill>
+              </a:rPr>
+              <a:t>(B); </a:t>
+            </a:r>
+          </a:p>
+          <a:p>
+            <a:pPr>
+              <a:spcBef>
+                <a:spcPts val="300"/>
+              </a:spcBef>
+              <a:spcAft>
+                <a:spcPts val="0"/>
+              </a:spcAft>
+            </a:pPr>
+            <a:r>
+              <a:rPr lang="en-US" sz="2400" dirty="0" err="1">
+                <a:solidFill>
+                  <a:srgbClr val="FF0000"/>
+                </a:solidFill>
+              </a:rPr>
+              <a:t>cudaFree</a:t>
+            </a:r>
+            <a:r>
+              <a:rPr lang="en-US" sz="2400" dirty="0">
+                <a:solidFill>
+                  <a:srgbClr val="FF0000"/>
+                </a:solidFill>
+              </a:rPr>
+              <a:t>(C);</a:t>
             </a:r>
           </a:p>
         </p:txBody>
       </p:sp>
       <p:sp>
         <p:nvSpPr>
-          <p:cNvPr id="5" name="Rectangle 6">
+          <p:cNvPr id="6" name="Rectangle 6">
             <a:extLst>
               <a:ext uri="{FF2B5EF4-FFF2-40B4-BE49-F238E27FC236}">
-                <a16:creationId xmlns:a16="http://schemas.microsoft.com/office/drawing/2014/main" id="{D73679F6-D49E-F412-2678-42F1118C0DB8}"/>
+                <a16:creationId xmlns:a16="http://schemas.microsoft.com/office/drawing/2014/main" id="{5ED83455-2520-B406-50CF-7CF6100D200B}"/>
               </a:ext>
             </a:extLst>
           </p:cNvPr>
@@ -29326,333 +25255,50 @@
       </p:grpSpPr>
       <p:sp>
         <p:nvSpPr>
-          <p:cNvPr id="4" name="Rectangle 3"/>
+          <p:cNvPr id="36866" name="Title 1"/>
           <p:cNvSpPr>
-            <a:spLocks noChangeArrowheads="1"/>
+            <a:spLocks noGrp="1"/>
           </p:cNvSpPr>
-          <p:nvPr/>
+          <p:nvPr>
+            <p:ph type="title"/>
+          </p:nvPr>
         </p:nvSpPr>
-        <p:spPr bwMode="auto">
-          <a:xfrm>
-            <a:off x="0" y="0"/>
-            <a:ext cx="9144000" cy="858838"/>
-          </a:xfrm>
-          <a:prstGeom prst="rect">
-            <a:avLst/>
-          </a:prstGeom>
-          <a:noFill/>
-          <a:ln w="9525" algn="ctr">
-            <a:noFill/>
-            <a:miter lim="800000"/>
-            <a:headEnd/>
-            <a:tailEnd/>
-          </a:ln>
-          <a:effectLst>
-            <a:outerShdw dist="20000" dir="5400000" rotWithShape="0">
-              <a:srgbClr val="000000">
-                <a:alpha val="37999"/>
-              </a:srgbClr>
-            </a:outerShdw>
-          </a:effectLst>
-        </p:spPr>
+        <p:spPr/>
         <p:txBody>
-          <a:bodyPr anchor="ctr"/>
+          <a:bodyPr/>
           <a:lstStyle/>
           <a:p>
-            <a:pPr algn="ctr" fontAlgn="auto">
-              <a:spcBef>
-                <a:spcPts val="0"/>
-              </a:spcBef>
-              <a:spcAft>
-                <a:spcPts val="0"/>
-              </a:spcAft>
-              <a:defRPr/>
-            </a:pPr>
-            <a:endParaRPr lang="en-US">
-              <a:solidFill>
-                <a:schemeClr val="dk1"/>
-              </a:solidFill>
-              <a:latin typeface="+mn-lt"/>
-              <a:cs typeface="+mn-cs"/>
-            </a:endParaRPr>
+            <a:r>
+              <a:rPr lang="en-US" b="1" dirty="0"/>
+              <a:t>Questions?</a:t>
+            </a:r>
           </a:p>
         </p:txBody>
       </p:sp>
       <p:sp>
         <p:nvSpPr>
-          <p:cNvPr id="5" name="Content Placeholder 4"/>
+          <p:cNvPr id="3" name="Subtitle 2"/>
           <p:cNvSpPr>
             <a:spLocks noGrp="1"/>
           </p:cNvSpPr>
           <p:nvPr>
-            <p:ph sz="quarter" idx="12"/>
+            <p:ph sz="quarter" idx="10"/>
           </p:nvPr>
         </p:nvSpPr>
-        <p:spPr>
-          <a:xfrm>
-            <a:off x="1101609" y="1506565"/>
-            <a:ext cx="6794615" cy="5272455"/>
-          </a:xfrm>
-        </p:spPr>
+        <p:spPr/>
         <p:txBody>
           <a:bodyPr>
-            <a:normAutofit fontScale="92500" lnSpcReduction="10000"/>
+            <a:normAutofit/>
           </a:bodyPr>
           <a:lstStyle/>
           <a:p>
-            <a:r>
-              <a:rPr lang="en-US" sz="2400" dirty="0">
-                <a:solidFill>
-                  <a:srgbClr val="00B050"/>
-                </a:solidFill>
-              </a:rPr>
-              <a:t>// Execution Configuration Syntax</a:t>
-            </a:r>
-            <a:endParaRPr lang="en-US" sz="2200" dirty="0">
-              <a:solidFill>
-                <a:srgbClr val="00B050"/>
-              </a:solidFill>
-            </a:endParaRPr>
-          </a:p>
-          <a:p>
-            <a:r>
-              <a:rPr lang="en-US" sz="2200" dirty="0">
-                <a:solidFill>
-                  <a:srgbClr val="00B050"/>
-                </a:solidFill>
-              </a:rPr>
-              <a:t>//N=40, BLOCK_SIZE=10</a:t>
-            </a:r>
-          </a:p>
-          <a:p>
-            <a:r>
-              <a:rPr lang="en-US" sz="2200" dirty="0">
-                <a:solidFill>
-                  <a:srgbClr val="00B050"/>
-                </a:solidFill>
-              </a:rPr>
-              <a:t>// Define a logical block size.</a:t>
-            </a:r>
-          </a:p>
-          <a:p>
-            <a:r>
-              <a:rPr lang="en-US" sz="2200" dirty="0">
-                <a:solidFill>
-                  <a:srgbClr val="FF0000"/>
-                </a:solidFill>
-              </a:rPr>
-              <a:t>dim3 Block(BLOCK_SIZE,</a:t>
-            </a:r>
-            <a:r>
-              <a:rPr lang="en-US" sz="2400" dirty="0">
-                <a:solidFill>
-                  <a:srgbClr val="FF0000"/>
-                </a:solidFill>
-              </a:rPr>
-              <a:t> BLOCK_SIZE</a:t>
-            </a:r>
-            <a:r>
-              <a:rPr lang="en-US" sz="2200" dirty="0">
-                <a:solidFill>
-                  <a:srgbClr val="FF0000"/>
-                </a:solidFill>
-              </a:rPr>
-              <a:t>); </a:t>
-            </a:r>
-          </a:p>
-          <a:p>
-            <a:r>
-              <a:rPr lang="en-US" sz="2200" dirty="0">
-                <a:solidFill>
-                  <a:srgbClr val="00B050"/>
-                </a:solidFill>
-              </a:rPr>
-              <a:t>// Define a logical grid size.</a:t>
-            </a:r>
-          </a:p>
-          <a:p>
-            <a:r>
-              <a:rPr lang="en-US" sz="2200" dirty="0">
-                <a:solidFill>
-                  <a:srgbClr val="FF0000"/>
-                </a:solidFill>
-              </a:rPr>
-              <a:t>dim3 Grid(</a:t>
-            </a:r>
-            <a:r>
-              <a:rPr lang="en-GB" sz="2200" dirty="0">
-                <a:solidFill>
-                  <a:srgbClr val="FF0000"/>
-                </a:solidFill>
-              </a:rPr>
-              <a:t>ceil(N/</a:t>
-            </a:r>
-            <a:r>
-              <a:rPr lang="en-US" sz="2200" dirty="0">
-                <a:solidFill>
-                  <a:srgbClr val="FF0000"/>
-                </a:solidFill>
-              </a:rPr>
-              <a:t>BLOCK_SIZE</a:t>
-            </a:r>
-            <a:r>
-              <a:rPr lang="en-GB" sz="2200" dirty="0">
-                <a:solidFill>
-                  <a:srgbClr val="FF0000"/>
-                </a:solidFill>
-              </a:rPr>
-              <a:t>), ceil(N/</a:t>
-            </a:r>
-            <a:r>
-              <a:rPr lang="en-US" sz="2200" dirty="0">
-                <a:solidFill>
-                  <a:srgbClr val="FF0000"/>
-                </a:solidFill>
-              </a:rPr>
-              <a:t>BLOCK_SIZE)</a:t>
-            </a:r>
-            <a:r>
-              <a:rPr lang="en-GB" sz="2200" dirty="0">
-                <a:solidFill>
-                  <a:srgbClr val="FF0000"/>
-                </a:solidFill>
-              </a:rPr>
-              <a:t>);</a:t>
-            </a:r>
-            <a:endParaRPr lang="en-US" sz="2200" dirty="0">
-              <a:solidFill>
-                <a:srgbClr val="FF0000"/>
-              </a:solidFill>
-            </a:endParaRPr>
-          </a:p>
-          <a:p>
-            <a:r>
-              <a:rPr lang="en-US" sz="2200" dirty="0">
-                <a:solidFill>
-                  <a:srgbClr val="00B050"/>
-                </a:solidFill>
-              </a:rPr>
-              <a:t>// Launch CUDA kernel.</a:t>
-            </a:r>
-          </a:p>
-          <a:p>
-            <a:r>
-              <a:rPr lang="en-US" sz="2200" dirty="0" err="1">
-                <a:solidFill>
-                  <a:srgbClr val="FF0000"/>
-                </a:solidFill>
-              </a:rPr>
-              <a:t>mul</a:t>
-            </a:r>
-            <a:r>
-              <a:rPr lang="en-US" sz="2200" dirty="0">
-                <a:solidFill>
-                  <a:srgbClr val="FF0000"/>
-                </a:solidFill>
-              </a:rPr>
-              <a:t>&lt;&lt;&lt;</a:t>
-            </a:r>
-            <a:r>
-              <a:rPr lang="en-US" sz="2200" dirty="0" err="1">
-                <a:solidFill>
-                  <a:srgbClr val="FF0000"/>
-                </a:solidFill>
-              </a:rPr>
-              <a:t>Grid,Block</a:t>
-            </a:r>
-            <a:r>
-              <a:rPr lang="en-US" sz="2200" dirty="0">
-                <a:solidFill>
-                  <a:srgbClr val="FF0000"/>
-                </a:solidFill>
-              </a:rPr>
-              <a:t>&gt;&gt;&gt;(A, B, C, </a:t>
-            </a:r>
-            <a:r>
-              <a:rPr lang="en-US" sz="2400" dirty="0">
-                <a:solidFill>
-                  <a:srgbClr val="FF0000"/>
-                </a:solidFill>
-              </a:rPr>
-              <a:t>N</a:t>
-            </a:r>
-            <a:r>
-              <a:rPr lang="en-US" sz="2200" dirty="0">
-                <a:solidFill>
-                  <a:srgbClr val="FF0000"/>
-                </a:solidFill>
-              </a:rPr>
-              <a:t>); </a:t>
-            </a:r>
-          </a:p>
-          <a:p>
-            <a:r>
-              <a:rPr lang="en-US" dirty="0"/>
-              <a:t>	</a:t>
-            </a:r>
-          </a:p>
-          <a:p>
-            <a:endParaRPr lang="en-US" dirty="0">
-              <a:latin typeface="Times New Roman" pitchFamily="18" charset="0"/>
-            </a:endParaRPr>
-          </a:p>
-          <a:p>
-            <a:endParaRPr lang="en-US" dirty="0"/>
-          </a:p>
-        </p:txBody>
-      </p:sp>
-      <p:sp>
-        <p:nvSpPr>
-          <p:cNvPr id="2" name="Rectangle 6">
-            <a:extLst>
-              <a:ext uri="{FF2B5EF4-FFF2-40B4-BE49-F238E27FC236}">
-                <a16:creationId xmlns:a16="http://schemas.microsoft.com/office/drawing/2014/main" id="{1033147A-BFEE-4E2B-8CDC-85A179754FEC}"/>
-              </a:ext>
-            </a:extLst>
-          </p:cNvPr>
-          <p:cNvSpPr txBox="1">
-            <a:spLocks/>
-          </p:cNvSpPr>
-          <p:nvPr/>
-        </p:nvSpPr>
-        <p:spPr>
-          <a:xfrm>
-            <a:off x="720436" y="78980"/>
-            <a:ext cx="7620000" cy="1427585"/>
-          </a:xfrm>
-          <a:prstGeom prst="rect">
-            <a:avLst/>
-          </a:prstGeom>
-        </p:spPr>
-        <p:txBody>
-          <a:bodyPr vert="horz" lIns="0" tIns="45720" rIns="91440" bIns="45720" rtlCol="0" anchor="ctr">
-            <a:normAutofit/>
-          </a:bodyPr>
-          <a:lstStyle>
-            <a:lvl1pPr algn="l" defTabSz="914400" rtl="0" eaLnBrk="1" latinLnBrk="0" hangingPunct="1">
-              <a:lnSpc>
-                <a:spcPct val="90000"/>
-              </a:lnSpc>
-              <a:spcBef>
-                <a:spcPct val="0"/>
-              </a:spcBef>
-              <a:buNone/>
-              <a:defRPr sz="3600" kern="1200">
-                <a:solidFill>
-                  <a:schemeClr val="tx1"/>
-                </a:solidFill>
-                <a:latin typeface="+mj-lt"/>
-                <a:ea typeface="+mj-ea"/>
-                <a:cs typeface="+mj-cs"/>
-              </a:defRPr>
-            </a:lvl1pPr>
-          </a:lstStyle>
-          <a:p>
-            <a:r>
-              <a:rPr lang="en-US" sz="4000"/>
-              <a:t>CUDA Matrix Multiplication Example</a:t>
-            </a:r>
-            <a:endParaRPr lang="en-IN" sz="4000" dirty="0"/>
+            <a:pPr>
+              <a:defRPr/>
+            </a:pPr>
+            <a:r>
+              <a:rPr lang="en-US" sz="2800" dirty="0"/>
+              <a:t>Thank you</a:t>
+            </a:r>
           </a:p>
         </p:txBody>
       </p:sp>
@@ -31297,563 +26943,6 @@
 </p:sld>
 </file>
 
-<file path=ppt/slides/slide40.xml><?xml version="1.0" encoding="utf-8"?>
-<p:sld xmlns:a="http://schemas.openxmlformats.org/drawingml/2006/main" xmlns:r="http://schemas.openxmlformats.org/officeDocument/2006/relationships" xmlns:p="http://schemas.openxmlformats.org/presentationml/2006/main">
-  <p:cSld>
-    <p:spTree>
-      <p:nvGrpSpPr>
-        <p:cNvPr id="1" name=""/>
-        <p:cNvGrpSpPr/>
-        <p:nvPr/>
-      </p:nvGrpSpPr>
-      <p:grpSpPr>
-        <a:xfrm>
-          <a:off x="0" y="0"/>
-          <a:ext cx="0" cy="0"/>
-          <a:chOff x="0" y="0"/>
-          <a:chExt cx="0" cy="0"/>
-        </a:xfrm>
-      </p:grpSpPr>
-      <p:sp>
-        <p:nvSpPr>
-          <p:cNvPr id="4" name="Rectangle 3"/>
-          <p:cNvSpPr>
-            <a:spLocks noChangeArrowheads="1"/>
-          </p:cNvSpPr>
-          <p:nvPr/>
-        </p:nvSpPr>
-        <p:spPr bwMode="auto">
-          <a:xfrm>
-            <a:off x="0" y="0"/>
-            <a:ext cx="9144000" cy="858838"/>
-          </a:xfrm>
-          <a:prstGeom prst="rect">
-            <a:avLst/>
-          </a:prstGeom>
-          <a:noFill/>
-          <a:ln w="9525" algn="ctr">
-            <a:noFill/>
-            <a:miter lim="800000"/>
-            <a:headEnd/>
-            <a:tailEnd/>
-          </a:ln>
-          <a:effectLst>
-            <a:outerShdw dist="20000" dir="5400000" rotWithShape="0">
-              <a:srgbClr val="000000">
-                <a:alpha val="37999"/>
-              </a:srgbClr>
-            </a:outerShdw>
-          </a:effectLst>
-        </p:spPr>
-        <p:txBody>
-          <a:bodyPr anchor="ctr"/>
-          <a:lstStyle/>
-          <a:p>
-            <a:pPr algn="ctr" fontAlgn="auto">
-              <a:spcBef>
-                <a:spcPts val="0"/>
-              </a:spcBef>
-              <a:spcAft>
-                <a:spcPts val="0"/>
-              </a:spcAft>
-              <a:defRPr/>
-            </a:pPr>
-            <a:endParaRPr lang="en-US">
-              <a:solidFill>
-                <a:schemeClr val="dk1"/>
-              </a:solidFill>
-              <a:latin typeface="+mn-lt"/>
-              <a:cs typeface="+mn-cs"/>
-            </a:endParaRPr>
-          </a:p>
-        </p:txBody>
-      </p:sp>
-      <p:sp>
-        <p:nvSpPr>
-          <p:cNvPr id="5" name="Content Placeholder 4"/>
-          <p:cNvSpPr>
-            <a:spLocks noGrp="1"/>
-          </p:cNvSpPr>
-          <p:nvPr>
-            <p:ph sz="quarter" idx="12"/>
-          </p:nvPr>
-        </p:nvSpPr>
-        <p:spPr>
-          <a:xfrm>
-            <a:off x="1101610" y="1671783"/>
-            <a:ext cx="7543626" cy="5033818"/>
-          </a:xfrm>
-        </p:spPr>
-        <p:txBody>
-          <a:bodyPr>
-            <a:normAutofit fontScale="92500" lnSpcReduction="20000"/>
-          </a:bodyPr>
-          <a:lstStyle/>
-          <a:p>
-            <a:pPr>
-              <a:spcBef>
-                <a:spcPts val="300"/>
-              </a:spcBef>
-              <a:spcAft>
-                <a:spcPts val="0"/>
-              </a:spcAft>
-              <a:buFont typeface="Arial" charset="0"/>
-              <a:buNone/>
-            </a:pPr>
-            <a:r>
-              <a:rPr lang="en-IN" sz="2400" dirty="0">
-                <a:solidFill>
-                  <a:srgbClr val="00B050"/>
-                </a:solidFill>
-              </a:rPr>
-              <a:t>// Wait for GPU to finish before accessing on host.</a:t>
-            </a:r>
-            <a:endParaRPr lang="en-US" sz="2400" dirty="0">
-              <a:solidFill>
-                <a:srgbClr val="00B050"/>
-              </a:solidFill>
-            </a:endParaRPr>
-          </a:p>
-          <a:p>
-            <a:pPr>
-              <a:spcBef>
-                <a:spcPts val="300"/>
-              </a:spcBef>
-              <a:spcAft>
-                <a:spcPts val="0"/>
-              </a:spcAft>
-              <a:buFont typeface="Arial" charset="0"/>
-              <a:buNone/>
-            </a:pPr>
-            <a:r>
-              <a:rPr lang="en-US" sz="2400" dirty="0" err="1">
-                <a:solidFill>
-                  <a:srgbClr val="FF0000"/>
-                </a:solidFill>
-              </a:rPr>
-              <a:t>cudaDeviceSynchronize</a:t>
-            </a:r>
-            <a:r>
-              <a:rPr lang="en-US" sz="2400" dirty="0">
-                <a:solidFill>
-                  <a:srgbClr val="FF0000"/>
-                </a:solidFill>
-              </a:rPr>
-              <a:t>();</a:t>
-            </a:r>
-          </a:p>
-          <a:p>
-            <a:pPr>
-              <a:spcBef>
-                <a:spcPts val="300"/>
-              </a:spcBef>
-              <a:spcAft>
-                <a:spcPts val="0"/>
-              </a:spcAft>
-              <a:buFont typeface="Arial" charset="0"/>
-              <a:buNone/>
-            </a:pPr>
-            <a:endParaRPr lang="en-US" sz="2400" dirty="0"/>
-          </a:p>
-          <a:p>
-            <a:pPr>
-              <a:spcBef>
-                <a:spcPts val="300"/>
-              </a:spcBef>
-              <a:spcAft>
-                <a:spcPts val="0"/>
-              </a:spcAft>
-              <a:buFont typeface="Arial" charset="0"/>
-              <a:buNone/>
-            </a:pPr>
-            <a:r>
-              <a:rPr lang="en-US" sz="2400" dirty="0">
-                <a:solidFill>
-                  <a:srgbClr val="00B050"/>
-                </a:solidFill>
-              </a:rPr>
-              <a:t>//Print Results</a:t>
-            </a:r>
-          </a:p>
-          <a:p>
-            <a:pPr>
-              <a:spcBef>
-                <a:spcPts val="300"/>
-              </a:spcBef>
-              <a:spcAft>
-                <a:spcPts val="0"/>
-              </a:spcAft>
-              <a:buFont typeface="Arial" charset="0"/>
-              <a:buNone/>
-            </a:pPr>
-            <a:r>
-              <a:rPr lang="en-US" sz="2400" dirty="0"/>
-              <a:t>for (long </a:t>
-            </a:r>
-            <a:r>
-              <a:rPr lang="en-US" sz="2400" dirty="0" err="1"/>
-              <a:t>i</a:t>
-            </a:r>
-            <a:r>
-              <a:rPr lang="en-US" sz="2400" dirty="0"/>
-              <a:t> = 0; </a:t>
-            </a:r>
-            <a:r>
-              <a:rPr lang="en-US" sz="2400" dirty="0" err="1"/>
-              <a:t>i</a:t>
-            </a:r>
-            <a:r>
-              <a:rPr lang="en-US" sz="2400" dirty="0"/>
-              <a:t> &lt; N; </a:t>
-            </a:r>
-            <a:r>
-              <a:rPr lang="en-US" sz="2400" dirty="0" err="1"/>
-              <a:t>i</a:t>
-            </a:r>
-            <a:r>
-              <a:rPr lang="en-US" sz="2400" dirty="0"/>
-              <a:t>++) {</a:t>
-            </a:r>
-          </a:p>
-          <a:p>
-            <a:pPr>
-              <a:spcBef>
-                <a:spcPts val="300"/>
-              </a:spcBef>
-              <a:spcAft>
-                <a:spcPts val="0"/>
-              </a:spcAft>
-              <a:buFont typeface="Arial" charset="0"/>
-              <a:buNone/>
-            </a:pPr>
-            <a:r>
-              <a:rPr lang="en-US" sz="2400" dirty="0"/>
-              <a:t>     for (long j = 0; j &lt; N; </a:t>
-            </a:r>
-            <a:r>
-              <a:rPr lang="en-US" sz="2400" dirty="0" err="1"/>
-              <a:t>j++</a:t>
-            </a:r>
-            <a:r>
-              <a:rPr lang="en-US" sz="2400" dirty="0"/>
-              <a:t>) {</a:t>
-            </a:r>
-          </a:p>
-          <a:p>
-            <a:pPr>
-              <a:spcBef>
-                <a:spcPts val="300"/>
-              </a:spcBef>
-              <a:spcAft>
-                <a:spcPts val="0"/>
-              </a:spcAft>
-              <a:buFont typeface="Arial" charset="0"/>
-              <a:buNone/>
-            </a:pPr>
-            <a:r>
-              <a:rPr lang="en-US" sz="2400" dirty="0"/>
-              <a:t>             </a:t>
-            </a:r>
-            <a:r>
-              <a:rPr lang="en-US" sz="2400" dirty="0" err="1"/>
-              <a:t>printf</a:t>
-            </a:r>
-            <a:r>
-              <a:rPr lang="en-US" sz="2400" dirty="0"/>
-              <a:t>("%f   ", C[</a:t>
-            </a:r>
-            <a:r>
-              <a:rPr lang="en-US" sz="2400" dirty="0" err="1"/>
-              <a:t>i</a:t>
-            </a:r>
-            <a:r>
-              <a:rPr lang="en-US" sz="2400" dirty="0"/>
-              <a:t> * N + j]);</a:t>
-            </a:r>
-          </a:p>
-          <a:p>
-            <a:pPr>
-              <a:spcBef>
-                <a:spcPts val="300"/>
-              </a:spcBef>
-              <a:spcAft>
-                <a:spcPts val="0"/>
-              </a:spcAft>
-              <a:buFont typeface="Arial" charset="0"/>
-              <a:buNone/>
-            </a:pPr>
-            <a:r>
-              <a:rPr lang="en-US" sz="2400" dirty="0"/>
-              <a:t>         }</a:t>
-            </a:r>
-          </a:p>
-          <a:p>
-            <a:pPr>
-              <a:spcBef>
-                <a:spcPts val="300"/>
-              </a:spcBef>
-              <a:spcAft>
-                <a:spcPts val="0"/>
-              </a:spcAft>
-              <a:buFont typeface="Arial" charset="0"/>
-              <a:buNone/>
-            </a:pPr>
-            <a:r>
-              <a:rPr lang="en-US" sz="2400" dirty="0"/>
-              <a:t>         </a:t>
-            </a:r>
-            <a:r>
-              <a:rPr lang="en-US" sz="2400" dirty="0" err="1"/>
-              <a:t>printf</a:t>
-            </a:r>
-            <a:r>
-              <a:rPr lang="en-US" sz="2400" dirty="0"/>
-              <a:t>("\n");</a:t>
-            </a:r>
-          </a:p>
-          <a:p>
-            <a:pPr>
-              <a:spcBef>
-                <a:spcPts val="300"/>
-              </a:spcBef>
-              <a:spcAft>
-                <a:spcPts val="0"/>
-              </a:spcAft>
-              <a:buFont typeface="Arial" charset="0"/>
-              <a:buNone/>
-            </a:pPr>
-            <a:r>
-              <a:rPr lang="en-US" sz="2400" dirty="0"/>
-              <a:t>     }</a:t>
-            </a:r>
-          </a:p>
-          <a:p>
-            <a:pPr>
-              <a:spcBef>
-                <a:spcPts val="300"/>
-              </a:spcBef>
-              <a:spcAft>
-                <a:spcPts val="0"/>
-              </a:spcAft>
-              <a:buFont typeface="Arial" charset="0"/>
-              <a:buNone/>
-            </a:pPr>
-            <a:endParaRPr lang="en-US" sz="2400" dirty="0"/>
-          </a:p>
-          <a:p>
-            <a:pPr>
-              <a:spcBef>
-                <a:spcPts val="300"/>
-              </a:spcBef>
-              <a:spcAft>
-                <a:spcPts val="0"/>
-              </a:spcAft>
-            </a:pPr>
-            <a:r>
-              <a:rPr lang="en-US" sz="2400" dirty="0">
-                <a:solidFill>
-                  <a:srgbClr val="00B050"/>
-                </a:solidFill>
-              </a:rPr>
-              <a:t>// Free memory.</a:t>
-            </a:r>
-          </a:p>
-          <a:p>
-            <a:pPr>
-              <a:spcBef>
-                <a:spcPts val="300"/>
-              </a:spcBef>
-              <a:spcAft>
-                <a:spcPts val="0"/>
-              </a:spcAft>
-            </a:pPr>
-            <a:r>
-              <a:rPr lang="en-US" sz="2400" dirty="0" err="1">
-                <a:solidFill>
-                  <a:srgbClr val="FF0000"/>
-                </a:solidFill>
-              </a:rPr>
-              <a:t>cudaFree</a:t>
-            </a:r>
-            <a:r>
-              <a:rPr lang="en-US" sz="2400" dirty="0">
-                <a:solidFill>
-                  <a:srgbClr val="FF0000"/>
-                </a:solidFill>
-              </a:rPr>
-              <a:t>(A); </a:t>
-            </a:r>
-          </a:p>
-          <a:p>
-            <a:pPr>
-              <a:spcBef>
-                <a:spcPts val="300"/>
-              </a:spcBef>
-              <a:spcAft>
-                <a:spcPts val="0"/>
-              </a:spcAft>
-            </a:pPr>
-            <a:r>
-              <a:rPr lang="en-US" sz="2400" dirty="0" err="1">
-                <a:solidFill>
-                  <a:srgbClr val="FF0000"/>
-                </a:solidFill>
-              </a:rPr>
-              <a:t>cudaFree</a:t>
-            </a:r>
-            <a:r>
-              <a:rPr lang="en-US" sz="2400" dirty="0">
-                <a:solidFill>
-                  <a:srgbClr val="FF0000"/>
-                </a:solidFill>
-              </a:rPr>
-              <a:t>(B); </a:t>
-            </a:r>
-          </a:p>
-          <a:p>
-            <a:pPr>
-              <a:spcBef>
-                <a:spcPts val="300"/>
-              </a:spcBef>
-              <a:spcAft>
-                <a:spcPts val="0"/>
-              </a:spcAft>
-            </a:pPr>
-            <a:r>
-              <a:rPr lang="en-US" sz="2400" dirty="0" err="1">
-                <a:solidFill>
-                  <a:srgbClr val="FF0000"/>
-                </a:solidFill>
-              </a:rPr>
-              <a:t>cudaFree</a:t>
-            </a:r>
-            <a:r>
-              <a:rPr lang="en-US" sz="2400" dirty="0">
-                <a:solidFill>
-                  <a:srgbClr val="FF0000"/>
-                </a:solidFill>
-              </a:rPr>
-              <a:t>(C);</a:t>
-            </a:r>
-          </a:p>
-        </p:txBody>
-      </p:sp>
-      <p:sp>
-        <p:nvSpPr>
-          <p:cNvPr id="6" name="Rectangle 6">
-            <a:extLst>
-              <a:ext uri="{FF2B5EF4-FFF2-40B4-BE49-F238E27FC236}">
-                <a16:creationId xmlns:a16="http://schemas.microsoft.com/office/drawing/2014/main" id="{5ED83455-2520-B406-50CF-7CF6100D200B}"/>
-              </a:ext>
-            </a:extLst>
-          </p:cNvPr>
-          <p:cNvSpPr>
-            <a:spLocks noGrp="1"/>
-          </p:cNvSpPr>
-          <p:nvPr>
-            <p:ph type="title"/>
-          </p:nvPr>
-        </p:nvSpPr>
-        <p:spPr>
-          <a:xfrm>
-            <a:off x="720436" y="78980"/>
-            <a:ext cx="7620000" cy="1427585"/>
-          </a:xfrm>
-        </p:spPr>
-        <p:txBody>
-          <a:bodyPr/>
-          <a:lstStyle/>
-          <a:p>
-            <a:r>
-              <a:rPr lang="en-US" sz="4000" dirty="0"/>
-              <a:t>CUDA Matrix Multiplication Example</a:t>
-            </a:r>
-            <a:endParaRPr lang="en-IN" sz="4000" dirty="0"/>
-          </a:p>
-        </p:txBody>
-      </p:sp>
-    </p:spTree>
-  </p:cSld>
-  <p:clrMapOvr>
-    <a:masterClrMapping/>
-  </p:clrMapOvr>
-</p:sld>
-</file>
-
-<file path=ppt/slides/slide41.xml><?xml version="1.0" encoding="utf-8"?>
-<p:sld xmlns:a="http://schemas.openxmlformats.org/drawingml/2006/main" xmlns:r="http://schemas.openxmlformats.org/officeDocument/2006/relationships" xmlns:p="http://schemas.openxmlformats.org/presentationml/2006/main">
-  <p:cSld>
-    <p:spTree>
-      <p:nvGrpSpPr>
-        <p:cNvPr id="1" name=""/>
-        <p:cNvGrpSpPr/>
-        <p:nvPr/>
-      </p:nvGrpSpPr>
-      <p:grpSpPr>
-        <a:xfrm>
-          <a:off x="0" y="0"/>
-          <a:ext cx="0" cy="0"/>
-          <a:chOff x="0" y="0"/>
-          <a:chExt cx="0" cy="0"/>
-        </a:xfrm>
-      </p:grpSpPr>
-      <p:sp>
-        <p:nvSpPr>
-          <p:cNvPr id="36866" name="Title 1"/>
-          <p:cNvSpPr>
-            <a:spLocks noGrp="1"/>
-          </p:cNvSpPr>
-          <p:nvPr>
-            <p:ph type="title"/>
-          </p:nvPr>
-        </p:nvSpPr>
-        <p:spPr/>
-        <p:txBody>
-          <a:bodyPr/>
-          <a:lstStyle/>
-          <a:p>
-            <a:r>
-              <a:rPr lang="en-US" b="1" dirty="0"/>
-              <a:t>Questions?</a:t>
-            </a:r>
-          </a:p>
-        </p:txBody>
-      </p:sp>
-      <p:sp>
-        <p:nvSpPr>
-          <p:cNvPr id="3" name="Subtitle 2"/>
-          <p:cNvSpPr>
-            <a:spLocks noGrp="1"/>
-          </p:cNvSpPr>
-          <p:nvPr>
-            <p:ph sz="quarter" idx="10"/>
-          </p:nvPr>
-        </p:nvSpPr>
-        <p:spPr/>
-        <p:txBody>
-          <a:bodyPr>
-            <a:normAutofit/>
-          </a:bodyPr>
-          <a:lstStyle/>
-          <a:p>
-            <a:pPr>
-              <a:defRPr/>
-            </a:pPr>
-            <a:r>
-              <a:rPr lang="en-US" sz="2800" dirty="0"/>
-              <a:t>Thank you</a:t>
-            </a:r>
-          </a:p>
-        </p:txBody>
-      </p:sp>
-    </p:spTree>
-  </p:cSld>
-  <p:clrMapOvr>
-    <a:masterClrMapping/>
-  </p:clrMapOvr>
-</p:sld>
-</file>
-
 <file path=ppt/slides/slide5.xml><?xml version="1.0" encoding="utf-8"?>
 <p:sld xmlns:a="http://schemas.openxmlformats.org/drawingml/2006/main" xmlns:r="http://schemas.openxmlformats.org/officeDocument/2006/relationships" xmlns:p="http://schemas.openxmlformats.org/presentationml/2006/main">
   <p:cSld>
@@ -36491,15 +31580,6 @@
 </file>
 
 <file path=customXml/item1.xml><?xml version="1.0" encoding="utf-8"?>
-<?mso-contentType ?>
-<FormTemplates xmlns="http://schemas.microsoft.com/sharepoint/v3/contenttype/forms">
-  <Display>DocumentLibraryForm</Display>
-  <Edit>DocumentLibraryForm</Edit>
-  <New>DocumentLibraryForm</New>
-</FormTemplates>
-</file>
-
-<file path=customXml/item2.xml><?xml version="1.0" encoding="utf-8"?>
 <ct:contentTypeSchema xmlns:ct="http://schemas.microsoft.com/office/2006/metadata/contentType" xmlns:ma="http://schemas.microsoft.com/office/2006/metadata/properties/metaAttributes" ct:_="" ma:_="" ma:contentTypeName="Document" ma:contentTypeID="0x01010079F111ED35F8CC479449609E8A0923A6" ma:contentTypeVersion="28" ma:contentTypeDescription="Create a new document." ma:contentTypeScope="" ma:versionID="60f5a4f2d2b0abadcf532d48ebf9cb71">
   <xsd:schema xmlns:xsd="http://www.w3.org/2001/XMLSchema" xmlns:xs="http://www.w3.org/2001/XMLSchema" xmlns:p="http://schemas.microsoft.com/office/2006/metadata/properties" xmlns:ns1="http://schemas.microsoft.com/sharepoint/v3" xmlns:ns2="71af3243-3dd4-4a8d-8c0d-dd76da1f02a5" xmlns:ns3="16c05727-aa75-4e4a-9b5f-8a80a1165891" xmlns:ns4="230e9df3-be65-4c73-a93b-d1236ebd677e" targetNamespace="http://schemas.microsoft.com/office/2006/metadata/properties" ma:root="true" ma:fieldsID="7dd78129e6a1811f84807ad11c651531" ns1:_="" ns2:_="" ns3:_="" ns4:_="">
     <xsd:import namespace="http://schemas.microsoft.com/sharepoint/v3"/>
@@ -36811,7 +31891,7 @@
 </ct:contentTypeSchema>
 </file>
 
-<file path=customXml/item3.xml><?xml version="1.0" encoding="utf-8"?>
+<file path=customXml/item2.xml><?xml version="1.0" encoding="utf-8"?>
 <p:properties xmlns:p="http://schemas.microsoft.com/office/2006/metadata/properties" xmlns:xsi="http://www.w3.org/2001/XMLSchema-instance" xmlns:pc="http://schemas.microsoft.com/office/infopath/2007/PartnerControls">
   <documentManagement>
     <_ip_UnifiedCompliancePolicyUIAction xmlns="http://schemas.microsoft.com/sharepoint/v3" xsi:nil="true"/>
@@ -36831,15 +31911,16 @@
 </p:properties>
 </file>
 
-<file path=customXml/itemProps1.xml><?xml version="1.0" encoding="utf-8"?>
-<ds:datastoreItem xmlns:ds="http://schemas.openxmlformats.org/officeDocument/2006/customXml" ds:itemID="{A98CD342-50C4-441F-B4A3-7D5ADB057132}">
-  <ds:schemaRefs>
-    <ds:schemaRef ds:uri="http://schemas.microsoft.com/sharepoint/v3/contenttype/forms"/>
-  </ds:schemaRefs>
-</ds:datastoreItem>
+<file path=customXml/item3.xml><?xml version="1.0" encoding="utf-8"?>
+<?mso-contentType ?>
+<FormTemplates xmlns="http://schemas.microsoft.com/sharepoint/v3/contenttype/forms">
+  <Display>DocumentLibraryForm</Display>
+  <Edit>DocumentLibraryForm</Edit>
+  <New>DocumentLibraryForm</New>
+</FormTemplates>
 </file>
 
-<file path=customXml/itemProps2.xml><?xml version="1.0" encoding="utf-8"?>
+<file path=customXml/itemProps1.xml><?xml version="1.0" encoding="utf-8"?>
 <ds:datastoreItem xmlns:ds="http://schemas.openxmlformats.org/officeDocument/2006/customXml" ds:itemID="{3FAE0208-DBD5-43E1-AC6B-D2AD9623F0B9}">
   <ds:schemaRefs>
     <ds:schemaRef ds:uri="http://schemas.microsoft.com/office/2006/metadata/contentType"/>
@@ -36860,7 +31941,7 @@
 </ds:datastoreItem>
 </file>
 
-<file path=customXml/itemProps3.xml><?xml version="1.0" encoding="utf-8"?>
+<file path=customXml/itemProps2.xml><?xml version="1.0" encoding="utf-8"?>
 <ds:datastoreItem xmlns:ds="http://schemas.openxmlformats.org/officeDocument/2006/customXml" ds:itemID="{CBDD27D0-5B6E-4A0E-95B2-BB37F9D88615}">
   <ds:schemaRefs>
     <ds:schemaRef ds:uri="http://schemas.microsoft.com/office/2006/metadata/properties"/>
@@ -36872,6 +31953,14 @@
 </ds:datastoreItem>
 </file>
 
+<file path=customXml/itemProps3.xml><?xml version="1.0" encoding="utf-8"?>
+<ds:datastoreItem xmlns:ds="http://schemas.openxmlformats.org/officeDocument/2006/customXml" ds:itemID="{A98CD342-50C4-441F-B4A3-7D5ADB057132}">
+  <ds:schemaRefs>
+    <ds:schemaRef ds:uri="http://schemas.microsoft.com/sharepoint/v3/contenttype/forms"/>
+  </ds:schemaRefs>
+</ds:datastoreItem>
+</file>
+
 <file path=docMetadata/LabelInfo.xml><?xml version="1.0" encoding="utf-8"?>
 <clbl:labelList xmlns:clbl="http://schemas.microsoft.com/office/2020/mipLabelMetadata"/>
 </file>